--- a/Designpattern정리.pptx
+++ b/Designpattern정리.pptx
@@ -2,19 +2,19 @@
 <file path=ppt/presentation.xml><?xml version="1.0" encoding="utf-8"?>
 <p:presentation xmlns:a="http://schemas.openxmlformats.org/drawingml/2006/main" xmlns:r="http://schemas.openxmlformats.org/officeDocument/2006/relationships" xmlns:p="http://schemas.openxmlformats.org/presentationml/2006/main" saveSubsetFonts="1">
   <p:sldMasterIdLst>
-    <p:sldMasterId id="2147483648" r:id="rId1"/>
+    <p:sldMasterId id="2147483660" r:id="rId1"/>
   </p:sldMasterIdLst>
   <p:sldIdLst>
     <p:sldId id="256" r:id="rId2"/>
     <p:sldId id="257" r:id="rId3"/>
   </p:sldIdLst>
-  <p:sldSz cx="12192000" cy="6858000"/>
+  <p:sldSz cx="9144000" cy="6858000" type="screen4x3"/>
   <p:notesSz cx="6858000" cy="9144000"/>
   <p:defaultTextStyle>
     <a:defPPr>
-      <a:defRPr lang="ko-KR"/>
+      <a:defRPr lang="en-US"/>
     </a:defPPr>
-    <a:lvl1pPr marL="0" algn="l" defTabSz="914400" rtl="0" eaLnBrk="1" latinLnBrk="1" hangingPunct="1">
+    <a:lvl1pPr marL="0" algn="l" defTabSz="457200" rtl="0" eaLnBrk="1" latinLnBrk="0" hangingPunct="1">
       <a:defRPr sz="1800" kern="1200">
         <a:solidFill>
           <a:schemeClr val="tx1"/>
@@ -24,7 +24,7 @@
         <a:cs typeface="+mn-cs"/>
       </a:defRPr>
     </a:lvl1pPr>
-    <a:lvl2pPr marL="457200" algn="l" defTabSz="914400" rtl="0" eaLnBrk="1" latinLnBrk="1" hangingPunct="1">
+    <a:lvl2pPr marL="457200" algn="l" defTabSz="457200" rtl="0" eaLnBrk="1" latinLnBrk="0" hangingPunct="1">
       <a:defRPr sz="1800" kern="1200">
         <a:solidFill>
           <a:schemeClr val="tx1"/>
@@ -34,7 +34,7 @@
         <a:cs typeface="+mn-cs"/>
       </a:defRPr>
     </a:lvl2pPr>
-    <a:lvl3pPr marL="914400" algn="l" defTabSz="914400" rtl="0" eaLnBrk="1" latinLnBrk="1" hangingPunct="1">
+    <a:lvl3pPr marL="914400" algn="l" defTabSz="457200" rtl="0" eaLnBrk="1" latinLnBrk="0" hangingPunct="1">
       <a:defRPr sz="1800" kern="1200">
         <a:solidFill>
           <a:schemeClr val="tx1"/>
@@ -44,7 +44,7 @@
         <a:cs typeface="+mn-cs"/>
       </a:defRPr>
     </a:lvl3pPr>
-    <a:lvl4pPr marL="1371600" algn="l" defTabSz="914400" rtl="0" eaLnBrk="1" latinLnBrk="1" hangingPunct="1">
+    <a:lvl4pPr marL="1371600" algn="l" defTabSz="457200" rtl="0" eaLnBrk="1" latinLnBrk="0" hangingPunct="1">
       <a:defRPr sz="1800" kern="1200">
         <a:solidFill>
           <a:schemeClr val="tx1"/>
@@ -54,7 +54,7 @@
         <a:cs typeface="+mn-cs"/>
       </a:defRPr>
     </a:lvl4pPr>
-    <a:lvl5pPr marL="1828800" algn="l" defTabSz="914400" rtl="0" eaLnBrk="1" latinLnBrk="1" hangingPunct="1">
+    <a:lvl5pPr marL="1828800" algn="l" defTabSz="457200" rtl="0" eaLnBrk="1" latinLnBrk="0" hangingPunct="1">
       <a:defRPr sz="1800" kern="1200">
         <a:solidFill>
           <a:schemeClr val="tx1"/>
@@ -64,7 +64,7 @@
         <a:cs typeface="+mn-cs"/>
       </a:defRPr>
     </a:lvl5pPr>
-    <a:lvl6pPr marL="2286000" algn="l" defTabSz="914400" rtl="0" eaLnBrk="1" latinLnBrk="1" hangingPunct="1">
+    <a:lvl6pPr marL="2286000" algn="l" defTabSz="457200" rtl="0" eaLnBrk="1" latinLnBrk="0" hangingPunct="1">
       <a:defRPr sz="1800" kern="1200">
         <a:solidFill>
           <a:schemeClr val="tx1"/>
@@ -74,7 +74,7 @@
         <a:cs typeface="+mn-cs"/>
       </a:defRPr>
     </a:lvl6pPr>
-    <a:lvl7pPr marL="2743200" algn="l" defTabSz="914400" rtl="0" eaLnBrk="1" latinLnBrk="1" hangingPunct="1">
+    <a:lvl7pPr marL="2743200" algn="l" defTabSz="457200" rtl="0" eaLnBrk="1" latinLnBrk="0" hangingPunct="1">
       <a:defRPr sz="1800" kern="1200">
         <a:solidFill>
           <a:schemeClr val="tx1"/>
@@ -84,7 +84,7 @@
         <a:cs typeface="+mn-cs"/>
       </a:defRPr>
     </a:lvl7pPr>
-    <a:lvl8pPr marL="3200400" algn="l" defTabSz="914400" rtl="0" eaLnBrk="1" latinLnBrk="1" hangingPunct="1">
+    <a:lvl8pPr marL="3200400" algn="l" defTabSz="457200" rtl="0" eaLnBrk="1" latinLnBrk="0" hangingPunct="1">
       <a:defRPr sz="1800" kern="1200">
         <a:solidFill>
           <a:schemeClr val="tx1"/>
@@ -94,7 +94,7 @@
         <a:cs typeface="+mn-cs"/>
       </a:defRPr>
     </a:lvl8pPr>
-    <a:lvl9pPr marL="3657600" algn="l" defTabSz="914400" rtl="0" eaLnBrk="1" latinLnBrk="1" hangingPunct="1">
+    <a:lvl9pPr marL="3657600" algn="l" defTabSz="457200" rtl="0" eaLnBrk="1" latinLnBrk="0" hangingPunct="1">
       <a:defRPr sz="1800" kern="1200">
         <a:solidFill>
           <a:schemeClr val="tx1"/>
@@ -105,7 +105,16 @@
       </a:defRPr>
     </a:lvl9pPr>
   </p:defaultTextStyle>
+  <p:extLst>
+    <p:ext uri="{EFAFB233-063F-42B5-8137-9DF3F51BA10A}">
+      <p15:sldGuideLst xmlns:p15="http://schemas.microsoft.com/office/powerpoint/2012/main"/>
+    </p:ext>
+  </p:extLst>
 </p:presentation>
+</file>
+
+<file path=ppt/revisionInfo.xml><?xml version="1.0" encoding="utf-8"?>
+<p1510:revInfo xmlns:a="http://schemas.openxmlformats.org/drawingml/2006/main" xmlns:r="http://schemas.openxmlformats.org/officeDocument/2006/relationships" xmlns:p1510="http://schemas.microsoft.com/office/powerpoint/2015/10/main"/>
 </file>
 
 <file path=ppt/slideLayouts/slideLayout1.xml><?xml version="1.0" encoding="utf-8"?>
@@ -127,13 +136,7 @@
       </p:grpSpPr>
       <p:sp>
         <p:nvSpPr>
-          <p:cNvPr id="2" name="제목 1">
-            <a:extLst>
-              <a:ext uri="{FF2B5EF4-FFF2-40B4-BE49-F238E27FC236}">
-                <a16:creationId xmlns:a16="http://schemas.microsoft.com/office/drawing/2014/main" id="{CD6AE4FB-47CA-4129-883C-7B986FB948A4}"/>
-              </a:ext>
-            </a:extLst>
-          </p:cNvPr>
+          <p:cNvPr id="2" name="Title 1"/>
           <p:cNvSpPr>
             <a:spLocks noGrp="1"/>
           </p:cNvSpPr>
@@ -143,8 +146,8 @@
         </p:nvSpPr>
         <p:spPr>
           <a:xfrm>
-            <a:off x="1524000" y="1122363"/>
-            <a:ext cx="9144000" cy="2387600"/>
+            <a:off x="685800" y="1122363"/>
+            <a:ext cx="7772400" cy="2387600"/>
           </a:xfrm>
         </p:spPr>
         <p:txBody>
@@ -159,18 +162,13 @@
               <a:rPr lang="ko-KR" altLang="en-US"/>
               <a:t>마스터 제목 스타일 편집</a:t>
             </a:r>
-          </a:p>
-        </p:txBody>
-      </p:sp>
-      <p:sp>
-        <p:nvSpPr>
-          <p:cNvPr id="3" name="부제목 2">
-            <a:extLst>
-              <a:ext uri="{FF2B5EF4-FFF2-40B4-BE49-F238E27FC236}">
-                <a16:creationId xmlns:a16="http://schemas.microsoft.com/office/drawing/2014/main" id="{5B512260-31E0-4819-8D77-283CC9D41CF0}"/>
-              </a:ext>
-            </a:extLst>
-          </p:cNvPr>
+            <a:endParaRPr lang="en-US" dirty="0"/>
+          </a:p>
+        </p:txBody>
+      </p:sp>
+      <p:sp>
+        <p:nvSpPr>
+          <p:cNvPr id="3" name="Subtitle 2"/>
           <p:cNvSpPr>
             <a:spLocks noGrp="1"/>
           </p:cNvSpPr>
@@ -180,8 +178,8 @@
         </p:nvSpPr>
         <p:spPr>
           <a:xfrm>
-            <a:off x="1524000" y="3602038"/>
-            <a:ext cx="9144000" cy="1655762"/>
+            <a:off x="1143000" y="3602038"/>
+            <a:ext cx="6858000" cy="1655762"/>
           </a:xfrm>
         </p:spPr>
         <p:txBody>
@@ -229,18 +227,13 @@
               <a:rPr lang="ko-KR" altLang="en-US"/>
               <a:t>클릭하여 마스터 부제목 스타일 편집</a:t>
             </a:r>
-          </a:p>
-        </p:txBody>
-      </p:sp>
-      <p:sp>
-        <p:nvSpPr>
-          <p:cNvPr id="4" name="날짜 개체 틀 3">
-            <a:extLst>
-              <a:ext uri="{FF2B5EF4-FFF2-40B4-BE49-F238E27FC236}">
-                <a16:creationId xmlns:a16="http://schemas.microsoft.com/office/drawing/2014/main" id="{C47120BF-8ABF-4B3E-AAF0-CCC90CE4BC93}"/>
-              </a:ext>
-            </a:extLst>
-          </p:cNvPr>
+            <a:endParaRPr lang="en-US" dirty="0"/>
+          </a:p>
+        </p:txBody>
+      </p:sp>
+      <p:sp>
+        <p:nvSpPr>
+          <p:cNvPr id="4" name="Date Placeholder 3"/>
           <p:cNvSpPr>
             <a:spLocks noGrp="1"/>
           </p:cNvSpPr>
@@ -263,13 +256,7 @@
       </p:sp>
       <p:sp>
         <p:nvSpPr>
-          <p:cNvPr id="5" name="바닥글 개체 틀 4">
-            <a:extLst>
-              <a:ext uri="{FF2B5EF4-FFF2-40B4-BE49-F238E27FC236}">
-                <a16:creationId xmlns:a16="http://schemas.microsoft.com/office/drawing/2014/main" id="{249F4EE5-3321-4AAE-877A-A6563D5A3085}"/>
-              </a:ext>
-            </a:extLst>
-          </p:cNvPr>
+          <p:cNvPr id="5" name="Footer Placeholder 4"/>
           <p:cNvSpPr>
             <a:spLocks noGrp="1"/>
           </p:cNvSpPr>
@@ -288,13 +275,7 @@
       </p:sp>
       <p:sp>
         <p:nvSpPr>
-          <p:cNvPr id="6" name="슬라이드 번호 개체 틀 5">
-            <a:extLst>
-              <a:ext uri="{FF2B5EF4-FFF2-40B4-BE49-F238E27FC236}">
-                <a16:creationId xmlns:a16="http://schemas.microsoft.com/office/drawing/2014/main" id="{F688CDA6-5999-43FF-B716-5F712C7C560B}"/>
-              </a:ext>
-            </a:extLst>
-          </p:cNvPr>
+          <p:cNvPr id="6" name="Slide Number Placeholder 5"/>
           <p:cNvSpPr>
             <a:spLocks noGrp="1"/>
           </p:cNvSpPr>
@@ -318,7 +299,7 @@
     </p:spTree>
     <p:extLst>
       <p:ext uri="{BB962C8B-B14F-4D97-AF65-F5344CB8AC3E}">
-        <p14:creationId xmlns:p14="http://schemas.microsoft.com/office/powerpoint/2010/main" val="1515880715"/>
+        <p14:creationId xmlns:p14="http://schemas.microsoft.com/office/powerpoint/2010/main" val="957025711"/>
       </p:ext>
     </p:extLst>
   </p:cSld>
@@ -347,13 +328,7 @@
       </p:grpSpPr>
       <p:sp>
         <p:nvSpPr>
-          <p:cNvPr id="2" name="제목 1">
-            <a:extLst>
-              <a:ext uri="{FF2B5EF4-FFF2-40B4-BE49-F238E27FC236}">
-                <a16:creationId xmlns:a16="http://schemas.microsoft.com/office/drawing/2014/main" id="{5F297D3B-9933-4BEA-B55A-EB6622B52D6C}"/>
-              </a:ext>
-            </a:extLst>
-          </p:cNvPr>
+          <p:cNvPr id="2" name="Title 1"/>
           <p:cNvSpPr>
             <a:spLocks noGrp="1"/>
           </p:cNvSpPr>
@@ -370,18 +345,13 @@
               <a:rPr lang="ko-KR" altLang="en-US"/>
               <a:t>마스터 제목 스타일 편집</a:t>
             </a:r>
-          </a:p>
-        </p:txBody>
-      </p:sp>
-      <p:sp>
-        <p:nvSpPr>
-          <p:cNvPr id="3" name="세로 텍스트 개체 틀 2">
-            <a:extLst>
-              <a:ext uri="{FF2B5EF4-FFF2-40B4-BE49-F238E27FC236}">
-                <a16:creationId xmlns:a16="http://schemas.microsoft.com/office/drawing/2014/main" id="{78C2C0F2-66BB-4406-A10A-FA5A8D3E6DBD}"/>
-              </a:ext>
-            </a:extLst>
-          </p:cNvPr>
+            <a:endParaRPr lang="en-US" dirty="0"/>
+          </a:p>
+        </p:txBody>
+      </p:sp>
+      <p:sp>
+        <p:nvSpPr>
+          <p:cNvPr id="3" name="Vertical Text Placeholder 2"/>
           <p:cNvSpPr>
             <a:spLocks noGrp="1"/>
           </p:cNvSpPr>
@@ -427,18 +397,13 @@
               <a:rPr lang="ko-KR" altLang="en-US"/>
               <a:t>다섯째 수준</a:t>
             </a:r>
-          </a:p>
-        </p:txBody>
-      </p:sp>
-      <p:sp>
-        <p:nvSpPr>
-          <p:cNvPr id="4" name="날짜 개체 틀 3">
-            <a:extLst>
-              <a:ext uri="{FF2B5EF4-FFF2-40B4-BE49-F238E27FC236}">
-                <a16:creationId xmlns:a16="http://schemas.microsoft.com/office/drawing/2014/main" id="{18ED0111-F64D-4232-990D-A5140F1B2DBD}"/>
-              </a:ext>
-            </a:extLst>
-          </p:cNvPr>
+            <a:endParaRPr lang="en-US" dirty="0"/>
+          </a:p>
+        </p:txBody>
+      </p:sp>
+      <p:sp>
+        <p:nvSpPr>
+          <p:cNvPr id="4" name="Date Placeholder 3"/>
           <p:cNvSpPr>
             <a:spLocks noGrp="1"/>
           </p:cNvSpPr>
@@ -461,13 +426,7 @@
       </p:sp>
       <p:sp>
         <p:nvSpPr>
-          <p:cNvPr id="5" name="바닥글 개체 틀 4">
-            <a:extLst>
-              <a:ext uri="{FF2B5EF4-FFF2-40B4-BE49-F238E27FC236}">
-                <a16:creationId xmlns:a16="http://schemas.microsoft.com/office/drawing/2014/main" id="{DE83128D-CF19-4096-BC7E-9CC9BE270AD6}"/>
-              </a:ext>
-            </a:extLst>
-          </p:cNvPr>
+          <p:cNvPr id="5" name="Footer Placeholder 4"/>
           <p:cNvSpPr>
             <a:spLocks noGrp="1"/>
           </p:cNvSpPr>
@@ -486,13 +445,7 @@
       </p:sp>
       <p:sp>
         <p:nvSpPr>
-          <p:cNvPr id="6" name="슬라이드 번호 개체 틀 5">
-            <a:extLst>
-              <a:ext uri="{FF2B5EF4-FFF2-40B4-BE49-F238E27FC236}">
-                <a16:creationId xmlns:a16="http://schemas.microsoft.com/office/drawing/2014/main" id="{EC3A77A0-26BE-4032-AC00-7B0F8F34FF35}"/>
-              </a:ext>
-            </a:extLst>
-          </p:cNvPr>
+          <p:cNvPr id="6" name="Slide Number Placeholder 5"/>
           <p:cNvSpPr>
             <a:spLocks noGrp="1"/>
           </p:cNvSpPr>
@@ -516,7 +469,7 @@
     </p:spTree>
     <p:extLst>
       <p:ext uri="{BB962C8B-B14F-4D97-AF65-F5344CB8AC3E}">
-        <p14:creationId xmlns:p14="http://schemas.microsoft.com/office/powerpoint/2010/main" val="2311684474"/>
+        <p14:creationId xmlns:p14="http://schemas.microsoft.com/office/powerpoint/2010/main" val="70149670"/>
       </p:ext>
     </p:extLst>
   </p:cSld>
@@ -545,13 +498,7 @@
       </p:grpSpPr>
       <p:sp>
         <p:nvSpPr>
-          <p:cNvPr id="2" name="세로 제목 1">
-            <a:extLst>
-              <a:ext uri="{FF2B5EF4-FFF2-40B4-BE49-F238E27FC236}">
-                <a16:creationId xmlns:a16="http://schemas.microsoft.com/office/drawing/2014/main" id="{9BE7215B-29BC-4077-98C5-B21C0FE376E4}"/>
-              </a:ext>
-            </a:extLst>
-          </p:cNvPr>
+          <p:cNvPr id="2" name="Vertical Title 1"/>
           <p:cNvSpPr>
             <a:spLocks noGrp="1"/>
           </p:cNvSpPr>
@@ -561,8 +508,8 @@
         </p:nvSpPr>
         <p:spPr>
           <a:xfrm>
-            <a:off x="8724900" y="365125"/>
-            <a:ext cx="2628900" cy="5811838"/>
+            <a:off x="6543675" y="365125"/>
+            <a:ext cx="1971675" cy="5811838"/>
           </a:xfrm>
         </p:spPr>
         <p:txBody>
@@ -573,18 +520,13 @@
               <a:rPr lang="ko-KR" altLang="en-US"/>
               <a:t>마스터 제목 스타일 편집</a:t>
             </a:r>
-          </a:p>
-        </p:txBody>
-      </p:sp>
-      <p:sp>
-        <p:nvSpPr>
-          <p:cNvPr id="3" name="세로 텍스트 개체 틀 2">
-            <a:extLst>
-              <a:ext uri="{FF2B5EF4-FFF2-40B4-BE49-F238E27FC236}">
-                <a16:creationId xmlns:a16="http://schemas.microsoft.com/office/drawing/2014/main" id="{D9B5AFDC-ADD5-4BE8-B54C-1E9E95664832}"/>
-              </a:ext>
-            </a:extLst>
-          </p:cNvPr>
+            <a:endParaRPr lang="en-US" dirty="0"/>
+          </a:p>
+        </p:txBody>
+      </p:sp>
+      <p:sp>
+        <p:nvSpPr>
+          <p:cNvPr id="3" name="Vertical Text Placeholder 2"/>
           <p:cNvSpPr>
             <a:spLocks noGrp="1"/>
           </p:cNvSpPr>
@@ -594,8 +536,8 @@
         </p:nvSpPr>
         <p:spPr>
           <a:xfrm>
-            <a:off x="838200" y="365125"/>
-            <a:ext cx="7734300" cy="5811838"/>
+            <a:off x="628650" y="365125"/>
+            <a:ext cx="5800725" cy="5811838"/>
           </a:xfrm>
         </p:spPr>
         <p:txBody>
@@ -635,18 +577,13 @@
               <a:rPr lang="ko-KR" altLang="en-US"/>
               <a:t>다섯째 수준</a:t>
             </a:r>
-          </a:p>
-        </p:txBody>
-      </p:sp>
-      <p:sp>
-        <p:nvSpPr>
-          <p:cNvPr id="4" name="날짜 개체 틀 3">
-            <a:extLst>
-              <a:ext uri="{FF2B5EF4-FFF2-40B4-BE49-F238E27FC236}">
-                <a16:creationId xmlns:a16="http://schemas.microsoft.com/office/drawing/2014/main" id="{1CB4D2F7-DEFE-4CD5-BA85-41042AA24633}"/>
-              </a:ext>
-            </a:extLst>
-          </p:cNvPr>
+            <a:endParaRPr lang="en-US" dirty="0"/>
+          </a:p>
+        </p:txBody>
+      </p:sp>
+      <p:sp>
+        <p:nvSpPr>
+          <p:cNvPr id="4" name="Date Placeholder 3"/>
           <p:cNvSpPr>
             <a:spLocks noGrp="1"/>
           </p:cNvSpPr>
@@ -669,13 +606,7 @@
       </p:sp>
       <p:sp>
         <p:nvSpPr>
-          <p:cNvPr id="5" name="바닥글 개체 틀 4">
-            <a:extLst>
-              <a:ext uri="{FF2B5EF4-FFF2-40B4-BE49-F238E27FC236}">
-                <a16:creationId xmlns:a16="http://schemas.microsoft.com/office/drawing/2014/main" id="{D96E4E2F-1485-4240-96D6-C79713B2E6BA}"/>
-              </a:ext>
-            </a:extLst>
-          </p:cNvPr>
+          <p:cNvPr id="5" name="Footer Placeholder 4"/>
           <p:cNvSpPr>
             <a:spLocks noGrp="1"/>
           </p:cNvSpPr>
@@ -694,13 +625,7 @@
       </p:sp>
       <p:sp>
         <p:nvSpPr>
-          <p:cNvPr id="6" name="슬라이드 번호 개체 틀 5">
-            <a:extLst>
-              <a:ext uri="{FF2B5EF4-FFF2-40B4-BE49-F238E27FC236}">
-                <a16:creationId xmlns:a16="http://schemas.microsoft.com/office/drawing/2014/main" id="{479F5DB2-7B7D-477A-AC3A-F8A8659F1E57}"/>
-              </a:ext>
-            </a:extLst>
-          </p:cNvPr>
+          <p:cNvPr id="6" name="Slide Number Placeholder 5"/>
           <p:cNvSpPr>
             <a:spLocks noGrp="1"/>
           </p:cNvSpPr>
@@ -724,7 +649,7 @@
     </p:spTree>
     <p:extLst>
       <p:ext uri="{BB962C8B-B14F-4D97-AF65-F5344CB8AC3E}">
-        <p14:creationId xmlns:p14="http://schemas.microsoft.com/office/powerpoint/2010/main" val="1167140325"/>
+        <p14:creationId xmlns:p14="http://schemas.microsoft.com/office/powerpoint/2010/main" val="3792194653"/>
       </p:ext>
     </p:extLst>
   </p:cSld>
@@ -753,13 +678,7 @@
       </p:grpSpPr>
       <p:sp>
         <p:nvSpPr>
-          <p:cNvPr id="2" name="제목 1">
-            <a:extLst>
-              <a:ext uri="{FF2B5EF4-FFF2-40B4-BE49-F238E27FC236}">
-                <a16:creationId xmlns:a16="http://schemas.microsoft.com/office/drawing/2014/main" id="{F2EC8456-043F-442D-8676-7DB0D4658289}"/>
-              </a:ext>
-            </a:extLst>
-          </p:cNvPr>
+          <p:cNvPr id="2" name="Title 1"/>
           <p:cNvSpPr>
             <a:spLocks noGrp="1"/>
           </p:cNvSpPr>
@@ -776,18 +695,13 @@
               <a:rPr lang="ko-KR" altLang="en-US"/>
               <a:t>마스터 제목 스타일 편집</a:t>
             </a:r>
-          </a:p>
-        </p:txBody>
-      </p:sp>
-      <p:sp>
-        <p:nvSpPr>
-          <p:cNvPr id="3" name="내용 개체 틀 2">
-            <a:extLst>
-              <a:ext uri="{FF2B5EF4-FFF2-40B4-BE49-F238E27FC236}">
-                <a16:creationId xmlns:a16="http://schemas.microsoft.com/office/drawing/2014/main" id="{6F62AD7A-3EB5-4BCB-863F-1AB234D0C217}"/>
-              </a:ext>
-            </a:extLst>
-          </p:cNvPr>
+            <a:endParaRPr lang="en-US" dirty="0"/>
+          </a:p>
+        </p:txBody>
+      </p:sp>
+      <p:sp>
+        <p:nvSpPr>
+          <p:cNvPr id="3" name="Content Placeholder 2"/>
           <p:cNvSpPr>
             <a:spLocks noGrp="1"/>
           </p:cNvSpPr>
@@ -833,18 +747,13 @@
               <a:rPr lang="ko-KR" altLang="en-US"/>
               <a:t>다섯째 수준</a:t>
             </a:r>
-          </a:p>
-        </p:txBody>
-      </p:sp>
-      <p:sp>
-        <p:nvSpPr>
-          <p:cNvPr id="4" name="날짜 개체 틀 3">
-            <a:extLst>
-              <a:ext uri="{FF2B5EF4-FFF2-40B4-BE49-F238E27FC236}">
-                <a16:creationId xmlns:a16="http://schemas.microsoft.com/office/drawing/2014/main" id="{89A459C8-472C-4E05-904C-72E60007AD33}"/>
-              </a:ext>
-            </a:extLst>
-          </p:cNvPr>
+            <a:endParaRPr lang="en-US" dirty="0"/>
+          </a:p>
+        </p:txBody>
+      </p:sp>
+      <p:sp>
+        <p:nvSpPr>
+          <p:cNvPr id="4" name="Date Placeholder 3"/>
           <p:cNvSpPr>
             <a:spLocks noGrp="1"/>
           </p:cNvSpPr>
@@ -867,13 +776,7 @@
       </p:sp>
       <p:sp>
         <p:nvSpPr>
-          <p:cNvPr id="5" name="바닥글 개체 틀 4">
-            <a:extLst>
-              <a:ext uri="{FF2B5EF4-FFF2-40B4-BE49-F238E27FC236}">
-                <a16:creationId xmlns:a16="http://schemas.microsoft.com/office/drawing/2014/main" id="{D7EC52E7-7DBC-4113-9B06-86FFB1DED381}"/>
-              </a:ext>
-            </a:extLst>
-          </p:cNvPr>
+          <p:cNvPr id="5" name="Footer Placeholder 4"/>
           <p:cNvSpPr>
             <a:spLocks noGrp="1"/>
           </p:cNvSpPr>
@@ -892,13 +795,7 @@
       </p:sp>
       <p:sp>
         <p:nvSpPr>
-          <p:cNvPr id="6" name="슬라이드 번호 개체 틀 5">
-            <a:extLst>
-              <a:ext uri="{FF2B5EF4-FFF2-40B4-BE49-F238E27FC236}">
-                <a16:creationId xmlns:a16="http://schemas.microsoft.com/office/drawing/2014/main" id="{FA8E82C5-845A-44CA-A851-8FA6C6E72173}"/>
-              </a:ext>
-            </a:extLst>
-          </p:cNvPr>
+          <p:cNvPr id="6" name="Slide Number Placeholder 5"/>
           <p:cNvSpPr>
             <a:spLocks noGrp="1"/>
           </p:cNvSpPr>
@@ -922,7 +819,7 @@
     </p:spTree>
     <p:extLst>
       <p:ext uri="{BB962C8B-B14F-4D97-AF65-F5344CB8AC3E}">
-        <p14:creationId xmlns:p14="http://schemas.microsoft.com/office/powerpoint/2010/main" val="3664042034"/>
+        <p14:creationId xmlns:p14="http://schemas.microsoft.com/office/powerpoint/2010/main" val="3317612241"/>
       </p:ext>
     </p:extLst>
   </p:cSld>
@@ -951,13 +848,7 @@
       </p:grpSpPr>
       <p:sp>
         <p:nvSpPr>
-          <p:cNvPr id="2" name="제목 1">
-            <a:extLst>
-              <a:ext uri="{FF2B5EF4-FFF2-40B4-BE49-F238E27FC236}">
-                <a16:creationId xmlns:a16="http://schemas.microsoft.com/office/drawing/2014/main" id="{DD2542F1-AD14-43DD-B026-84E7B36AD4C9}"/>
-              </a:ext>
-            </a:extLst>
-          </p:cNvPr>
+          <p:cNvPr id="2" name="Title 1"/>
           <p:cNvSpPr>
             <a:spLocks noGrp="1"/>
           </p:cNvSpPr>
@@ -967,8 +858,8 @@
         </p:nvSpPr>
         <p:spPr>
           <a:xfrm>
-            <a:off x="831850" y="1709738"/>
-            <a:ext cx="10515600" cy="2852737"/>
+            <a:off x="623888" y="1709739"/>
+            <a:ext cx="7886700" cy="2852737"/>
           </a:xfrm>
         </p:spPr>
         <p:txBody>
@@ -983,18 +874,13 @@
               <a:rPr lang="ko-KR" altLang="en-US"/>
               <a:t>마스터 제목 스타일 편집</a:t>
             </a:r>
-          </a:p>
-        </p:txBody>
-      </p:sp>
-      <p:sp>
-        <p:nvSpPr>
-          <p:cNvPr id="3" name="텍스트 개체 틀 2">
-            <a:extLst>
-              <a:ext uri="{FF2B5EF4-FFF2-40B4-BE49-F238E27FC236}">
-                <a16:creationId xmlns:a16="http://schemas.microsoft.com/office/drawing/2014/main" id="{15AE5DB1-88B3-4908-BCD0-E2359DC9CAD6}"/>
-              </a:ext>
-            </a:extLst>
-          </p:cNvPr>
+            <a:endParaRPr lang="en-US" dirty="0"/>
+          </a:p>
+        </p:txBody>
+      </p:sp>
+      <p:sp>
+        <p:nvSpPr>
+          <p:cNvPr id="3" name="Text Placeholder 2"/>
           <p:cNvSpPr>
             <a:spLocks noGrp="1"/>
           </p:cNvSpPr>
@@ -1004,8 +890,8 @@
         </p:nvSpPr>
         <p:spPr>
           <a:xfrm>
-            <a:off x="831850" y="4589463"/>
-            <a:ext cx="10515600" cy="1500187"/>
+            <a:off x="623888" y="4589464"/>
+            <a:ext cx="7886700" cy="1500187"/>
           </a:xfrm>
         </p:spPr>
         <p:txBody>
@@ -1015,9 +901,7 @@
               <a:buNone/>
               <a:defRPr sz="2400">
                 <a:solidFill>
-                  <a:schemeClr val="tx1">
-                    <a:tint val="75000"/>
-                  </a:schemeClr>
+                  <a:schemeClr val="tx1"/>
                 </a:solidFill>
               </a:defRPr>
             </a:lvl1pPr>
@@ -1113,13 +997,7 @@
       </p:sp>
       <p:sp>
         <p:nvSpPr>
-          <p:cNvPr id="4" name="날짜 개체 틀 3">
-            <a:extLst>
-              <a:ext uri="{FF2B5EF4-FFF2-40B4-BE49-F238E27FC236}">
-                <a16:creationId xmlns:a16="http://schemas.microsoft.com/office/drawing/2014/main" id="{6E98C5E9-57D9-464D-89B8-88822279314B}"/>
-              </a:ext>
-            </a:extLst>
-          </p:cNvPr>
+          <p:cNvPr id="4" name="Date Placeholder 3"/>
           <p:cNvSpPr>
             <a:spLocks noGrp="1"/>
           </p:cNvSpPr>
@@ -1142,13 +1020,7 @@
       </p:sp>
       <p:sp>
         <p:nvSpPr>
-          <p:cNvPr id="5" name="바닥글 개체 틀 4">
-            <a:extLst>
-              <a:ext uri="{FF2B5EF4-FFF2-40B4-BE49-F238E27FC236}">
-                <a16:creationId xmlns:a16="http://schemas.microsoft.com/office/drawing/2014/main" id="{0E7EEC92-9EE4-45DE-A413-1CE852A41E65}"/>
-              </a:ext>
-            </a:extLst>
-          </p:cNvPr>
+          <p:cNvPr id="5" name="Footer Placeholder 4"/>
           <p:cNvSpPr>
             <a:spLocks noGrp="1"/>
           </p:cNvSpPr>
@@ -1167,13 +1039,7 @@
       </p:sp>
       <p:sp>
         <p:nvSpPr>
-          <p:cNvPr id="6" name="슬라이드 번호 개체 틀 5">
-            <a:extLst>
-              <a:ext uri="{FF2B5EF4-FFF2-40B4-BE49-F238E27FC236}">
-                <a16:creationId xmlns:a16="http://schemas.microsoft.com/office/drawing/2014/main" id="{C3986D58-8CA8-450D-91F0-761E71B43A82}"/>
-              </a:ext>
-            </a:extLst>
-          </p:cNvPr>
+          <p:cNvPr id="6" name="Slide Number Placeholder 5"/>
           <p:cNvSpPr>
             <a:spLocks noGrp="1"/>
           </p:cNvSpPr>
@@ -1197,7 +1063,7 @@
     </p:spTree>
     <p:extLst>
       <p:ext uri="{BB962C8B-B14F-4D97-AF65-F5344CB8AC3E}">
-        <p14:creationId xmlns:p14="http://schemas.microsoft.com/office/powerpoint/2010/main" val="950116258"/>
+        <p14:creationId xmlns:p14="http://schemas.microsoft.com/office/powerpoint/2010/main" val="2926867801"/>
       </p:ext>
     </p:extLst>
   </p:cSld>
@@ -1226,13 +1092,7 @@
       </p:grpSpPr>
       <p:sp>
         <p:nvSpPr>
-          <p:cNvPr id="2" name="제목 1">
-            <a:extLst>
-              <a:ext uri="{FF2B5EF4-FFF2-40B4-BE49-F238E27FC236}">
-                <a16:creationId xmlns:a16="http://schemas.microsoft.com/office/drawing/2014/main" id="{34F34EAA-4695-40C0-977F-6C7D1EF22366}"/>
-              </a:ext>
-            </a:extLst>
-          </p:cNvPr>
+          <p:cNvPr id="2" name="Title 1"/>
           <p:cNvSpPr>
             <a:spLocks noGrp="1"/>
           </p:cNvSpPr>
@@ -1249,18 +1109,13 @@
               <a:rPr lang="ko-KR" altLang="en-US"/>
               <a:t>마스터 제목 스타일 편집</a:t>
             </a:r>
-          </a:p>
-        </p:txBody>
-      </p:sp>
-      <p:sp>
-        <p:nvSpPr>
-          <p:cNvPr id="3" name="내용 개체 틀 2">
-            <a:extLst>
-              <a:ext uri="{FF2B5EF4-FFF2-40B4-BE49-F238E27FC236}">
-                <a16:creationId xmlns:a16="http://schemas.microsoft.com/office/drawing/2014/main" id="{C463FB7D-4DAB-4E60-AF3B-7A717CE4EDFC}"/>
-              </a:ext>
-            </a:extLst>
-          </p:cNvPr>
+            <a:endParaRPr lang="en-US" dirty="0"/>
+          </a:p>
+        </p:txBody>
+      </p:sp>
+      <p:sp>
+        <p:nvSpPr>
+          <p:cNvPr id="3" name="Content Placeholder 2"/>
           <p:cNvSpPr>
             <a:spLocks noGrp="1"/>
           </p:cNvSpPr>
@@ -1270,8 +1125,8 @@
         </p:nvSpPr>
         <p:spPr>
           <a:xfrm>
-            <a:off x="838200" y="1825625"/>
-            <a:ext cx="5181600" cy="4351338"/>
+            <a:off x="628650" y="1825625"/>
+            <a:ext cx="3886200" cy="4351338"/>
           </a:xfrm>
         </p:spPr>
         <p:txBody>
@@ -1311,18 +1166,13 @@
               <a:rPr lang="ko-KR" altLang="en-US"/>
               <a:t>다섯째 수준</a:t>
             </a:r>
-          </a:p>
-        </p:txBody>
-      </p:sp>
-      <p:sp>
-        <p:nvSpPr>
-          <p:cNvPr id="4" name="내용 개체 틀 3">
-            <a:extLst>
-              <a:ext uri="{FF2B5EF4-FFF2-40B4-BE49-F238E27FC236}">
-                <a16:creationId xmlns:a16="http://schemas.microsoft.com/office/drawing/2014/main" id="{C50DB0D5-5964-48C0-A412-85B0E21A4A36}"/>
-              </a:ext>
-            </a:extLst>
-          </p:cNvPr>
+            <a:endParaRPr lang="en-US" dirty="0"/>
+          </a:p>
+        </p:txBody>
+      </p:sp>
+      <p:sp>
+        <p:nvSpPr>
+          <p:cNvPr id="4" name="Content Placeholder 3"/>
           <p:cNvSpPr>
             <a:spLocks noGrp="1"/>
           </p:cNvSpPr>
@@ -1332,8 +1182,8 @@
         </p:nvSpPr>
         <p:spPr>
           <a:xfrm>
-            <a:off x="6172200" y="1825625"/>
-            <a:ext cx="5181600" cy="4351338"/>
+            <a:off x="4629150" y="1825625"/>
+            <a:ext cx="3886200" cy="4351338"/>
           </a:xfrm>
         </p:spPr>
         <p:txBody>
@@ -1373,18 +1223,13 @@
               <a:rPr lang="ko-KR" altLang="en-US"/>
               <a:t>다섯째 수준</a:t>
             </a:r>
-          </a:p>
-        </p:txBody>
-      </p:sp>
-      <p:sp>
-        <p:nvSpPr>
-          <p:cNvPr id="5" name="날짜 개체 틀 4">
-            <a:extLst>
-              <a:ext uri="{FF2B5EF4-FFF2-40B4-BE49-F238E27FC236}">
-                <a16:creationId xmlns:a16="http://schemas.microsoft.com/office/drawing/2014/main" id="{4B56A3C8-0AFE-4B70-93E0-F9FFF9E31550}"/>
-              </a:ext>
-            </a:extLst>
-          </p:cNvPr>
+            <a:endParaRPr lang="en-US" dirty="0"/>
+          </a:p>
+        </p:txBody>
+      </p:sp>
+      <p:sp>
+        <p:nvSpPr>
+          <p:cNvPr id="5" name="Date Placeholder 4"/>
           <p:cNvSpPr>
             <a:spLocks noGrp="1"/>
           </p:cNvSpPr>
@@ -1407,13 +1252,7 @@
       </p:sp>
       <p:sp>
         <p:nvSpPr>
-          <p:cNvPr id="6" name="바닥글 개체 틀 5">
-            <a:extLst>
-              <a:ext uri="{FF2B5EF4-FFF2-40B4-BE49-F238E27FC236}">
-                <a16:creationId xmlns:a16="http://schemas.microsoft.com/office/drawing/2014/main" id="{CC52B161-78CB-4175-89C9-615DF44349C3}"/>
-              </a:ext>
-            </a:extLst>
-          </p:cNvPr>
+          <p:cNvPr id="6" name="Footer Placeholder 5"/>
           <p:cNvSpPr>
             <a:spLocks noGrp="1"/>
           </p:cNvSpPr>
@@ -1432,13 +1271,7 @@
       </p:sp>
       <p:sp>
         <p:nvSpPr>
-          <p:cNvPr id="7" name="슬라이드 번호 개체 틀 6">
-            <a:extLst>
-              <a:ext uri="{FF2B5EF4-FFF2-40B4-BE49-F238E27FC236}">
-                <a16:creationId xmlns:a16="http://schemas.microsoft.com/office/drawing/2014/main" id="{69E9A741-C5FA-4FA9-99C8-AF63C2757C94}"/>
-              </a:ext>
-            </a:extLst>
-          </p:cNvPr>
+          <p:cNvPr id="7" name="Slide Number Placeholder 6"/>
           <p:cNvSpPr>
             <a:spLocks noGrp="1"/>
           </p:cNvSpPr>
@@ -1462,7 +1295,7 @@
     </p:spTree>
     <p:extLst>
       <p:ext uri="{BB962C8B-B14F-4D97-AF65-F5344CB8AC3E}">
-        <p14:creationId xmlns:p14="http://schemas.microsoft.com/office/powerpoint/2010/main" val="1554363610"/>
+        <p14:creationId xmlns:p14="http://schemas.microsoft.com/office/powerpoint/2010/main" val="1331100135"/>
       </p:ext>
     </p:extLst>
   </p:cSld>
@@ -1491,13 +1324,7 @@
       </p:grpSpPr>
       <p:sp>
         <p:nvSpPr>
-          <p:cNvPr id="2" name="제목 1">
-            <a:extLst>
-              <a:ext uri="{FF2B5EF4-FFF2-40B4-BE49-F238E27FC236}">
-                <a16:creationId xmlns:a16="http://schemas.microsoft.com/office/drawing/2014/main" id="{7F082403-3C01-43DE-BBFB-6C51F1223BDE}"/>
-              </a:ext>
-            </a:extLst>
-          </p:cNvPr>
+          <p:cNvPr id="2" name="Title 1"/>
           <p:cNvSpPr>
             <a:spLocks noGrp="1"/>
           </p:cNvSpPr>
@@ -1507,8 +1334,8 @@
         </p:nvSpPr>
         <p:spPr>
           <a:xfrm>
-            <a:off x="839788" y="365125"/>
-            <a:ext cx="10515600" cy="1325563"/>
+            <a:off x="629841" y="365126"/>
+            <a:ext cx="7886700" cy="1325563"/>
           </a:xfrm>
         </p:spPr>
         <p:txBody>
@@ -1519,18 +1346,13 @@
               <a:rPr lang="ko-KR" altLang="en-US"/>
               <a:t>마스터 제목 스타일 편집</a:t>
             </a:r>
-          </a:p>
-        </p:txBody>
-      </p:sp>
-      <p:sp>
-        <p:nvSpPr>
-          <p:cNvPr id="3" name="텍스트 개체 틀 2">
-            <a:extLst>
-              <a:ext uri="{FF2B5EF4-FFF2-40B4-BE49-F238E27FC236}">
-                <a16:creationId xmlns:a16="http://schemas.microsoft.com/office/drawing/2014/main" id="{34D073A2-DC3F-4299-B710-347579655450}"/>
-              </a:ext>
-            </a:extLst>
-          </p:cNvPr>
+            <a:endParaRPr lang="en-US" dirty="0"/>
+          </a:p>
+        </p:txBody>
+      </p:sp>
+      <p:sp>
+        <p:nvSpPr>
+          <p:cNvPr id="3" name="Text Placeholder 2"/>
           <p:cNvSpPr>
             <a:spLocks noGrp="1"/>
           </p:cNvSpPr>
@@ -1540,8 +1362,8 @@
         </p:nvSpPr>
         <p:spPr>
           <a:xfrm>
-            <a:off x="839788" y="1681163"/>
-            <a:ext cx="5157787" cy="823912"/>
+            <a:off x="629842" y="1681163"/>
+            <a:ext cx="3868340" cy="823912"/>
           </a:xfrm>
         </p:spPr>
         <p:txBody>
@@ -1595,13 +1417,7 @@
       </p:sp>
       <p:sp>
         <p:nvSpPr>
-          <p:cNvPr id="4" name="내용 개체 틀 3">
-            <a:extLst>
-              <a:ext uri="{FF2B5EF4-FFF2-40B4-BE49-F238E27FC236}">
-                <a16:creationId xmlns:a16="http://schemas.microsoft.com/office/drawing/2014/main" id="{C2BE70A1-20AB-4D09-AD6F-A8B712BE7999}"/>
-              </a:ext>
-            </a:extLst>
-          </p:cNvPr>
+          <p:cNvPr id="4" name="Content Placeholder 3"/>
           <p:cNvSpPr>
             <a:spLocks noGrp="1"/>
           </p:cNvSpPr>
@@ -1611,8 +1427,8 @@
         </p:nvSpPr>
         <p:spPr>
           <a:xfrm>
-            <a:off x="839788" y="2505075"/>
-            <a:ext cx="5157787" cy="3684588"/>
+            <a:off x="629842" y="2505075"/>
+            <a:ext cx="3868340" cy="3684588"/>
           </a:xfrm>
         </p:spPr>
         <p:txBody>
@@ -1652,18 +1468,13 @@
               <a:rPr lang="ko-KR" altLang="en-US"/>
               <a:t>다섯째 수준</a:t>
             </a:r>
-          </a:p>
-        </p:txBody>
-      </p:sp>
-      <p:sp>
-        <p:nvSpPr>
-          <p:cNvPr id="5" name="텍스트 개체 틀 4">
-            <a:extLst>
-              <a:ext uri="{FF2B5EF4-FFF2-40B4-BE49-F238E27FC236}">
-                <a16:creationId xmlns:a16="http://schemas.microsoft.com/office/drawing/2014/main" id="{2505D3FF-7A7A-434D-A72B-5CEDB432E5FB}"/>
-              </a:ext>
-            </a:extLst>
-          </p:cNvPr>
+            <a:endParaRPr lang="en-US" dirty="0"/>
+          </a:p>
+        </p:txBody>
+      </p:sp>
+      <p:sp>
+        <p:nvSpPr>
+          <p:cNvPr id="5" name="Text Placeholder 4"/>
           <p:cNvSpPr>
             <a:spLocks noGrp="1"/>
           </p:cNvSpPr>
@@ -1673,8 +1484,8 @@
         </p:nvSpPr>
         <p:spPr>
           <a:xfrm>
-            <a:off x="6172200" y="1681163"/>
-            <a:ext cx="5183188" cy="823912"/>
+            <a:off x="4629150" y="1681163"/>
+            <a:ext cx="3887391" cy="823912"/>
           </a:xfrm>
         </p:spPr>
         <p:txBody>
@@ -1728,13 +1539,7 @@
       </p:sp>
       <p:sp>
         <p:nvSpPr>
-          <p:cNvPr id="6" name="내용 개체 틀 5">
-            <a:extLst>
-              <a:ext uri="{FF2B5EF4-FFF2-40B4-BE49-F238E27FC236}">
-                <a16:creationId xmlns:a16="http://schemas.microsoft.com/office/drawing/2014/main" id="{FC517A0A-66AD-4782-8083-E5D2736950EC}"/>
-              </a:ext>
-            </a:extLst>
-          </p:cNvPr>
+          <p:cNvPr id="6" name="Content Placeholder 5"/>
           <p:cNvSpPr>
             <a:spLocks noGrp="1"/>
           </p:cNvSpPr>
@@ -1744,8 +1549,8 @@
         </p:nvSpPr>
         <p:spPr>
           <a:xfrm>
-            <a:off x="6172200" y="2505075"/>
-            <a:ext cx="5183188" cy="3684588"/>
+            <a:off x="4629150" y="2505075"/>
+            <a:ext cx="3887391" cy="3684588"/>
           </a:xfrm>
         </p:spPr>
         <p:txBody>
@@ -1785,18 +1590,13 @@
               <a:rPr lang="ko-KR" altLang="en-US"/>
               <a:t>다섯째 수준</a:t>
             </a:r>
-          </a:p>
-        </p:txBody>
-      </p:sp>
-      <p:sp>
-        <p:nvSpPr>
-          <p:cNvPr id="7" name="날짜 개체 틀 6">
-            <a:extLst>
-              <a:ext uri="{FF2B5EF4-FFF2-40B4-BE49-F238E27FC236}">
-                <a16:creationId xmlns:a16="http://schemas.microsoft.com/office/drawing/2014/main" id="{9060FF50-4BCE-4710-909B-86BED4F76B04}"/>
-              </a:ext>
-            </a:extLst>
-          </p:cNvPr>
+            <a:endParaRPr lang="en-US" dirty="0"/>
+          </a:p>
+        </p:txBody>
+      </p:sp>
+      <p:sp>
+        <p:nvSpPr>
+          <p:cNvPr id="7" name="Date Placeholder 6"/>
           <p:cNvSpPr>
             <a:spLocks noGrp="1"/>
           </p:cNvSpPr>
@@ -1819,13 +1619,7 @@
       </p:sp>
       <p:sp>
         <p:nvSpPr>
-          <p:cNvPr id="8" name="바닥글 개체 틀 7">
-            <a:extLst>
-              <a:ext uri="{FF2B5EF4-FFF2-40B4-BE49-F238E27FC236}">
-                <a16:creationId xmlns:a16="http://schemas.microsoft.com/office/drawing/2014/main" id="{7E44B3D3-1692-43FC-9E3E-79E6C0E5914A}"/>
-              </a:ext>
-            </a:extLst>
-          </p:cNvPr>
+          <p:cNvPr id="8" name="Footer Placeholder 7"/>
           <p:cNvSpPr>
             <a:spLocks noGrp="1"/>
           </p:cNvSpPr>
@@ -1844,13 +1638,7 @@
       </p:sp>
       <p:sp>
         <p:nvSpPr>
-          <p:cNvPr id="9" name="슬라이드 번호 개체 틀 8">
-            <a:extLst>
-              <a:ext uri="{FF2B5EF4-FFF2-40B4-BE49-F238E27FC236}">
-                <a16:creationId xmlns:a16="http://schemas.microsoft.com/office/drawing/2014/main" id="{C8C4909E-A70B-4B47-B5BB-93B3A005A2AE}"/>
-              </a:ext>
-            </a:extLst>
-          </p:cNvPr>
+          <p:cNvPr id="9" name="Slide Number Placeholder 8"/>
           <p:cNvSpPr>
             <a:spLocks noGrp="1"/>
           </p:cNvSpPr>
@@ -1874,7 +1662,7 @@
     </p:spTree>
     <p:extLst>
       <p:ext uri="{BB962C8B-B14F-4D97-AF65-F5344CB8AC3E}">
-        <p14:creationId xmlns:p14="http://schemas.microsoft.com/office/powerpoint/2010/main" val="2144752098"/>
+        <p14:creationId xmlns:p14="http://schemas.microsoft.com/office/powerpoint/2010/main" val="3410295041"/>
       </p:ext>
     </p:extLst>
   </p:cSld>
@@ -1903,13 +1691,7 @@
       </p:grpSpPr>
       <p:sp>
         <p:nvSpPr>
-          <p:cNvPr id="2" name="제목 1">
-            <a:extLst>
-              <a:ext uri="{FF2B5EF4-FFF2-40B4-BE49-F238E27FC236}">
-                <a16:creationId xmlns:a16="http://schemas.microsoft.com/office/drawing/2014/main" id="{0E11A1FF-8A4C-4516-964B-3FA0ABCF9922}"/>
-              </a:ext>
-            </a:extLst>
-          </p:cNvPr>
+          <p:cNvPr id="2" name="Title 1"/>
           <p:cNvSpPr>
             <a:spLocks noGrp="1"/>
           </p:cNvSpPr>
@@ -1926,18 +1708,13 @@
               <a:rPr lang="ko-KR" altLang="en-US"/>
               <a:t>마스터 제목 스타일 편집</a:t>
             </a:r>
-          </a:p>
-        </p:txBody>
-      </p:sp>
-      <p:sp>
-        <p:nvSpPr>
-          <p:cNvPr id="3" name="날짜 개체 틀 2">
-            <a:extLst>
-              <a:ext uri="{FF2B5EF4-FFF2-40B4-BE49-F238E27FC236}">
-                <a16:creationId xmlns:a16="http://schemas.microsoft.com/office/drawing/2014/main" id="{75140EC3-E5B8-4472-9F08-27861C93F9B7}"/>
-              </a:ext>
-            </a:extLst>
-          </p:cNvPr>
+            <a:endParaRPr lang="en-US" dirty="0"/>
+          </a:p>
+        </p:txBody>
+      </p:sp>
+      <p:sp>
+        <p:nvSpPr>
+          <p:cNvPr id="3" name="Date Placeholder 2"/>
           <p:cNvSpPr>
             <a:spLocks noGrp="1"/>
           </p:cNvSpPr>
@@ -1960,13 +1737,7 @@
       </p:sp>
       <p:sp>
         <p:nvSpPr>
-          <p:cNvPr id="4" name="바닥글 개체 틀 3">
-            <a:extLst>
-              <a:ext uri="{FF2B5EF4-FFF2-40B4-BE49-F238E27FC236}">
-                <a16:creationId xmlns:a16="http://schemas.microsoft.com/office/drawing/2014/main" id="{EEC703F1-C397-4561-8C42-06AB2617AAD0}"/>
-              </a:ext>
-            </a:extLst>
-          </p:cNvPr>
+          <p:cNvPr id="4" name="Footer Placeholder 3"/>
           <p:cNvSpPr>
             <a:spLocks noGrp="1"/>
           </p:cNvSpPr>
@@ -1985,13 +1756,7 @@
       </p:sp>
       <p:sp>
         <p:nvSpPr>
-          <p:cNvPr id="5" name="슬라이드 번호 개체 틀 4">
-            <a:extLst>
-              <a:ext uri="{FF2B5EF4-FFF2-40B4-BE49-F238E27FC236}">
-                <a16:creationId xmlns:a16="http://schemas.microsoft.com/office/drawing/2014/main" id="{8523D7E3-2A77-4A75-B4E7-CAE924B3F8C6}"/>
-              </a:ext>
-            </a:extLst>
-          </p:cNvPr>
+          <p:cNvPr id="5" name="Slide Number Placeholder 4"/>
           <p:cNvSpPr>
             <a:spLocks noGrp="1"/>
           </p:cNvSpPr>
@@ -2015,7 +1780,7 @@
     </p:spTree>
     <p:extLst>
       <p:ext uri="{BB962C8B-B14F-4D97-AF65-F5344CB8AC3E}">
-        <p14:creationId xmlns:p14="http://schemas.microsoft.com/office/powerpoint/2010/main" val="3083985052"/>
+        <p14:creationId xmlns:p14="http://schemas.microsoft.com/office/powerpoint/2010/main" val="847192825"/>
       </p:ext>
     </p:extLst>
   </p:cSld>
@@ -2044,13 +1809,7 @@
       </p:grpSpPr>
       <p:sp>
         <p:nvSpPr>
-          <p:cNvPr id="2" name="날짜 개체 틀 1">
-            <a:extLst>
-              <a:ext uri="{FF2B5EF4-FFF2-40B4-BE49-F238E27FC236}">
-                <a16:creationId xmlns:a16="http://schemas.microsoft.com/office/drawing/2014/main" id="{02CFACBE-9825-43B8-8878-DFF1E55C9BE3}"/>
-              </a:ext>
-            </a:extLst>
-          </p:cNvPr>
+          <p:cNvPr id="2" name="Date Placeholder 1"/>
           <p:cNvSpPr>
             <a:spLocks noGrp="1"/>
           </p:cNvSpPr>
@@ -2073,13 +1832,7 @@
       </p:sp>
       <p:sp>
         <p:nvSpPr>
-          <p:cNvPr id="3" name="바닥글 개체 틀 2">
-            <a:extLst>
-              <a:ext uri="{FF2B5EF4-FFF2-40B4-BE49-F238E27FC236}">
-                <a16:creationId xmlns:a16="http://schemas.microsoft.com/office/drawing/2014/main" id="{073FD855-4CEB-4EF0-918A-5B2E3BCA4A0C}"/>
-              </a:ext>
-            </a:extLst>
-          </p:cNvPr>
+          <p:cNvPr id="3" name="Footer Placeholder 2"/>
           <p:cNvSpPr>
             <a:spLocks noGrp="1"/>
           </p:cNvSpPr>
@@ -2098,13 +1851,7 @@
       </p:sp>
       <p:sp>
         <p:nvSpPr>
-          <p:cNvPr id="4" name="슬라이드 번호 개체 틀 3">
-            <a:extLst>
-              <a:ext uri="{FF2B5EF4-FFF2-40B4-BE49-F238E27FC236}">
-                <a16:creationId xmlns:a16="http://schemas.microsoft.com/office/drawing/2014/main" id="{52D24101-63CF-42C7-A019-6140021BCC01}"/>
-              </a:ext>
-            </a:extLst>
-          </p:cNvPr>
+          <p:cNvPr id="4" name="Slide Number Placeholder 3"/>
           <p:cNvSpPr>
             <a:spLocks noGrp="1"/>
           </p:cNvSpPr>
@@ -2128,7 +1875,7 @@
     </p:spTree>
     <p:extLst>
       <p:ext uri="{BB962C8B-B14F-4D97-AF65-F5344CB8AC3E}">
-        <p14:creationId xmlns:p14="http://schemas.microsoft.com/office/powerpoint/2010/main" val="2918469603"/>
+        <p14:creationId xmlns:p14="http://schemas.microsoft.com/office/powerpoint/2010/main" val="35021195"/>
       </p:ext>
     </p:extLst>
   </p:cSld>
@@ -2157,13 +1904,7 @@
       </p:grpSpPr>
       <p:sp>
         <p:nvSpPr>
-          <p:cNvPr id="2" name="제목 1">
-            <a:extLst>
-              <a:ext uri="{FF2B5EF4-FFF2-40B4-BE49-F238E27FC236}">
-                <a16:creationId xmlns:a16="http://schemas.microsoft.com/office/drawing/2014/main" id="{DFEDDCA6-81CE-4B95-B109-717587679527}"/>
-              </a:ext>
-            </a:extLst>
-          </p:cNvPr>
+          <p:cNvPr id="2" name="Title 1"/>
           <p:cNvSpPr>
             <a:spLocks noGrp="1"/>
           </p:cNvSpPr>
@@ -2173,8 +1914,8 @@
         </p:nvSpPr>
         <p:spPr>
           <a:xfrm>
-            <a:off x="839788" y="457200"/>
-            <a:ext cx="3932237" cy="1600200"/>
+            <a:off x="629841" y="457200"/>
+            <a:ext cx="2949178" cy="1600200"/>
           </a:xfrm>
         </p:spPr>
         <p:txBody>
@@ -2189,18 +1930,13 @@
               <a:rPr lang="ko-KR" altLang="en-US"/>
               <a:t>마스터 제목 스타일 편집</a:t>
             </a:r>
-          </a:p>
-        </p:txBody>
-      </p:sp>
-      <p:sp>
-        <p:nvSpPr>
-          <p:cNvPr id="3" name="내용 개체 틀 2">
-            <a:extLst>
-              <a:ext uri="{FF2B5EF4-FFF2-40B4-BE49-F238E27FC236}">
-                <a16:creationId xmlns:a16="http://schemas.microsoft.com/office/drawing/2014/main" id="{3A27BC32-543C-42F1-86D9-E0A26C325979}"/>
-              </a:ext>
-            </a:extLst>
-          </p:cNvPr>
+            <a:endParaRPr lang="en-US" dirty="0"/>
+          </a:p>
+        </p:txBody>
+      </p:sp>
+      <p:sp>
+        <p:nvSpPr>
+          <p:cNvPr id="3" name="Content Placeholder 2"/>
           <p:cNvSpPr>
             <a:spLocks noGrp="1"/>
           </p:cNvSpPr>
@@ -2210,8 +1946,8 @@
         </p:nvSpPr>
         <p:spPr>
           <a:xfrm>
-            <a:off x="5183188" y="987425"/>
-            <a:ext cx="6172200" cy="4873625"/>
+            <a:off x="3887391" y="987426"/>
+            <a:ext cx="4629150" cy="4873625"/>
           </a:xfrm>
         </p:spPr>
         <p:txBody>
@@ -2279,18 +2015,13 @@
               <a:rPr lang="ko-KR" altLang="en-US"/>
               <a:t>다섯째 수준</a:t>
             </a:r>
-          </a:p>
-        </p:txBody>
-      </p:sp>
-      <p:sp>
-        <p:nvSpPr>
-          <p:cNvPr id="4" name="텍스트 개체 틀 3">
-            <a:extLst>
-              <a:ext uri="{FF2B5EF4-FFF2-40B4-BE49-F238E27FC236}">
-                <a16:creationId xmlns:a16="http://schemas.microsoft.com/office/drawing/2014/main" id="{AA445BA1-4A82-464C-83A3-C85CDBC45D6A}"/>
-              </a:ext>
-            </a:extLst>
-          </p:cNvPr>
+            <a:endParaRPr lang="en-US" dirty="0"/>
+          </a:p>
+        </p:txBody>
+      </p:sp>
+      <p:sp>
+        <p:nvSpPr>
+          <p:cNvPr id="4" name="Text Placeholder 3"/>
           <p:cNvSpPr>
             <a:spLocks noGrp="1"/>
           </p:cNvSpPr>
@@ -2300,8 +2031,8 @@
         </p:nvSpPr>
         <p:spPr>
           <a:xfrm>
-            <a:off x="839788" y="2057400"/>
-            <a:ext cx="3932237" cy="3811588"/>
+            <a:off x="629841" y="2057400"/>
+            <a:ext cx="2949178" cy="3811588"/>
           </a:xfrm>
         </p:spPr>
         <p:txBody>
@@ -2355,13 +2086,7 @@
       </p:sp>
       <p:sp>
         <p:nvSpPr>
-          <p:cNvPr id="5" name="날짜 개체 틀 4">
-            <a:extLst>
-              <a:ext uri="{FF2B5EF4-FFF2-40B4-BE49-F238E27FC236}">
-                <a16:creationId xmlns:a16="http://schemas.microsoft.com/office/drawing/2014/main" id="{DEBA1AAA-E577-4143-80D1-8BF2F708E0D9}"/>
-              </a:ext>
-            </a:extLst>
-          </p:cNvPr>
+          <p:cNvPr id="5" name="Date Placeholder 4"/>
           <p:cNvSpPr>
             <a:spLocks noGrp="1"/>
           </p:cNvSpPr>
@@ -2384,13 +2109,7 @@
       </p:sp>
       <p:sp>
         <p:nvSpPr>
-          <p:cNvPr id="6" name="바닥글 개체 틀 5">
-            <a:extLst>
-              <a:ext uri="{FF2B5EF4-FFF2-40B4-BE49-F238E27FC236}">
-                <a16:creationId xmlns:a16="http://schemas.microsoft.com/office/drawing/2014/main" id="{402D70E7-4393-4890-8884-0B438DCF219D}"/>
-              </a:ext>
-            </a:extLst>
-          </p:cNvPr>
+          <p:cNvPr id="6" name="Footer Placeholder 5"/>
           <p:cNvSpPr>
             <a:spLocks noGrp="1"/>
           </p:cNvSpPr>
@@ -2409,13 +2128,7 @@
       </p:sp>
       <p:sp>
         <p:nvSpPr>
-          <p:cNvPr id="7" name="슬라이드 번호 개체 틀 6">
-            <a:extLst>
-              <a:ext uri="{FF2B5EF4-FFF2-40B4-BE49-F238E27FC236}">
-                <a16:creationId xmlns:a16="http://schemas.microsoft.com/office/drawing/2014/main" id="{D6AEFA20-047A-448E-AEBE-C87209609EDC}"/>
-              </a:ext>
-            </a:extLst>
-          </p:cNvPr>
+          <p:cNvPr id="7" name="Slide Number Placeholder 6"/>
           <p:cNvSpPr>
             <a:spLocks noGrp="1"/>
           </p:cNvSpPr>
@@ -2439,7 +2152,7 @@
     </p:spTree>
     <p:extLst>
       <p:ext uri="{BB962C8B-B14F-4D97-AF65-F5344CB8AC3E}">
-        <p14:creationId xmlns:p14="http://schemas.microsoft.com/office/powerpoint/2010/main" val="3029627496"/>
+        <p14:creationId xmlns:p14="http://schemas.microsoft.com/office/powerpoint/2010/main" val="773468344"/>
       </p:ext>
     </p:extLst>
   </p:cSld>
@@ -2468,13 +2181,7 @@
       </p:grpSpPr>
       <p:sp>
         <p:nvSpPr>
-          <p:cNvPr id="2" name="제목 1">
-            <a:extLst>
-              <a:ext uri="{FF2B5EF4-FFF2-40B4-BE49-F238E27FC236}">
-                <a16:creationId xmlns:a16="http://schemas.microsoft.com/office/drawing/2014/main" id="{88CBABE3-FEFB-4B9A-A09D-6BC5BB3671AC}"/>
-              </a:ext>
-            </a:extLst>
-          </p:cNvPr>
+          <p:cNvPr id="2" name="Title 1"/>
           <p:cNvSpPr>
             <a:spLocks noGrp="1"/>
           </p:cNvSpPr>
@@ -2484,8 +2191,8 @@
         </p:nvSpPr>
         <p:spPr>
           <a:xfrm>
-            <a:off x="839788" y="457200"/>
-            <a:ext cx="3932237" cy="1600200"/>
+            <a:off x="629841" y="457200"/>
+            <a:ext cx="2949178" cy="1600200"/>
           </a:xfrm>
         </p:spPr>
         <p:txBody>
@@ -2500,20 +2207,15 @@
               <a:rPr lang="ko-KR" altLang="en-US"/>
               <a:t>마스터 제목 스타일 편집</a:t>
             </a:r>
-          </a:p>
-        </p:txBody>
-      </p:sp>
-      <p:sp>
-        <p:nvSpPr>
-          <p:cNvPr id="3" name="그림 개체 틀 2">
-            <a:extLst>
-              <a:ext uri="{FF2B5EF4-FFF2-40B4-BE49-F238E27FC236}">
-                <a16:creationId xmlns:a16="http://schemas.microsoft.com/office/drawing/2014/main" id="{056DB995-2803-45BD-A28F-36ED212C000E}"/>
-              </a:ext>
-            </a:extLst>
-          </p:cNvPr>
-          <p:cNvSpPr>
-            <a:spLocks noGrp="1"/>
+            <a:endParaRPr lang="en-US" dirty="0"/>
+          </a:p>
+        </p:txBody>
+      </p:sp>
+      <p:sp>
+        <p:nvSpPr>
+          <p:cNvPr id="3" name="Picture Placeholder 2"/>
+          <p:cNvSpPr>
+            <a:spLocks noGrp="1" noChangeAspect="1"/>
           </p:cNvSpPr>
           <p:nvPr>
             <p:ph type="pic" idx="1"/>
@@ -2521,12 +2223,12 @@
         </p:nvSpPr>
         <p:spPr>
           <a:xfrm>
-            <a:off x="5183188" y="987425"/>
-            <a:ext cx="6172200" cy="4873625"/>
+            <a:off x="3887391" y="987426"/>
+            <a:ext cx="4629150" cy="4873625"/>
           </a:xfrm>
         </p:spPr>
         <p:txBody>
-          <a:bodyPr/>
+          <a:bodyPr anchor="t"/>
           <a:lstStyle>
             <a:lvl1pPr marL="0" indent="0">
               <a:buNone/>
@@ -2566,19 +2268,17 @@
             </a:lvl9pPr>
           </a:lstStyle>
           <a:p>
-            <a:endParaRPr lang="ko-KR" altLang="en-US"/>
-          </a:p>
-        </p:txBody>
-      </p:sp>
-      <p:sp>
-        <p:nvSpPr>
-          <p:cNvPr id="4" name="텍스트 개체 틀 3">
-            <a:extLst>
-              <a:ext uri="{FF2B5EF4-FFF2-40B4-BE49-F238E27FC236}">
-                <a16:creationId xmlns:a16="http://schemas.microsoft.com/office/drawing/2014/main" id="{D8955926-8D10-4090-98F3-293740C6D1EB}"/>
-              </a:ext>
-            </a:extLst>
-          </p:cNvPr>
+            <a:r>
+              <a:rPr lang="ko-KR" altLang="en-US"/>
+              <a:t>그림을 추가하려면 아이콘을 클릭하십시오</a:t>
+            </a:r>
+            <a:endParaRPr lang="en-US" dirty="0"/>
+          </a:p>
+        </p:txBody>
+      </p:sp>
+      <p:sp>
+        <p:nvSpPr>
+          <p:cNvPr id="4" name="Text Placeholder 3"/>
           <p:cNvSpPr>
             <a:spLocks noGrp="1"/>
           </p:cNvSpPr>
@@ -2588,8 +2288,8 @@
         </p:nvSpPr>
         <p:spPr>
           <a:xfrm>
-            <a:off x="839788" y="2057400"/>
-            <a:ext cx="3932237" cy="3811588"/>
+            <a:off x="629841" y="2057400"/>
+            <a:ext cx="2949178" cy="3811588"/>
           </a:xfrm>
         </p:spPr>
         <p:txBody>
@@ -2643,13 +2343,7 @@
       </p:sp>
       <p:sp>
         <p:nvSpPr>
-          <p:cNvPr id="5" name="날짜 개체 틀 4">
-            <a:extLst>
-              <a:ext uri="{FF2B5EF4-FFF2-40B4-BE49-F238E27FC236}">
-                <a16:creationId xmlns:a16="http://schemas.microsoft.com/office/drawing/2014/main" id="{B1D313AB-0B43-47D9-BCF5-DEDD69D8849E}"/>
-              </a:ext>
-            </a:extLst>
-          </p:cNvPr>
+          <p:cNvPr id="5" name="Date Placeholder 4"/>
           <p:cNvSpPr>
             <a:spLocks noGrp="1"/>
           </p:cNvSpPr>
@@ -2672,13 +2366,7 @@
       </p:sp>
       <p:sp>
         <p:nvSpPr>
-          <p:cNvPr id="6" name="바닥글 개체 틀 5">
-            <a:extLst>
-              <a:ext uri="{FF2B5EF4-FFF2-40B4-BE49-F238E27FC236}">
-                <a16:creationId xmlns:a16="http://schemas.microsoft.com/office/drawing/2014/main" id="{393D77BE-4BB1-407B-9EDB-32A3F24D1463}"/>
-              </a:ext>
-            </a:extLst>
-          </p:cNvPr>
+          <p:cNvPr id="6" name="Footer Placeholder 5"/>
           <p:cNvSpPr>
             <a:spLocks noGrp="1"/>
           </p:cNvSpPr>
@@ -2697,13 +2385,7 @@
       </p:sp>
       <p:sp>
         <p:nvSpPr>
-          <p:cNvPr id="7" name="슬라이드 번호 개체 틀 6">
-            <a:extLst>
-              <a:ext uri="{FF2B5EF4-FFF2-40B4-BE49-F238E27FC236}">
-                <a16:creationId xmlns:a16="http://schemas.microsoft.com/office/drawing/2014/main" id="{4D69ED98-4756-4675-AC93-FB4C9351E349}"/>
-              </a:ext>
-            </a:extLst>
-          </p:cNvPr>
+          <p:cNvPr id="7" name="Slide Number Placeholder 6"/>
           <p:cNvSpPr>
             <a:spLocks noGrp="1"/>
           </p:cNvSpPr>
@@ -2727,7 +2409,7 @@
     </p:spTree>
     <p:extLst>
       <p:ext uri="{BB962C8B-B14F-4D97-AF65-F5344CB8AC3E}">
-        <p14:creationId xmlns:p14="http://schemas.microsoft.com/office/powerpoint/2010/main" val="344840244"/>
+        <p14:creationId xmlns:p14="http://schemas.microsoft.com/office/powerpoint/2010/main" val="935890758"/>
       </p:ext>
     </p:extLst>
   </p:cSld>
@@ -2761,13 +2443,7 @@
       </p:grpSpPr>
       <p:sp>
         <p:nvSpPr>
-          <p:cNvPr id="2" name="제목 개체 틀 1">
-            <a:extLst>
-              <a:ext uri="{FF2B5EF4-FFF2-40B4-BE49-F238E27FC236}">
-                <a16:creationId xmlns:a16="http://schemas.microsoft.com/office/drawing/2014/main" id="{FCBF6000-7280-4EFE-840C-859A9AC1711D}"/>
-              </a:ext>
-            </a:extLst>
-          </p:cNvPr>
+          <p:cNvPr id="2" name="Title Placeholder 1"/>
           <p:cNvSpPr>
             <a:spLocks noGrp="1"/>
           </p:cNvSpPr>
@@ -2777,8 +2453,8 @@
         </p:nvSpPr>
         <p:spPr>
           <a:xfrm>
-            <a:off x="838200" y="365125"/>
-            <a:ext cx="10515600" cy="1325563"/>
+            <a:off x="628650" y="365126"/>
+            <a:ext cx="7886700" cy="1325563"/>
           </a:xfrm>
           <a:prstGeom prst="rect">
             <a:avLst/>
@@ -2794,18 +2470,13 @@
               <a:rPr lang="ko-KR" altLang="en-US"/>
               <a:t>마스터 제목 스타일 편집</a:t>
             </a:r>
-          </a:p>
-        </p:txBody>
-      </p:sp>
-      <p:sp>
-        <p:nvSpPr>
-          <p:cNvPr id="3" name="텍스트 개체 틀 2">
-            <a:extLst>
-              <a:ext uri="{FF2B5EF4-FFF2-40B4-BE49-F238E27FC236}">
-                <a16:creationId xmlns:a16="http://schemas.microsoft.com/office/drawing/2014/main" id="{20FD7416-CA72-4816-B92E-E636F093BD73}"/>
-              </a:ext>
-            </a:extLst>
-          </p:cNvPr>
+            <a:endParaRPr lang="en-US" dirty="0"/>
+          </a:p>
+        </p:txBody>
+      </p:sp>
+      <p:sp>
+        <p:nvSpPr>
+          <p:cNvPr id="3" name="Text Placeholder 2"/>
           <p:cNvSpPr>
             <a:spLocks noGrp="1"/>
           </p:cNvSpPr>
@@ -2815,8 +2486,8 @@
         </p:nvSpPr>
         <p:spPr>
           <a:xfrm>
-            <a:off x="838200" y="1825625"/>
-            <a:ext cx="10515600" cy="4351338"/>
+            <a:off x="628650" y="1825625"/>
+            <a:ext cx="7886700" cy="4351338"/>
           </a:xfrm>
           <a:prstGeom prst="rect">
             <a:avLst/>
@@ -2861,18 +2532,13 @@
               <a:rPr lang="ko-KR" altLang="en-US"/>
               <a:t>다섯째 수준</a:t>
             </a:r>
-          </a:p>
-        </p:txBody>
-      </p:sp>
-      <p:sp>
-        <p:nvSpPr>
-          <p:cNvPr id="4" name="날짜 개체 틀 3">
-            <a:extLst>
-              <a:ext uri="{FF2B5EF4-FFF2-40B4-BE49-F238E27FC236}">
-                <a16:creationId xmlns:a16="http://schemas.microsoft.com/office/drawing/2014/main" id="{B2B77D6E-AF15-4858-AC59-6642A1ECA2DB}"/>
-              </a:ext>
-            </a:extLst>
-          </p:cNvPr>
+            <a:endParaRPr lang="en-US" dirty="0"/>
+          </a:p>
+        </p:txBody>
+      </p:sp>
+      <p:sp>
+        <p:nvSpPr>
+          <p:cNvPr id="4" name="Date Placeholder 3"/>
           <p:cNvSpPr>
             <a:spLocks noGrp="1"/>
           </p:cNvSpPr>
@@ -2882,8 +2548,8 @@
         </p:nvSpPr>
         <p:spPr>
           <a:xfrm>
-            <a:off x="838200" y="6356350"/>
-            <a:ext cx="2743200" cy="365125"/>
+            <a:off x="628650" y="6356351"/>
+            <a:ext cx="2057400" cy="365125"/>
           </a:xfrm>
           <a:prstGeom prst="rect">
             <a:avLst/>
@@ -2913,13 +2579,7 @@
       </p:sp>
       <p:sp>
         <p:nvSpPr>
-          <p:cNvPr id="5" name="바닥글 개체 틀 4">
-            <a:extLst>
-              <a:ext uri="{FF2B5EF4-FFF2-40B4-BE49-F238E27FC236}">
-                <a16:creationId xmlns:a16="http://schemas.microsoft.com/office/drawing/2014/main" id="{9A51A41D-D44E-477F-BEC9-F467B31AE97A}"/>
-              </a:ext>
-            </a:extLst>
-          </p:cNvPr>
+          <p:cNvPr id="5" name="Footer Placeholder 4"/>
           <p:cNvSpPr>
             <a:spLocks noGrp="1"/>
           </p:cNvSpPr>
@@ -2929,8 +2589,8 @@
         </p:nvSpPr>
         <p:spPr>
           <a:xfrm>
-            <a:off x="4038600" y="6356350"/>
-            <a:ext cx="4114800" cy="365125"/>
+            <a:off x="3028950" y="6356351"/>
+            <a:ext cx="3086100" cy="365125"/>
           </a:xfrm>
           <a:prstGeom prst="rect">
             <a:avLst/>
@@ -2956,13 +2616,7 @@
       </p:sp>
       <p:sp>
         <p:nvSpPr>
-          <p:cNvPr id="6" name="슬라이드 번호 개체 틀 5">
-            <a:extLst>
-              <a:ext uri="{FF2B5EF4-FFF2-40B4-BE49-F238E27FC236}">
-                <a16:creationId xmlns:a16="http://schemas.microsoft.com/office/drawing/2014/main" id="{C55D5E2C-F7FE-4719-8AFE-CBBF988CC9D5}"/>
-              </a:ext>
-            </a:extLst>
-          </p:cNvPr>
+          <p:cNvPr id="6" name="Slide Number Placeholder 5"/>
           <p:cNvSpPr>
             <a:spLocks noGrp="1"/>
           </p:cNvSpPr>
@@ -2972,8 +2626,8 @@
         </p:nvSpPr>
         <p:spPr>
           <a:xfrm>
-            <a:off x="8610600" y="6356350"/>
-            <a:ext cx="2743200" cy="365125"/>
+            <a:off x="6457950" y="6356351"/>
+            <a:ext cx="2057400" cy="365125"/>
           </a:xfrm>
           <a:prstGeom prst="rect">
             <a:avLst/>
@@ -3004,23 +2658,23 @@
     </p:spTree>
     <p:extLst>
       <p:ext uri="{BB962C8B-B14F-4D97-AF65-F5344CB8AC3E}">
-        <p14:creationId xmlns:p14="http://schemas.microsoft.com/office/powerpoint/2010/main" val="4233675838"/>
+        <p14:creationId xmlns:p14="http://schemas.microsoft.com/office/powerpoint/2010/main" val="996411345"/>
       </p:ext>
     </p:extLst>
   </p:cSld>
   <p:clrMap bg1="lt1" tx1="dk1" bg2="lt2" tx2="dk2" accent1="accent1" accent2="accent2" accent3="accent3" accent4="accent4" accent5="accent5" accent6="accent6" hlink="hlink" folHlink="folHlink"/>
   <p:sldLayoutIdLst>
-    <p:sldLayoutId id="2147483649" r:id="rId1"/>
-    <p:sldLayoutId id="2147483650" r:id="rId2"/>
-    <p:sldLayoutId id="2147483651" r:id="rId3"/>
-    <p:sldLayoutId id="2147483652" r:id="rId4"/>
-    <p:sldLayoutId id="2147483653" r:id="rId5"/>
-    <p:sldLayoutId id="2147483654" r:id="rId6"/>
-    <p:sldLayoutId id="2147483655" r:id="rId7"/>
-    <p:sldLayoutId id="2147483656" r:id="rId8"/>
-    <p:sldLayoutId id="2147483657" r:id="rId9"/>
-    <p:sldLayoutId id="2147483658" r:id="rId10"/>
-    <p:sldLayoutId id="2147483659" r:id="rId11"/>
+    <p:sldLayoutId id="2147483661" r:id="rId1"/>
+    <p:sldLayoutId id="2147483662" r:id="rId2"/>
+    <p:sldLayoutId id="2147483663" r:id="rId3"/>
+    <p:sldLayoutId id="2147483664" r:id="rId4"/>
+    <p:sldLayoutId id="2147483665" r:id="rId5"/>
+    <p:sldLayoutId id="2147483666" r:id="rId6"/>
+    <p:sldLayoutId id="2147483667" r:id="rId7"/>
+    <p:sldLayoutId id="2147483668" r:id="rId8"/>
+    <p:sldLayoutId id="2147483669" r:id="rId9"/>
+    <p:sldLayoutId id="2147483670" r:id="rId10"/>
+    <p:sldLayoutId id="2147483671" r:id="rId11"/>
   </p:sldLayoutIdLst>
   <p:txStyles>
     <p:titleStyle>
@@ -3208,7 +2862,7 @@
     </p:bodyStyle>
     <p:otherStyle>
       <a:defPPr>
-        <a:defRPr lang="ko-KR"/>
+        <a:defRPr lang="en-US"/>
       </a:defPPr>
       <a:lvl1pPr marL="0" algn="l" defTabSz="914400" rtl="0" eaLnBrk="1" latinLnBrk="1" hangingPunct="1">
         <a:defRPr sz="1800" kern="1200">
@@ -3392,7 +3046,7 @@
           </a:p>
           <a:p>
             <a:r>
-              <a:rPr lang="en-US" altLang="ko-KR" sz="1800" dirty="0"/>
+              <a:rPr lang="en-US" altLang="ko-KR" sz="1350" dirty="0"/>
               <a:t>(mellowlee@naver.com)</a:t>
             </a:r>
           </a:p>
@@ -3444,40 +3098,268 @@
             <p:ph type="title"/>
           </p:nvPr>
         </p:nvSpPr>
-        <p:spPr/>
-        <p:txBody>
-          <a:bodyPr/>
-          <a:lstStyle/>
-          <a:p>
-            <a:endParaRPr lang="ko-KR" altLang="en-US"/>
-          </a:p>
-        </p:txBody>
-      </p:sp>
-      <p:sp>
-        <p:nvSpPr>
-          <p:cNvPr id="3" name="내용 개체 틀 2">
+        <p:spPr>
+          <a:xfrm>
+            <a:off x="628650" y="365127"/>
+            <a:ext cx="7886700" cy="565316"/>
+          </a:xfrm>
+        </p:spPr>
+        <p:txBody>
+          <a:bodyPr>
+            <a:normAutofit fontScale="90000"/>
+          </a:bodyPr>
+          <a:lstStyle/>
+          <a:p>
+            <a:r>
+              <a:rPr lang="en-US" altLang="ko-KR" dirty="0"/>
+              <a:t>Adapter</a:t>
+            </a:r>
+            <a:endParaRPr lang="ko-KR" altLang="en-US" dirty="0"/>
+          </a:p>
+        </p:txBody>
+      </p:sp>
+      <p:sp>
+        <p:nvSpPr>
+          <p:cNvPr id="5" name="TextBox 4">
             <a:extLst>
               <a:ext uri="{FF2B5EF4-FFF2-40B4-BE49-F238E27FC236}">
-                <a16:creationId xmlns:a16="http://schemas.microsoft.com/office/drawing/2014/main" id="{BD52813C-C247-4043-AAAC-E02F9DFE6735}"/>
+                <a16:creationId xmlns:a16="http://schemas.microsoft.com/office/drawing/2014/main" id="{34088510-BF9A-43A8-BEEA-4F2D12699681}"/>
               </a:ext>
             </a:extLst>
           </p:cNvPr>
-          <p:cNvSpPr>
-            <a:spLocks noGrp="1"/>
-          </p:cNvSpPr>
-          <p:nvPr>
-            <p:ph idx="1"/>
-          </p:nvPr>
-        </p:nvSpPr>
-        <p:spPr/>
-        <p:txBody>
-          <a:bodyPr/>
-          <a:lstStyle/>
-          <a:p>
-            <a:endParaRPr lang="ko-KR" altLang="en-US"/>
-          </a:p>
-        </p:txBody>
-      </p:sp>
+          <p:cNvSpPr txBox="1"/>
+          <p:nvPr/>
+        </p:nvSpPr>
+        <p:spPr>
+          <a:xfrm>
+            <a:off x="713874" y="1008902"/>
+            <a:ext cx="2382252" cy="646331"/>
+          </a:xfrm>
+          <a:prstGeom prst="rect">
+            <a:avLst/>
+          </a:prstGeom>
+          <a:noFill/>
+        </p:spPr>
+        <p:txBody>
+          <a:bodyPr wrap="square" rtlCol="0">
+            <a:spAutoFit/>
+          </a:bodyPr>
+          <a:lstStyle/>
+          <a:p>
+            <a:r>
+              <a:rPr lang="ko-KR" altLang="en-US" dirty="0"/>
+              <a:t>목적</a:t>
+            </a:r>
+            <a:endParaRPr lang="en-US" altLang="ko-KR" dirty="0"/>
+          </a:p>
+          <a:p>
+            <a:r>
+              <a:rPr lang="en-US" altLang="ko-KR" dirty="0"/>
+              <a:t>	</a:t>
+            </a:r>
+            <a:endParaRPr lang="ko-KR" altLang="en-US" dirty="0"/>
+          </a:p>
+        </p:txBody>
+      </p:sp>
+      <p:grpSp>
+        <p:nvGrpSpPr>
+          <p:cNvPr id="15" name="그룹 14">
+            <a:extLst>
+              <a:ext uri="{FF2B5EF4-FFF2-40B4-BE49-F238E27FC236}">
+                <a16:creationId xmlns:a16="http://schemas.microsoft.com/office/drawing/2014/main" id="{1E05D264-7EE4-41B9-A24B-44396E894F4E}"/>
+              </a:ext>
+            </a:extLst>
+          </p:cNvPr>
+          <p:cNvGrpSpPr/>
+          <p:nvPr/>
+        </p:nvGrpSpPr>
+        <p:grpSpPr>
+          <a:xfrm>
+            <a:off x="3192628" y="1795712"/>
+            <a:ext cx="5838825" cy="4838700"/>
+            <a:chOff x="3176586" y="1595187"/>
+            <a:chExt cx="5838825" cy="4838700"/>
+          </a:xfrm>
+        </p:grpSpPr>
+        <p:pic>
+          <p:nvPicPr>
+            <p:cNvPr id="8" name="그림 7">
+              <a:extLst>
+                <a:ext uri="{FF2B5EF4-FFF2-40B4-BE49-F238E27FC236}">
+                  <a16:creationId xmlns:a16="http://schemas.microsoft.com/office/drawing/2014/main" id="{6A7125A5-0500-41DD-8115-82423DC1AC3A}"/>
+                </a:ext>
+              </a:extLst>
+            </p:cNvPr>
+            <p:cNvPicPr>
+              <a:picLocks noChangeAspect="1"/>
+            </p:cNvPicPr>
+            <p:nvPr/>
+          </p:nvPicPr>
+          <p:blipFill>
+            <a:blip r:embed="rId2"/>
+            <a:stretch>
+              <a:fillRect/>
+            </a:stretch>
+          </p:blipFill>
+          <p:spPr>
+            <a:xfrm>
+              <a:off x="3176586" y="1595187"/>
+              <a:ext cx="5838825" cy="4838700"/>
+            </a:xfrm>
+            <a:prstGeom prst="rect">
+              <a:avLst/>
+            </a:prstGeom>
+          </p:spPr>
+        </p:pic>
+        <p:grpSp>
+          <p:nvGrpSpPr>
+            <p:cNvPr id="12" name="그룹 11">
+              <a:extLst>
+                <a:ext uri="{FF2B5EF4-FFF2-40B4-BE49-F238E27FC236}">
+                  <a16:creationId xmlns:a16="http://schemas.microsoft.com/office/drawing/2014/main" id="{9B34BE4B-547D-45C4-9922-6CDCFDEF87B6}"/>
+                </a:ext>
+              </a:extLst>
+            </p:cNvPr>
+            <p:cNvGrpSpPr/>
+            <p:nvPr/>
+          </p:nvGrpSpPr>
+          <p:grpSpPr>
+            <a:xfrm>
+              <a:off x="4752634" y="5265661"/>
+              <a:ext cx="2378082" cy="176784"/>
+              <a:chOff x="4752634" y="5265661"/>
+              <a:chExt cx="2378082" cy="176784"/>
+            </a:xfrm>
+          </p:grpSpPr>
+          <p:sp>
+            <p:nvSpPr>
+              <p:cNvPr id="9" name="이등변 삼각형 8">
+                <a:extLst>
+                  <a:ext uri="{FF2B5EF4-FFF2-40B4-BE49-F238E27FC236}">
+                    <a16:creationId xmlns:a16="http://schemas.microsoft.com/office/drawing/2014/main" id="{79BA1AE7-B928-4A83-96D4-687F71BEDF53}"/>
+                  </a:ext>
+                </a:extLst>
+              </p:cNvPr>
+              <p:cNvSpPr/>
+              <p:nvPr/>
+            </p:nvSpPr>
+            <p:spPr>
+              <a:xfrm rot="16200000">
+                <a:off x="4740442" y="5277853"/>
+                <a:ext cx="176784" cy="152400"/>
+              </a:xfrm>
+              <a:prstGeom prst="triangle">
+                <a:avLst/>
+              </a:prstGeom>
+              <a:solidFill>
+                <a:schemeClr val="bg1"/>
+              </a:solidFill>
+            </p:spPr>
+            <p:style>
+              <a:lnRef idx="2">
+                <a:schemeClr val="accent1">
+                  <a:shade val="50000"/>
+                </a:schemeClr>
+              </a:lnRef>
+              <a:fillRef idx="1">
+                <a:schemeClr val="accent1"/>
+              </a:fillRef>
+              <a:effectRef idx="0">
+                <a:schemeClr val="accent1"/>
+              </a:effectRef>
+              <a:fontRef idx="minor">
+                <a:schemeClr val="lt1"/>
+              </a:fontRef>
+            </p:style>
+            <p:txBody>
+              <a:bodyPr rtlCol="0" anchor="ctr"/>
+              <a:lstStyle/>
+              <a:p>
+                <a:pPr algn="ctr"/>
+                <a:endParaRPr lang="ko-KR" altLang="en-US"/>
+              </a:p>
+            </p:txBody>
+          </p:sp>
+          <p:cxnSp>
+            <p:nvCxnSpPr>
+              <p:cNvPr id="11" name="직선 연결선 10">
+                <a:extLst>
+                  <a:ext uri="{FF2B5EF4-FFF2-40B4-BE49-F238E27FC236}">
+                    <a16:creationId xmlns:a16="http://schemas.microsoft.com/office/drawing/2014/main" id="{5A650C6E-4D03-46D9-AE1C-F79077318E96}"/>
+                  </a:ext>
+                </a:extLst>
+              </p:cNvPr>
+              <p:cNvCxnSpPr/>
+              <p:nvPr/>
+            </p:nvCxnSpPr>
+            <p:spPr>
+              <a:xfrm>
+                <a:off x="4916905" y="5358063"/>
+                <a:ext cx="2213811" cy="0"/>
+              </a:xfrm>
+              <a:prstGeom prst="line">
+                <a:avLst/>
+              </a:prstGeom>
+              <a:ln w="38100">
+                <a:prstDash val="sysDash"/>
+              </a:ln>
+            </p:spPr>
+            <p:style>
+              <a:lnRef idx="1">
+                <a:schemeClr val="accent1"/>
+              </a:lnRef>
+              <a:fillRef idx="0">
+                <a:schemeClr val="accent1"/>
+              </a:fillRef>
+              <a:effectRef idx="0">
+                <a:schemeClr val="accent1"/>
+              </a:effectRef>
+              <a:fontRef idx="minor">
+                <a:schemeClr val="tx1"/>
+              </a:fontRef>
+            </p:style>
+          </p:cxnSp>
+        </p:grpSp>
+        <p:cxnSp>
+          <p:nvCxnSpPr>
+            <p:cNvPr id="14" name="직선 화살표 연결선 13">
+              <a:extLst>
+                <a:ext uri="{FF2B5EF4-FFF2-40B4-BE49-F238E27FC236}">
+                  <a16:creationId xmlns:a16="http://schemas.microsoft.com/office/drawing/2014/main" id="{EC85E035-069E-4648-BE86-6CF86EC7497D}"/>
+                </a:ext>
+              </a:extLst>
+            </p:cNvPr>
+            <p:cNvCxnSpPr/>
+            <p:nvPr/>
+          </p:nvCxnSpPr>
+          <p:spPr>
+            <a:xfrm>
+              <a:off x="3938337" y="3080084"/>
+              <a:ext cx="0" cy="1660358"/>
+            </a:xfrm>
+            <a:prstGeom prst="straightConnector1">
+              <a:avLst/>
+            </a:prstGeom>
+            <a:ln>
+              <a:tailEnd type="arrow"/>
+            </a:ln>
+          </p:spPr>
+          <p:style>
+            <a:lnRef idx="1">
+              <a:schemeClr val="accent1"/>
+            </a:lnRef>
+            <a:fillRef idx="0">
+              <a:schemeClr val="accent1"/>
+            </a:fillRef>
+            <a:effectRef idx="0">
+              <a:schemeClr val="accent1"/>
+            </a:effectRef>
+            <a:fontRef idx="minor">
+              <a:schemeClr val="tx1"/>
+            </a:fontRef>
+          </p:style>
+        </p:cxnSp>
+      </p:grpSp>
     </p:spTree>
     <p:extLst>
       <p:ext uri="{BB962C8B-B14F-4D97-AF65-F5344CB8AC3E}">
@@ -3494,7 +3376,7 @@
 <file path=ppt/theme/theme1.xml><?xml version="1.0" encoding="utf-8"?>
 <a:theme xmlns:a="http://schemas.openxmlformats.org/drawingml/2006/main" name="Office 테마">
   <a:themeElements>
-    <a:clrScheme name="Office">
+    <a:clrScheme name="Office 테마">
       <a:dk1>
         <a:sysClr val="windowText" lastClr="000000"/>
       </a:dk1>
@@ -3532,9 +3414,9 @@
         <a:srgbClr val="954F72"/>
       </a:folHlink>
     </a:clrScheme>
-    <a:fontScheme name="Office">
+    <a:fontScheme name="Office 테마">
       <a:majorFont>
-        <a:latin typeface="맑은 고딕" panose="020F0302020204030204"/>
+        <a:latin typeface="Calibri Light" panose="020F0302020204030204"/>
         <a:ea typeface=""/>
         <a:cs typeface=""/>
         <a:font script="Jpan" typeface="游ゴシック Light"/>
@@ -3567,26 +3449,9 @@
         <a:font script="Viet" typeface="Times New Roman"/>
         <a:font script="Uigh" typeface="Microsoft Uighur"/>
         <a:font script="Geor" typeface="Sylfaen"/>
-        <a:font script="Armn" typeface="Arial"/>
-        <a:font script="Bugi" typeface="Leelawadee UI"/>
-        <a:font script="Bopo" typeface="Microsoft JhengHei"/>
-        <a:font script="Java" typeface="Javanese Text"/>
-        <a:font script="Lisu" typeface="Segoe UI"/>
-        <a:font script="Mymr" typeface="Myanmar Text"/>
-        <a:font script="Nkoo" typeface="Ebrima"/>
-        <a:font script="Olck" typeface="Nirmala UI"/>
-        <a:font script="Osma" typeface="Ebrima"/>
-        <a:font script="Phag" typeface="Phagspa"/>
-        <a:font script="Syrn" typeface="Estrangelo Edessa"/>
-        <a:font script="Syrj" typeface="Estrangelo Edessa"/>
-        <a:font script="Syre" typeface="Estrangelo Edessa"/>
-        <a:font script="Sora" typeface="Nirmala UI"/>
-        <a:font script="Tale" typeface="Microsoft Tai Le"/>
-        <a:font script="Talu" typeface="Microsoft New Tai Lue"/>
-        <a:font script="Tfng" typeface="Ebrima"/>
       </a:majorFont>
       <a:minorFont>
-        <a:latin typeface="맑은 고딕" panose="020F0502020204030204"/>
+        <a:latin typeface="Calibri" panose="020F0502020204030204"/>
         <a:ea typeface=""/>
         <a:cs typeface=""/>
         <a:font script="Jpan" typeface="游ゴシック"/>
@@ -3619,26 +3484,9 @@
         <a:font script="Viet" typeface="Arial"/>
         <a:font script="Uigh" typeface="Microsoft Uighur"/>
         <a:font script="Geor" typeface="Sylfaen"/>
-        <a:font script="Armn" typeface="Arial"/>
-        <a:font script="Bugi" typeface="Leelawadee UI"/>
-        <a:font script="Bopo" typeface="Microsoft JhengHei"/>
-        <a:font script="Java" typeface="Javanese Text"/>
-        <a:font script="Lisu" typeface="Segoe UI"/>
-        <a:font script="Mymr" typeface="Myanmar Text"/>
-        <a:font script="Nkoo" typeface="Ebrima"/>
-        <a:font script="Olck" typeface="Nirmala UI"/>
-        <a:font script="Osma" typeface="Ebrima"/>
-        <a:font script="Phag" typeface="Phagspa"/>
-        <a:font script="Syrn" typeface="Estrangelo Edessa"/>
-        <a:font script="Syrj" typeface="Estrangelo Edessa"/>
-        <a:font script="Syre" typeface="Estrangelo Edessa"/>
-        <a:font script="Sora" typeface="Nirmala UI"/>
-        <a:font script="Tale" typeface="Microsoft Tai Le"/>
-        <a:font script="Talu" typeface="Microsoft New Tai Lue"/>
-        <a:font script="Tfng" typeface="Ebrima"/>
       </a:minorFont>
     </a:fontScheme>
-    <a:fmtScheme name="Office">
+    <a:fmtScheme name="Office 테마">
       <a:fillStyleLst>
         <a:solidFill>
           <a:schemeClr val="phClr"/>

--- a/Designpattern정리.pptx
+++ b/Designpattern정리.pptx
@@ -7,6 +7,8 @@
   <p:sldIdLst>
     <p:sldId id="256" r:id="rId2"/>
     <p:sldId id="257" r:id="rId3"/>
+    <p:sldId id="258" r:id="rId4"/>
+    <p:sldId id="259" r:id="rId5"/>
   </p:sldIdLst>
   <p:sldSz cx="9144000" cy="6858000" type="screen4x3"/>
   <p:notesSz cx="6858000" cy="9144000"/>
@@ -3133,7 +3135,7 @@
         <p:spPr>
           <a:xfrm>
             <a:off x="713874" y="1008902"/>
-            <a:ext cx="2382252" cy="646331"/>
+            <a:ext cx="2382252" cy="923330"/>
           </a:xfrm>
           <a:prstGeom prst="rect">
             <a:avLst/>
@@ -3147,10 +3149,9 @@
           <a:lstStyle/>
           <a:p>
             <a:r>
-              <a:rPr lang="ko-KR" altLang="en-US" dirty="0"/>
-              <a:t>목적</a:t>
-            </a:r>
-            <a:endParaRPr lang="en-US" altLang="ko-KR" dirty="0"/>
+              <a:rPr lang="en-US" altLang="ko-KR" dirty="0"/>
+              <a:t>http://palpit.tistory.com/196</a:t>
+            </a:r>
           </a:p>
           <a:p>
             <a:r>
@@ -3161,209 +3162,417 @@
           </a:p>
         </p:txBody>
       </p:sp>
-      <p:grpSp>
-        <p:nvGrpSpPr>
-          <p:cNvPr id="15" name="그룹 14">
-            <a:extLst>
-              <a:ext uri="{FF2B5EF4-FFF2-40B4-BE49-F238E27FC236}">
-                <a16:creationId xmlns:a16="http://schemas.microsoft.com/office/drawing/2014/main" id="{1E05D264-7EE4-41B9-A24B-44396E894F4E}"/>
-              </a:ext>
-            </a:extLst>
-          </p:cNvPr>
-          <p:cNvGrpSpPr/>
-          <p:nvPr/>
-        </p:nvGrpSpPr>
-        <p:grpSpPr>
-          <a:xfrm>
-            <a:off x="3192628" y="1795712"/>
-            <a:ext cx="5838825" cy="4838700"/>
-            <a:chOff x="3176586" y="1595187"/>
-            <a:chExt cx="5838825" cy="4838700"/>
-          </a:xfrm>
-        </p:grpSpPr>
-        <p:pic>
-          <p:nvPicPr>
-            <p:cNvPr id="8" name="그림 7">
-              <a:extLst>
-                <a:ext uri="{FF2B5EF4-FFF2-40B4-BE49-F238E27FC236}">
-                  <a16:creationId xmlns:a16="http://schemas.microsoft.com/office/drawing/2014/main" id="{6A7125A5-0500-41DD-8115-82423DC1AC3A}"/>
-                </a:ext>
-              </a:extLst>
-            </p:cNvPr>
-            <p:cNvPicPr>
-              <a:picLocks noChangeAspect="1"/>
-            </p:cNvPicPr>
-            <p:nvPr/>
-          </p:nvPicPr>
-          <p:blipFill>
-            <a:blip r:embed="rId2"/>
-            <a:stretch>
-              <a:fillRect/>
-            </a:stretch>
-          </p:blipFill>
-          <p:spPr>
-            <a:xfrm>
-              <a:off x="3176586" y="1595187"/>
-              <a:ext cx="5838825" cy="4838700"/>
-            </a:xfrm>
-            <a:prstGeom prst="rect">
-              <a:avLst/>
-            </a:prstGeom>
-          </p:spPr>
-        </p:pic>
-        <p:grpSp>
-          <p:nvGrpSpPr>
-            <p:cNvPr id="12" name="그룹 11">
-              <a:extLst>
-                <a:ext uri="{FF2B5EF4-FFF2-40B4-BE49-F238E27FC236}">
-                  <a16:creationId xmlns:a16="http://schemas.microsoft.com/office/drawing/2014/main" id="{9B34BE4B-547D-45C4-9922-6CDCFDEF87B6}"/>
-                </a:ext>
-              </a:extLst>
-            </p:cNvPr>
-            <p:cNvGrpSpPr/>
-            <p:nvPr/>
-          </p:nvGrpSpPr>
-          <p:grpSpPr>
-            <a:xfrm>
-              <a:off x="4752634" y="5265661"/>
-              <a:ext cx="2378082" cy="176784"/>
-              <a:chOff x="4752634" y="5265661"/>
-              <a:chExt cx="2378082" cy="176784"/>
-            </a:xfrm>
-          </p:grpSpPr>
-          <p:sp>
-            <p:nvSpPr>
-              <p:cNvPr id="9" name="이등변 삼각형 8">
-                <a:extLst>
-                  <a:ext uri="{FF2B5EF4-FFF2-40B4-BE49-F238E27FC236}">
-                    <a16:creationId xmlns:a16="http://schemas.microsoft.com/office/drawing/2014/main" id="{79BA1AE7-B928-4A83-96D4-687F71BEDF53}"/>
-                  </a:ext>
-                </a:extLst>
-              </p:cNvPr>
-              <p:cNvSpPr/>
-              <p:nvPr/>
-            </p:nvSpPr>
-            <p:spPr>
-              <a:xfrm rot="16200000">
-                <a:off x="4740442" y="5277853"/>
-                <a:ext cx="176784" cy="152400"/>
-              </a:xfrm>
-              <a:prstGeom prst="triangle">
-                <a:avLst/>
-              </a:prstGeom>
-              <a:solidFill>
-                <a:schemeClr val="bg1"/>
-              </a:solidFill>
-            </p:spPr>
-            <p:style>
-              <a:lnRef idx="2">
-                <a:schemeClr val="accent1">
-                  <a:shade val="50000"/>
-                </a:schemeClr>
-              </a:lnRef>
-              <a:fillRef idx="1">
-                <a:schemeClr val="accent1"/>
-              </a:fillRef>
-              <a:effectRef idx="0">
-                <a:schemeClr val="accent1"/>
-              </a:effectRef>
-              <a:fontRef idx="minor">
-                <a:schemeClr val="lt1"/>
-              </a:fontRef>
-            </p:style>
-            <p:txBody>
-              <a:bodyPr rtlCol="0" anchor="ctr"/>
-              <a:lstStyle/>
-              <a:p>
-                <a:pPr algn="ctr"/>
-                <a:endParaRPr lang="ko-KR" altLang="en-US"/>
-              </a:p>
-            </p:txBody>
-          </p:sp>
-          <p:cxnSp>
-            <p:nvCxnSpPr>
-              <p:cNvPr id="11" name="직선 연결선 10">
-                <a:extLst>
-                  <a:ext uri="{FF2B5EF4-FFF2-40B4-BE49-F238E27FC236}">
-                    <a16:creationId xmlns:a16="http://schemas.microsoft.com/office/drawing/2014/main" id="{5A650C6E-4D03-46D9-AE1C-F79077318E96}"/>
-                  </a:ext>
-                </a:extLst>
-              </p:cNvPr>
-              <p:cNvCxnSpPr/>
-              <p:nvPr/>
-            </p:nvCxnSpPr>
-            <p:spPr>
-              <a:xfrm>
-                <a:off x="4916905" y="5358063"/>
-                <a:ext cx="2213811" cy="0"/>
-              </a:xfrm>
-              <a:prstGeom prst="line">
-                <a:avLst/>
-              </a:prstGeom>
-              <a:ln w="38100">
-                <a:prstDash val="sysDash"/>
-              </a:ln>
-            </p:spPr>
-            <p:style>
-              <a:lnRef idx="1">
-                <a:schemeClr val="accent1"/>
-              </a:lnRef>
-              <a:fillRef idx="0">
-                <a:schemeClr val="accent1"/>
-              </a:fillRef>
-              <a:effectRef idx="0">
-                <a:schemeClr val="accent1"/>
-              </a:effectRef>
-              <a:fontRef idx="minor">
-                <a:schemeClr val="tx1"/>
-              </a:fontRef>
-            </p:style>
-          </p:cxnSp>
-        </p:grpSp>
-        <p:cxnSp>
-          <p:nvCxnSpPr>
-            <p:cNvPr id="14" name="직선 화살표 연결선 13">
-              <a:extLst>
-                <a:ext uri="{FF2B5EF4-FFF2-40B4-BE49-F238E27FC236}">
-                  <a16:creationId xmlns:a16="http://schemas.microsoft.com/office/drawing/2014/main" id="{EC85E035-069E-4648-BE86-6CF86EC7497D}"/>
-                </a:ext>
-              </a:extLst>
-            </p:cNvPr>
-            <p:cNvCxnSpPr/>
-            <p:nvPr/>
-          </p:nvCxnSpPr>
-          <p:spPr>
-            <a:xfrm>
-              <a:off x="3938337" y="3080084"/>
-              <a:ext cx="0" cy="1660358"/>
-            </a:xfrm>
-            <a:prstGeom prst="straightConnector1">
-              <a:avLst/>
-            </a:prstGeom>
-            <a:ln>
-              <a:tailEnd type="arrow"/>
-            </a:ln>
-          </p:spPr>
-          <p:style>
-            <a:lnRef idx="1">
-              <a:schemeClr val="accent1"/>
-            </a:lnRef>
-            <a:fillRef idx="0">
-              <a:schemeClr val="accent1"/>
-            </a:fillRef>
-            <a:effectRef idx="0">
-              <a:schemeClr val="accent1"/>
-            </a:effectRef>
-            <a:fontRef idx="minor">
-              <a:schemeClr val="tx1"/>
-            </a:fontRef>
-          </p:style>
-        </p:cxnSp>
-      </p:grpSp>
     </p:spTree>
     <p:extLst>
       <p:ext uri="{BB962C8B-B14F-4D97-AF65-F5344CB8AC3E}">
         <p14:creationId xmlns:p14="http://schemas.microsoft.com/office/powerpoint/2010/main" val="1000453173"/>
+      </p:ext>
+    </p:extLst>
+  </p:cSld>
+  <p:clrMapOvr>
+    <a:masterClrMapping/>
+  </p:clrMapOvr>
+</p:sld>
+</file>
+
+<file path=ppt/slides/slide3.xml><?xml version="1.0" encoding="utf-8"?>
+<p:sld xmlns:a="http://schemas.openxmlformats.org/drawingml/2006/main" xmlns:r="http://schemas.openxmlformats.org/officeDocument/2006/relationships" xmlns:p="http://schemas.openxmlformats.org/presentationml/2006/main">
+  <p:cSld>
+    <p:spTree>
+      <p:nvGrpSpPr>
+        <p:cNvPr id="1" name=""/>
+        <p:cNvGrpSpPr/>
+        <p:nvPr/>
+      </p:nvGrpSpPr>
+      <p:grpSpPr>
+        <a:xfrm>
+          <a:off x="0" y="0"/>
+          <a:ext cx="0" cy="0"/>
+          <a:chOff x="0" y="0"/>
+          <a:chExt cx="0" cy="0"/>
+        </a:xfrm>
+      </p:grpSpPr>
+      <p:sp>
+        <p:nvSpPr>
+          <p:cNvPr id="2" name="제목 1">
+            <a:extLst>
+              <a:ext uri="{FF2B5EF4-FFF2-40B4-BE49-F238E27FC236}">
+                <a16:creationId xmlns:a16="http://schemas.microsoft.com/office/drawing/2014/main" id="{C36612DE-2111-4159-815A-D0F164E37F46}"/>
+              </a:ext>
+            </a:extLst>
+          </p:cNvPr>
+          <p:cNvSpPr>
+            <a:spLocks noGrp="1"/>
+          </p:cNvSpPr>
+          <p:nvPr>
+            <p:ph type="title"/>
+          </p:nvPr>
+        </p:nvSpPr>
+        <p:spPr>
+          <a:xfrm>
+            <a:off x="166687" y="127839"/>
+            <a:ext cx="7886700" cy="749800"/>
+          </a:xfrm>
+        </p:spPr>
+        <p:txBody>
+          <a:bodyPr/>
+          <a:lstStyle/>
+          <a:p>
+            <a:r>
+              <a:rPr lang="en-US" altLang="ko-KR" dirty="0"/>
+              <a:t>proxy</a:t>
+            </a:r>
+            <a:endParaRPr lang="ko-KR" altLang="en-US" dirty="0"/>
+          </a:p>
+        </p:txBody>
+      </p:sp>
+      <p:pic>
+        <p:nvPicPr>
+          <p:cNvPr id="26" name="그림 25">
+            <a:extLst>
+              <a:ext uri="{FF2B5EF4-FFF2-40B4-BE49-F238E27FC236}">
+                <a16:creationId xmlns:a16="http://schemas.microsoft.com/office/drawing/2014/main" id="{6FE95937-5B70-4FB4-9D66-3E57823452E7}"/>
+              </a:ext>
+            </a:extLst>
+          </p:cNvPr>
+          <p:cNvPicPr>
+            <a:picLocks noChangeAspect="1"/>
+          </p:cNvPicPr>
+          <p:nvPr/>
+        </p:nvPicPr>
+        <p:blipFill>
+          <a:blip r:embed="rId2"/>
+          <a:stretch>
+            <a:fillRect/>
+          </a:stretch>
+        </p:blipFill>
+        <p:spPr>
+          <a:xfrm>
+            <a:off x="333375" y="3271837"/>
+            <a:ext cx="8477250" cy="3133725"/>
+          </a:xfrm>
+          <a:prstGeom prst="rect">
+            <a:avLst/>
+          </a:prstGeom>
+        </p:spPr>
+      </p:pic>
+      <p:sp>
+        <p:nvSpPr>
+          <p:cNvPr id="27" name="TextBox 26">
+            <a:extLst>
+              <a:ext uri="{FF2B5EF4-FFF2-40B4-BE49-F238E27FC236}">
+                <a16:creationId xmlns:a16="http://schemas.microsoft.com/office/drawing/2014/main" id="{A975FE2E-4F99-4355-B4EC-7555898A9684}"/>
+              </a:ext>
+            </a:extLst>
+          </p:cNvPr>
+          <p:cNvSpPr txBox="1"/>
+          <p:nvPr/>
+        </p:nvSpPr>
+        <p:spPr>
+          <a:xfrm>
+            <a:off x="333375" y="1053241"/>
+            <a:ext cx="2382252" cy="369332"/>
+          </a:xfrm>
+          <a:prstGeom prst="rect">
+            <a:avLst/>
+          </a:prstGeom>
+          <a:noFill/>
+        </p:spPr>
+        <p:txBody>
+          <a:bodyPr wrap="square" rtlCol="0">
+            <a:spAutoFit/>
+          </a:bodyPr>
+          <a:lstStyle/>
+          <a:p>
+            <a:r>
+              <a:rPr lang="ko-KR" altLang="en-US" dirty="0"/>
+              <a:t>동기</a:t>
+            </a:r>
+            <a:r>
+              <a:rPr lang="en-US" altLang="ko-KR" dirty="0"/>
+              <a:t>	</a:t>
+            </a:r>
+            <a:endParaRPr lang="ko-KR" altLang="en-US" dirty="0"/>
+          </a:p>
+        </p:txBody>
+      </p:sp>
+      <p:sp>
+        <p:nvSpPr>
+          <p:cNvPr id="29" name="TextBox 28">
+            <a:extLst>
+              <a:ext uri="{FF2B5EF4-FFF2-40B4-BE49-F238E27FC236}">
+                <a16:creationId xmlns:a16="http://schemas.microsoft.com/office/drawing/2014/main" id="{AC35C033-A44B-42D2-8B7A-3E9561A8F7D0}"/>
+              </a:ext>
+            </a:extLst>
+          </p:cNvPr>
+          <p:cNvSpPr txBox="1"/>
+          <p:nvPr/>
+        </p:nvSpPr>
+        <p:spPr>
+          <a:xfrm>
+            <a:off x="511174" y="1434241"/>
+            <a:ext cx="5813425" cy="923330"/>
+          </a:xfrm>
+          <a:prstGeom prst="rect">
+            <a:avLst/>
+          </a:prstGeom>
+          <a:noFill/>
+        </p:spPr>
+        <p:txBody>
+          <a:bodyPr wrap="square" rtlCol="0">
+            <a:spAutoFit/>
+          </a:bodyPr>
+          <a:lstStyle/>
+          <a:p>
+            <a:pPr marL="342900" indent="-342900">
+              <a:buAutoNum type="arabicPeriod"/>
+            </a:pPr>
+            <a:r>
+              <a:rPr lang="ko-KR" altLang="en-US" dirty="0"/>
+              <a:t>서버에 </a:t>
+            </a:r>
+            <a:r>
+              <a:rPr lang="en-US" altLang="ko-KR" dirty="0"/>
+              <a:t>Image</a:t>
+            </a:r>
+            <a:r>
+              <a:rPr lang="ko-KR" altLang="en-US" dirty="0"/>
+              <a:t>들이 있습니다</a:t>
+            </a:r>
+            <a:r>
+              <a:rPr lang="en-US" altLang="ko-KR" dirty="0"/>
+              <a:t>.</a:t>
+            </a:r>
+          </a:p>
+          <a:p>
+            <a:pPr marL="342900" indent="-342900">
+              <a:buAutoNum type="arabicPeriod"/>
+            </a:pPr>
+            <a:r>
+              <a:rPr lang="ko-KR" altLang="en-US" dirty="0"/>
+              <a:t>해당 </a:t>
+            </a:r>
+            <a:r>
+              <a:rPr lang="en-US" altLang="ko-KR" dirty="0"/>
+              <a:t>Image</a:t>
+            </a:r>
+            <a:r>
+              <a:rPr lang="ko-KR" altLang="en-US" dirty="0"/>
+              <a:t>들은 여러 정보들이 있습니다</a:t>
+            </a:r>
+            <a:r>
+              <a:rPr lang="en-US" altLang="ko-KR" dirty="0"/>
+              <a:t>.</a:t>
+            </a:r>
+          </a:p>
+          <a:p>
+            <a:pPr marL="342900" indent="-342900">
+              <a:buAutoNum type="arabicPeriod"/>
+            </a:pPr>
+            <a:endParaRPr lang="ko-KR" altLang="en-US" dirty="0"/>
+          </a:p>
+        </p:txBody>
+      </p:sp>
+    </p:spTree>
+    <p:extLst>
+      <p:ext uri="{BB962C8B-B14F-4D97-AF65-F5344CB8AC3E}">
+        <p14:creationId xmlns:p14="http://schemas.microsoft.com/office/powerpoint/2010/main" val="2073730370"/>
+      </p:ext>
+    </p:extLst>
+  </p:cSld>
+  <p:clrMapOvr>
+    <a:masterClrMapping/>
+  </p:clrMapOvr>
+</p:sld>
+</file>
+
+<file path=ppt/slides/slide4.xml><?xml version="1.0" encoding="utf-8"?>
+<p:sld xmlns:a="http://schemas.openxmlformats.org/drawingml/2006/main" xmlns:r="http://schemas.openxmlformats.org/officeDocument/2006/relationships" xmlns:p="http://schemas.openxmlformats.org/presentationml/2006/main">
+  <p:cSld>
+    <p:spTree>
+      <p:nvGrpSpPr>
+        <p:cNvPr id="1" name=""/>
+        <p:cNvGrpSpPr/>
+        <p:nvPr/>
+      </p:nvGrpSpPr>
+      <p:grpSpPr>
+        <a:xfrm>
+          <a:off x="0" y="0"/>
+          <a:ext cx="0" cy="0"/>
+          <a:chOff x="0" y="0"/>
+          <a:chExt cx="0" cy="0"/>
+        </a:xfrm>
+      </p:grpSpPr>
+      <p:sp>
+        <p:nvSpPr>
+          <p:cNvPr id="2" name="제목 1">
+            <a:extLst>
+              <a:ext uri="{FF2B5EF4-FFF2-40B4-BE49-F238E27FC236}">
+                <a16:creationId xmlns:a16="http://schemas.microsoft.com/office/drawing/2014/main" id="{07C3C44B-BB16-4443-A22C-7438C0CF02AA}"/>
+              </a:ext>
+            </a:extLst>
+          </p:cNvPr>
+          <p:cNvSpPr>
+            <a:spLocks noGrp="1"/>
+          </p:cNvSpPr>
+          <p:nvPr>
+            <p:ph type="title"/>
+          </p:nvPr>
+        </p:nvSpPr>
+        <p:spPr>
+          <a:xfrm>
+            <a:off x="628650" y="172622"/>
+            <a:ext cx="7886700" cy="637506"/>
+          </a:xfrm>
+        </p:spPr>
+        <p:txBody>
+          <a:bodyPr>
+            <a:normAutofit fontScale="90000"/>
+          </a:bodyPr>
+          <a:lstStyle/>
+          <a:p>
+            <a:r>
+              <a:rPr lang="en-US" altLang="ko-KR" dirty="0"/>
+              <a:t>Memento</a:t>
+            </a:r>
+            <a:endParaRPr lang="ko-KR" altLang="en-US" dirty="0"/>
+          </a:p>
+        </p:txBody>
+      </p:sp>
+      <p:sp>
+        <p:nvSpPr>
+          <p:cNvPr id="4" name="직사각형 3">
+            <a:extLst>
+              <a:ext uri="{FF2B5EF4-FFF2-40B4-BE49-F238E27FC236}">
+                <a16:creationId xmlns:a16="http://schemas.microsoft.com/office/drawing/2014/main" id="{3AE0D61E-38F4-48D6-A463-1E44B072C66B}"/>
+              </a:ext>
+            </a:extLst>
+          </p:cNvPr>
+          <p:cNvSpPr/>
+          <p:nvPr/>
+        </p:nvSpPr>
+        <p:spPr>
+          <a:xfrm>
+            <a:off x="1371601" y="1084746"/>
+            <a:ext cx="4572000" cy="1169551"/>
+          </a:xfrm>
+          <a:prstGeom prst="rect">
+            <a:avLst/>
+          </a:prstGeom>
+        </p:spPr>
+        <p:txBody>
+          <a:bodyPr>
+            <a:spAutoFit/>
+          </a:bodyPr>
+          <a:lstStyle/>
+          <a:p>
+            <a:r>
+              <a:rPr lang="ko-KR" altLang="en-US" sz="1000" dirty="0"/>
+              <a:t>게임회사에 다니는 당신에게 새로 맡겨진 일은 바둑 프로그램 개발 작업이다</a:t>
+            </a:r>
+            <a:r>
+              <a:rPr lang="en-US" altLang="ko-KR" sz="1000" dirty="0"/>
+              <a:t>. </a:t>
+            </a:r>
+            <a:r>
+              <a:rPr lang="ko-KR" altLang="en-US" sz="1000" dirty="0"/>
+              <a:t>게임 인공지능 부분은 다른 팀에서 맡기로 하였고</a:t>
+            </a:r>
+            <a:r>
+              <a:rPr lang="en-US" altLang="ko-KR" sz="1000" dirty="0"/>
+              <a:t>, </a:t>
+            </a:r>
+            <a:r>
+              <a:rPr lang="ko-KR" altLang="en-US" sz="1000" dirty="0"/>
+              <a:t>당신은 사용자 인터페이스와 바둑 무르기</a:t>
+            </a:r>
+            <a:r>
+              <a:rPr lang="en-US" altLang="ko-KR" sz="1000" dirty="0"/>
+              <a:t>, </a:t>
+            </a:r>
+            <a:r>
+              <a:rPr lang="ko-KR" altLang="en-US" sz="1000" dirty="0"/>
+              <a:t>복기하기 등과 같은 기능을 개발하여야 한다</a:t>
+            </a:r>
+            <a:r>
+              <a:rPr lang="en-US" altLang="ko-KR" sz="1000" dirty="0"/>
+              <a:t>. </a:t>
+            </a:r>
+            <a:r>
+              <a:rPr lang="ko-KR" altLang="en-US" sz="1000" dirty="0"/>
+              <a:t>바둑 무르기 기능의 경우</a:t>
+            </a:r>
+            <a:r>
+              <a:rPr lang="en-US" altLang="ko-KR" sz="1000" dirty="0"/>
+              <a:t>, </a:t>
+            </a:r>
+            <a:r>
+              <a:rPr lang="ko-KR" altLang="en-US" sz="1000" dirty="0"/>
+              <a:t>사용자가 두기 이전 상태로 되돌려야 하며 복기 기능은 게임의 처음부터 진행된 때 까지 바둑판 상태를 차례대로 표현할 수 있어야 한다</a:t>
+            </a:r>
+            <a:r>
+              <a:rPr lang="en-US" altLang="ko-KR" sz="1000" dirty="0"/>
+              <a:t>. </a:t>
+            </a:r>
+            <a:r>
+              <a:rPr lang="ko-KR" altLang="en-US" sz="1000" dirty="0"/>
+              <a:t>이렇게 객체의 상태를 </a:t>
+            </a:r>
+            <a:r>
+              <a:rPr lang="ko-KR" altLang="en-US" sz="1000" dirty="0" err="1"/>
+              <a:t>저장해두었다가</a:t>
+            </a:r>
+            <a:r>
+              <a:rPr lang="ko-KR" altLang="en-US" sz="1000" dirty="0"/>
+              <a:t> 복원해야 될 경우 당신은 어떻게 객체지향설계를 할 것인가</a:t>
+            </a:r>
+            <a:r>
+              <a:rPr lang="en-US" altLang="ko-KR" sz="1000" dirty="0"/>
+              <a:t>?</a:t>
+            </a:r>
+            <a:endParaRPr lang="ko-KR" altLang="en-US" sz="1000" dirty="0"/>
+          </a:p>
+        </p:txBody>
+      </p:sp>
+      <p:sp>
+        <p:nvSpPr>
+          <p:cNvPr id="5" name="직사각형 4">
+            <a:extLst>
+              <a:ext uri="{FF2B5EF4-FFF2-40B4-BE49-F238E27FC236}">
+                <a16:creationId xmlns:a16="http://schemas.microsoft.com/office/drawing/2014/main" id="{0ADA9147-8E04-43BC-9D02-8034A6A1B845}"/>
+              </a:ext>
+            </a:extLst>
+          </p:cNvPr>
+          <p:cNvSpPr/>
+          <p:nvPr/>
+        </p:nvSpPr>
+        <p:spPr>
+          <a:xfrm>
+            <a:off x="705852" y="853615"/>
+            <a:ext cx="4572000" cy="246221"/>
+          </a:xfrm>
+          <a:prstGeom prst="rect">
+            <a:avLst/>
+          </a:prstGeom>
+        </p:spPr>
+        <p:txBody>
+          <a:bodyPr>
+            <a:spAutoFit/>
+          </a:bodyPr>
+          <a:lstStyle/>
+          <a:p>
+            <a:r>
+              <a:rPr lang="ko-KR" altLang="en-US" sz="1000"/>
+              <a:t>동기</a:t>
+            </a:r>
+            <a:endParaRPr lang="ko-KR" altLang="en-US" sz="1000" dirty="0"/>
+          </a:p>
+        </p:txBody>
+      </p:sp>
+    </p:spTree>
+    <p:extLst>
+      <p:ext uri="{BB962C8B-B14F-4D97-AF65-F5344CB8AC3E}">
+        <p14:creationId xmlns:p14="http://schemas.microsoft.com/office/powerpoint/2010/main" val="266080749"/>
       </p:ext>
     </p:extLst>
   </p:cSld>

--- a/Designpattern정리.pptx
+++ b/Designpattern정리.pptx
@@ -6,9 +6,12 @@
   </p:sldMasterIdLst>
   <p:sldIdLst>
     <p:sldId id="256" r:id="rId2"/>
-    <p:sldId id="257" r:id="rId3"/>
-    <p:sldId id="258" r:id="rId4"/>
-    <p:sldId id="259" r:id="rId5"/>
+    <p:sldId id="262" r:id="rId3"/>
+    <p:sldId id="257" r:id="rId4"/>
+    <p:sldId id="261" r:id="rId5"/>
+    <p:sldId id="258" r:id="rId6"/>
+    <p:sldId id="260" r:id="rId7"/>
+    <p:sldId id="259" r:id="rId8"/>
   </p:sldIdLst>
   <p:sldSz cx="9144000" cy="6858000" type="screen4x3"/>
   <p:notesSz cx="6858000" cy="9144000"/>
@@ -250,7 +253,7 @@
           <a:p>
             <a:fld id="{B186EE6C-4D4F-4C1D-9731-54D8A1B13549}" type="datetimeFigureOut">
               <a:rPr lang="ko-KR" altLang="en-US" smtClean="0"/>
-              <a:t>2017-08-26</a:t>
+              <a:t>2017-08-28</a:t>
             </a:fld>
             <a:endParaRPr lang="ko-KR" altLang="en-US"/>
           </a:p>
@@ -420,7 +423,7 @@
           <a:p>
             <a:fld id="{B186EE6C-4D4F-4C1D-9731-54D8A1B13549}" type="datetimeFigureOut">
               <a:rPr lang="ko-KR" altLang="en-US" smtClean="0"/>
-              <a:t>2017-08-26</a:t>
+              <a:t>2017-08-28</a:t>
             </a:fld>
             <a:endParaRPr lang="ko-KR" altLang="en-US"/>
           </a:p>
@@ -600,7 +603,7 @@
           <a:p>
             <a:fld id="{B186EE6C-4D4F-4C1D-9731-54D8A1B13549}" type="datetimeFigureOut">
               <a:rPr lang="ko-KR" altLang="en-US" smtClean="0"/>
-              <a:t>2017-08-26</a:t>
+              <a:t>2017-08-28</a:t>
             </a:fld>
             <a:endParaRPr lang="ko-KR" altLang="en-US"/>
           </a:p>
@@ -770,7 +773,7 @@
           <a:p>
             <a:fld id="{B186EE6C-4D4F-4C1D-9731-54D8A1B13549}" type="datetimeFigureOut">
               <a:rPr lang="ko-KR" altLang="en-US" smtClean="0"/>
-              <a:t>2017-08-26</a:t>
+              <a:t>2017-08-28</a:t>
             </a:fld>
             <a:endParaRPr lang="ko-KR" altLang="en-US"/>
           </a:p>
@@ -1014,7 +1017,7 @@
           <a:p>
             <a:fld id="{B186EE6C-4D4F-4C1D-9731-54D8A1B13549}" type="datetimeFigureOut">
               <a:rPr lang="ko-KR" altLang="en-US" smtClean="0"/>
-              <a:t>2017-08-26</a:t>
+              <a:t>2017-08-28</a:t>
             </a:fld>
             <a:endParaRPr lang="ko-KR" altLang="en-US"/>
           </a:p>
@@ -1246,7 +1249,7 @@
           <a:p>
             <a:fld id="{B186EE6C-4D4F-4C1D-9731-54D8A1B13549}" type="datetimeFigureOut">
               <a:rPr lang="ko-KR" altLang="en-US" smtClean="0"/>
-              <a:t>2017-08-26</a:t>
+              <a:t>2017-08-28</a:t>
             </a:fld>
             <a:endParaRPr lang="ko-KR" altLang="en-US"/>
           </a:p>
@@ -1613,7 +1616,7 @@
           <a:p>
             <a:fld id="{B186EE6C-4D4F-4C1D-9731-54D8A1B13549}" type="datetimeFigureOut">
               <a:rPr lang="ko-KR" altLang="en-US" smtClean="0"/>
-              <a:t>2017-08-26</a:t>
+              <a:t>2017-08-28</a:t>
             </a:fld>
             <a:endParaRPr lang="ko-KR" altLang="en-US"/>
           </a:p>
@@ -1731,7 +1734,7 @@
           <a:p>
             <a:fld id="{B186EE6C-4D4F-4C1D-9731-54D8A1B13549}" type="datetimeFigureOut">
               <a:rPr lang="ko-KR" altLang="en-US" smtClean="0"/>
-              <a:t>2017-08-26</a:t>
+              <a:t>2017-08-28</a:t>
             </a:fld>
             <a:endParaRPr lang="ko-KR" altLang="en-US"/>
           </a:p>
@@ -1826,7 +1829,7 @@
           <a:p>
             <a:fld id="{B186EE6C-4D4F-4C1D-9731-54D8A1B13549}" type="datetimeFigureOut">
               <a:rPr lang="ko-KR" altLang="en-US" smtClean="0"/>
-              <a:t>2017-08-26</a:t>
+              <a:t>2017-08-28</a:t>
             </a:fld>
             <a:endParaRPr lang="ko-KR" altLang="en-US"/>
           </a:p>
@@ -2103,7 +2106,7 @@
           <a:p>
             <a:fld id="{B186EE6C-4D4F-4C1D-9731-54D8A1B13549}" type="datetimeFigureOut">
               <a:rPr lang="ko-KR" altLang="en-US" smtClean="0"/>
-              <a:t>2017-08-26</a:t>
+              <a:t>2017-08-28</a:t>
             </a:fld>
             <a:endParaRPr lang="ko-KR" altLang="en-US"/>
           </a:p>
@@ -2360,7 +2363,7 @@
           <a:p>
             <a:fld id="{B186EE6C-4D4F-4C1D-9731-54D8A1B13549}" type="datetimeFigureOut">
               <a:rPr lang="ko-KR" altLang="en-US" smtClean="0"/>
-              <a:t>2017-08-26</a:t>
+              <a:t>2017-08-28</a:t>
             </a:fld>
             <a:endParaRPr lang="ko-KR" altLang="en-US"/>
           </a:p>
@@ -2573,7 +2576,7 @@
           <a:p>
             <a:fld id="{B186EE6C-4D4F-4C1D-9731-54D8A1B13549}" type="datetimeFigureOut">
               <a:rPr lang="ko-KR" altLang="en-US" smtClean="0"/>
-              <a:t>2017-08-26</a:t>
+              <a:t>2017-08-28</a:t>
             </a:fld>
             <a:endParaRPr lang="ko-KR" altLang="en-US"/>
           </a:p>
@@ -3086,46 +3089,10 @@
       </p:grpSpPr>
       <p:sp>
         <p:nvSpPr>
-          <p:cNvPr id="2" name="제목 1">
+          <p:cNvPr id="4" name="TextBox 3">
             <a:extLst>
               <a:ext uri="{FF2B5EF4-FFF2-40B4-BE49-F238E27FC236}">
-                <a16:creationId xmlns:a16="http://schemas.microsoft.com/office/drawing/2014/main" id="{F45FE15B-EEC1-4C69-A456-C156B1906949}"/>
-              </a:ext>
-            </a:extLst>
-          </p:cNvPr>
-          <p:cNvSpPr>
-            <a:spLocks noGrp="1"/>
-          </p:cNvSpPr>
-          <p:nvPr>
-            <p:ph type="title"/>
-          </p:nvPr>
-        </p:nvSpPr>
-        <p:spPr>
-          <a:xfrm>
-            <a:off x="628650" y="365127"/>
-            <a:ext cx="7886700" cy="565316"/>
-          </a:xfrm>
-        </p:spPr>
-        <p:txBody>
-          <a:bodyPr>
-            <a:normAutofit fontScale="90000"/>
-          </a:bodyPr>
-          <a:lstStyle/>
-          <a:p>
-            <a:r>
-              <a:rPr lang="en-US" altLang="ko-KR" dirty="0"/>
-              <a:t>Adapter</a:t>
-            </a:r>
-            <a:endParaRPr lang="ko-KR" altLang="en-US" dirty="0"/>
-          </a:p>
-        </p:txBody>
-      </p:sp>
-      <p:sp>
-        <p:nvSpPr>
-          <p:cNvPr id="5" name="TextBox 4">
-            <a:extLst>
-              <a:ext uri="{FF2B5EF4-FFF2-40B4-BE49-F238E27FC236}">
-                <a16:creationId xmlns:a16="http://schemas.microsoft.com/office/drawing/2014/main" id="{34088510-BF9A-43A8-BEEA-4F2D12699681}"/>
+                <a16:creationId xmlns:a16="http://schemas.microsoft.com/office/drawing/2014/main" id="{B24EC1B5-39F0-4AA4-AECD-85CC57C83A32}"/>
               </a:ext>
             </a:extLst>
           </p:cNvPr>
@@ -3134,8 +3101,70 @@
         </p:nvSpPr>
         <p:spPr>
           <a:xfrm>
-            <a:off x="713874" y="1008902"/>
-            <a:ext cx="2382252" cy="923330"/>
+            <a:off x="333374" y="889115"/>
+            <a:ext cx="8552717" cy="369332"/>
+          </a:xfrm>
+          <a:prstGeom prst="rect">
+            <a:avLst/>
+          </a:prstGeom>
+          <a:solidFill>
+            <a:srgbClr val="00B0F0"/>
+          </a:solidFill>
+        </p:spPr>
+        <p:txBody>
+          <a:bodyPr wrap="square" rtlCol="0">
+            <a:spAutoFit/>
+          </a:bodyPr>
+          <a:lstStyle/>
+          <a:p>
+            <a:r>
+              <a:rPr lang="en-US" altLang="ko-KR" dirty="0">
+                <a:solidFill>
+                  <a:schemeClr val="bg1"/>
+                </a:solidFill>
+              </a:rPr>
+              <a:t>Design Pattern</a:t>
+            </a:r>
+            <a:r>
+              <a:rPr lang="ko-KR" altLang="en-US" dirty="0">
+                <a:solidFill>
+                  <a:schemeClr val="bg1"/>
+                </a:solidFill>
+              </a:rPr>
+              <a:t>이란</a:t>
+            </a:r>
+            <a:r>
+              <a:rPr lang="en-US" altLang="ko-KR" dirty="0">
+                <a:solidFill>
+                  <a:schemeClr val="bg1"/>
+                </a:solidFill>
+              </a:rPr>
+              <a:t>?	</a:t>
+            </a:r>
+            <a:endParaRPr lang="ko-KR" altLang="en-US" dirty="0">
+              <a:solidFill>
+                <a:schemeClr val="bg1"/>
+              </a:solidFill>
+            </a:endParaRPr>
+          </a:p>
+        </p:txBody>
+      </p:sp>
+      <p:sp>
+        <p:nvSpPr>
+          <p:cNvPr id="5" name="TextBox 4">
+            <a:extLst>
+              <a:ext uri="{FF2B5EF4-FFF2-40B4-BE49-F238E27FC236}">
+                <a16:creationId xmlns:a16="http://schemas.microsoft.com/office/drawing/2014/main" id="{99B1148F-8304-41FE-AB94-499FF2056BCD}"/>
+              </a:ext>
+            </a:extLst>
+          </p:cNvPr>
+          <p:cNvSpPr txBox="1"/>
+          <p:nvPr/>
+        </p:nvSpPr>
+        <p:spPr>
+          <a:xfrm>
+            <a:off x="511174" y="1434241"/>
+            <a:ext cx="8415949" cy="2062103"/>
           </a:xfrm>
           <a:prstGeom prst="rect">
             <a:avLst/>
@@ -3148,24 +3177,102 @@
           </a:bodyPr>
           <a:lstStyle/>
           <a:p>
-            <a:r>
-              <a:rPr lang="en-US" altLang="ko-KR" dirty="0"/>
-              <a:t>http://palpit.tistory.com/196</a:t>
-            </a:r>
-          </a:p>
-          <a:p>
-            <a:r>
-              <a:rPr lang="en-US" altLang="ko-KR" dirty="0"/>
-              <a:t>	</a:t>
-            </a:r>
-            <a:endParaRPr lang="ko-KR" altLang="en-US" dirty="0"/>
+            <a:pPr marL="342900" indent="-342900">
+              <a:buAutoNum type="arabicPeriod"/>
+            </a:pPr>
+            <a:r>
+              <a:rPr lang="ko-KR" altLang="en-US" sz="1600" dirty="0"/>
+              <a:t>당근 똘똘한 사람들이 사람들의 코드를 분석해보니 몇가지 유형으로 나눠져 있더라</a:t>
+            </a:r>
+            <a:endParaRPr lang="en-US" altLang="ko-KR" sz="1600" dirty="0"/>
+          </a:p>
+          <a:p>
+            <a:pPr marL="342900" indent="-342900">
+              <a:buAutoNum type="arabicPeriod"/>
+            </a:pPr>
+            <a:endParaRPr lang="en-US" altLang="ko-KR" sz="1600" dirty="0"/>
+          </a:p>
+          <a:p>
+            <a:pPr marL="342900" indent="-342900">
+              <a:buAutoNum type="arabicPeriod"/>
+            </a:pPr>
+            <a:r>
+              <a:rPr lang="ko-KR" altLang="en-US" sz="1600" dirty="0"/>
+              <a:t>그걸 이름을 붙여서 논문으로 썼고 유명해진 거다</a:t>
+            </a:r>
+            <a:r>
+              <a:rPr lang="en-US" altLang="ko-KR" sz="1600" dirty="0"/>
+              <a:t>.</a:t>
+            </a:r>
+          </a:p>
+          <a:p>
+            <a:pPr marL="342900" indent="-342900">
+              <a:buAutoNum type="arabicPeriod"/>
+            </a:pPr>
+            <a:endParaRPr lang="en-US" altLang="ko-KR" sz="1600" dirty="0"/>
+          </a:p>
+          <a:p>
+            <a:pPr marL="342900" indent="-342900">
+              <a:buAutoNum type="arabicPeriod"/>
+            </a:pPr>
+            <a:r>
+              <a:rPr lang="ko-KR" altLang="en-US" sz="1600" dirty="0"/>
+              <a:t>근데 이건 거의 객체 지향에 특화되어 있으며 </a:t>
+            </a:r>
+            <a:r>
+              <a:rPr lang="en-US" altLang="ko-KR" sz="1600" dirty="0">
+                <a:solidFill>
+                  <a:srgbClr val="FF0000"/>
+                </a:solidFill>
+              </a:rPr>
+              <a:t>interface, abstract</a:t>
+            </a:r>
+            <a:r>
+              <a:rPr lang="ko-KR" altLang="en-US" sz="1600" dirty="0"/>
+              <a:t>가 기본이다</a:t>
+            </a:r>
+            <a:r>
+              <a:rPr lang="en-US" altLang="ko-KR" sz="1600" dirty="0"/>
+              <a:t>.</a:t>
+            </a:r>
+          </a:p>
+          <a:p>
+            <a:r>
+              <a:rPr lang="en-US" altLang="ko-KR" sz="1600" dirty="0"/>
+              <a:t>        (</a:t>
+            </a:r>
+            <a:r>
+              <a:rPr lang="ko-KR" altLang="en-US" sz="1600" dirty="0"/>
+              <a:t>문법에 나오는 그거</a:t>
+            </a:r>
+            <a:r>
+              <a:rPr lang="en-US" altLang="ko-KR" sz="1600" dirty="0"/>
+              <a:t>)</a:t>
+            </a:r>
+          </a:p>
+          <a:p>
+            <a:endParaRPr lang="en-US" altLang="ko-KR" sz="1600" dirty="0"/>
+          </a:p>
+          <a:p>
+            <a:r>
+              <a:rPr lang="en-US" altLang="ko-KR" sz="1600" dirty="0"/>
+              <a:t>4.     </a:t>
+            </a:r>
+            <a:r>
+              <a:rPr lang="ko-KR" altLang="en-US" sz="1600" dirty="0"/>
+              <a:t>우리가 코딩할 때 유용한 부분이 엄청 많은 것 같다</a:t>
+            </a:r>
+            <a:r>
+              <a:rPr lang="en-US" altLang="ko-KR" sz="1600" dirty="0"/>
+              <a:t>.</a:t>
+            </a:r>
           </a:p>
         </p:txBody>
       </p:sp>
     </p:spTree>
     <p:extLst>
       <p:ext uri="{BB962C8B-B14F-4D97-AF65-F5344CB8AC3E}">
-        <p14:creationId xmlns:p14="http://schemas.microsoft.com/office/powerpoint/2010/main" val="1000453173"/>
+        <p14:creationId xmlns:p14="http://schemas.microsoft.com/office/powerpoint/2010/main" val="914336451"/>
       </p:ext>
     </p:extLst>
   </p:cSld>
@@ -3197,7 +3304,7 @@
           <p:cNvPr id="2" name="제목 1">
             <a:extLst>
               <a:ext uri="{FF2B5EF4-FFF2-40B4-BE49-F238E27FC236}">
-                <a16:creationId xmlns:a16="http://schemas.microsoft.com/office/drawing/2014/main" id="{C36612DE-2111-4159-815A-D0F164E37F46}"/>
+                <a16:creationId xmlns:a16="http://schemas.microsoft.com/office/drawing/2014/main" id="{F45FE15B-EEC1-4C69-A456-C156B1906949}"/>
               </a:ext>
             </a:extLst>
           </p:cNvPr>
@@ -3210,58 +3317,30 @@
         </p:nvSpPr>
         <p:spPr>
           <a:xfrm>
-            <a:off x="166687" y="127839"/>
-            <a:ext cx="7886700" cy="749800"/>
-          </a:xfrm>
-        </p:spPr>
-        <p:txBody>
-          <a:bodyPr/>
+            <a:off x="333374" y="72050"/>
+            <a:ext cx="7886700" cy="565316"/>
+          </a:xfrm>
+        </p:spPr>
+        <p:txBody>
+          <a:bodyPr>
+            <a:normAutofit fontScale="90000"/>
+          </a:bodyPr>
           <a:lstStyle/>
           <a:p>
             <a:r>
               <a:rPr lang="en-US" altLang="ko-KR" dirty="0"/>
-              <a:t>proxy</a:t>
+              <a:t>Adapter 1</a:t>
             </a:r>
             <a:endParaRPr lang="ko-KR" altLang="en-US" dirty="0"/>
           </a:p>
         </p:txBody>
       </p:sp>
-      <p:pic>
-        <p:nvPicPr>
-          <p:cNvPr id="26" name="그림 25">
+      <p:sp>
+        <p:nvSpPr>
+          <p:cNvPr id="4" name="TextBox 3">
             <a:extLst>
               <a:ext uri="{FF2B5EF4-FFF2-40B4-BE49-F238E27FC236}">
-                <a16:creationId xmlns:a16="http://schemas.microsoft.com/office/drawing/2014/main" id="{6FE95937-5B70-4FB4-9D66-3E57823452E7}"/>
-              </a:ext>
-            </a:extLst>
-          </p:cNvPr>
-          <p:cNvPicPr>
-            <a:picLocks noChangeAspect="1"/>
-          </p:cNvPicPr>
-          <p:nvPr/>
-        </p:nvPicPr>
-        <p:blipFill>
-          <a:blip r:embed="rId2"/>
-          <a:stretch>
-            <a:fillRect/>
-          </a:stretch>
-        </p:blipFill>
-        <p:spPr>
-          <a:xfrm>
-            <a:off x="333375" y="3271837"/>
-            <a:ext cx="8477250" cy="3133725"/>
-          </a:xfrm>
-          <a:prstGeom prst="rect">
-            <a:avLst/>
-          </a:prstGeom>
-        </p:spPr>
-      </p:pic>
-      <p:sp>
-        <p:nvSpPr>
-          <p:cNvPr id="27" name="TextBox 26">
-            <a:extLst>
-              <a:ext uri="{FF2B5EF4-FFF2-40B4-BE49-F238E27FC236}">
-                <a16:creationId xmlns:a16="http://schemas.microsoft.com/office/drawing/2014/main" id="{A975FE2E-4F99-4355-B4EC-7555898A9684}"/>
+                <a16:creationId xmlns:a16="http://schemas.microsoft.com/office/drawing/2014/main" id="{1CB85916-40A8-481A-9593-1EA519012F9C}"/>
               </a:ext>
             </a:extLst>
           </p:cNvPr>
@@ -3270,13 +3349,15 @@
         </p:nvSpPr>
         <p:spPr>
           <a:xfrm>
-            <a:off x="333375" y="1053241"/>
-            <a:ext cx="2382252" cy="369332"/>
+            <a:off x="333374" y="889115"/>
+            <a:ext cx="8552717" cy="369332"/>
           </a:xfrm>
           <a:prstGeom prst="rect">
             <a:avLst/>
           </a:prstGeom>
-          <a:noFill/>
+          <a:solidFill>
+            <a:srgbClr val="00B0F0"/>
+          </a:solidFill>
         </p:spPr>
         <p:txBody>
           <a:bodyPr wrap="square" rtlCol="0">
@@ -3285,23 +3366,51 @@
           <a:lstStyle/>
           <a:p>
             <a:r>
-              <a:rPr lang="ko-KR" altLang="en-US" dirty="0"/>
-              <a:t>동기</a:t>
-            </a:r>
-            <a:r>
-              <a:rPr lang="en-US" altLang="ko-KR" dirty="0"/>
-              <a:t>	</a:t>
-            </a:r>
-            <a:endParaRPr lang="ko-KR" altLang="en-US" dirty="0"/>
-          </a:p>
-        </p:txBody>
-      </p:sp>
-      <p:sp>
-        <p:nvSpPr>
-          <p:cNvPr id="29" name="TextBox 28">
+              <a:rPr lang="ko-KR" altLang="en-US" dirty="0">
+                <a:solidFill>
+                  <a:schemeClr val="bg1"/>
+                </a:solidFill>
+              </a:rPr>
+              <a:t>동기 </a:t>
+            </a:r>
+            <a:r>
+              <a:rPr lang="en-US" altLang="ko-KR" dirty="0">
+                <a:solidFill>
+                  <a:schemeClr val="bg1"/>
+                </a:solidFill>
+              </a:rPr>
+              <a:t>– </a:t>
+            </a:r>
+            <a:r>
+              <a:rPr lang="ko-KR" altLang="en-US" dirty="0">
+                <a:solidFill>
+                  <a:schemeClr val="bg1"/>
+                </a:solidFill>
+              </a:rPr>
+              <a:t>이런 경우에 쓰는 거다</a:t>
+            </a:r>
+            <a:r>
+              <a:rPr lang="en-US" altLang="ko-KR" dirty="0">
+                <a:solidFill>
+                  <a:schemeClr val="bg1"/>
+                </a:solidFill>
+              </a:rPr>
+              <a:t>.	</a:t>
+            </a:r>
+            <a:endParaRPr lang="ko-KR" altLang="en-US" dirty="0">
+              <a:solidFill>
+                <a:schemeClr val="bg1"/>
+              </a:solidFill>
+            </a:endParaRPr>
+          </a:p>
+        </p:txBody>
+      </p:sp>
+      <p:sp>
+        <p:nvSpPr>
+          <p:cNvPr id="6" name="TextBox 5">
             <a:extLst>
               <a:ext uri="{FF2B5EF4-FFF2-40B4-BE49-F238E27FC236}">
-                <a16:creationId xmlns:a16="http://schemas.microsoft.com/office/drawing/2014/main" id="{AC35C033-A44B-42D2-8B7A-3E9561A8F7D0}"/>
+                <a16:creationId xmlns:a16="http://schemas.microsoft.com/office/drawing/2014/main" id="{BA85EB39-FBA7-479D-9290-46EC833AB4D1}"/>
               </a:ext>
             </a:extLst>
           </p:cNvPr>
@@ -3310,8 +3419,62 @@
         </p:nvSpPr>
         <p:spPr>
           <a:xfrm>
+            <a:off x="333375" y="2674874"/>
+            <a:ext cx="8552716" cy="369332"/>
+          </a:xfrm>
+          <a:prstGeom prst="rect">
+            <a:avLst/>
+          </a:prstGeom>
+          <a:solidFill>
+            <a:srgbClr val="00B0F0"/>
+          </a:solidFill>
+        </p:spPr>
+        <p:txBody>
+          <a:bodyPr wrap="square" rtlCol="0">
+            <a:spAutoFit/>
+          </a:bodyPr>
+          <a:lstStyle/>
+          <a:p>
+            <a:r>
+              <a:rPr lang="ko-KR" altLang="en-US" dirty="0">
+                <a:solidFill>
+                  <a:schemeClr val="bg1"/>
+                </a:solidFill>
+              </a:rPr>
+              <a:t>그림</a:t>
+            </a:r>
+            <a:r>
+              <a:rPr lang="en-US" altLang="ko-KR" dirty="0">
+                <a:solidFill>
+                  <a:schemeClr val="bg1"/>
+                </a:solidFill>
+              </a:rPr>
+              <a:t>	</a:t>
+            </a:r>
+            <a:endParaRPr lang="ko-KR" altLang="en-US" dirty="0">
+              <a:solidFill>
+                <a:schemeClr val="bg1"/>
+              </a:solidFill>
+            </a:endParaRPr>
+          </a:p>
+        </p:txBody>
+      </p:sp>
+      <p:sp>
+        <p:nvSpPr>
+          <p:cNvPr id="7" name="TextBox 6">
+            <a:extLst>
+              <a:ext uri="{FF2B5EF4-FFF2-40B4-BE49-F238E27FC236}">
+                <a16:creationId xmlns:a16="http://schemas.microsoft.com/office/drawing/2014/main" id="{19D81B70-9D01-4DBA-A7B6-DF26409D2232}"/>
+              </a:ext>
+            </a:extLst>
+          </p:cNvPr>
+          <p:cNvSpPr txBox="1"/>
+          <p:nvPr/>
+        </p:nvSpPr>
+        <p:spPr>
+          <a:xfrm>
             <a:off x="511174" y="1434241"/>
-            <a:ext cx="5813425" cy="923330"/>
+            <a:ext cx="8415949" cy="954107"/>
           </a:xfrm>
           <a:prstGeom prst="rect">
             <a:avLst/>
@@ -3328,19 +3491,11 @@
               <a:buAutoNum type="arabicPeriod"/>
             </a:pPr>
             <a:r>
-              <a:rPr lang="ko-KR" altLang="en-US" dirty="0"/>
-              <a:t>서버에 </a:t>
-            </a:r>
-            <a:r>
-              <a:rPr lang="en-US" altLang="ko-KR" dirty="0"/>
-              <a:t>Image</a:t>
-            </a:r>
-            <a:r>
-              <a:rPr lang="ko-KR" altLang="en-US" dirty="0"/>
-              <a:t>들이 있습니다</a:t>
-            </a:r>
-            <a:r>
-              <a:rPr lang="en-US" altLang="ko-KR" dirty="0"/>
+              <a:rPr lang="ko-KR" altLang="en-US" sz="1400" dirty="0"/>
+              <a:t>나는 졸라 바쁘다</a:t>
+            </a:r>
+            <a:r>
+              <a:rPr lang="en-US" altLang="ko-KR" sz="1400" dirty="0"/>
               <a:t>.</a:t>
             </a:r>
           </a:p>
@@ -3349,26 +3504,456 @@
               <a:buAutoNum type="arabicPeriod"/>
             </a:pPr>
             <a:r>
-              <a:rPr lang="ko-KR" altLang="en-US" dirty="0"/>
-              <a:t>해당 </a:t>
-            </a:r>
-            <a:r>
-              <a:rPr lang="en-US" altLang="ko-KR" dirty="0"/>
-              <a:t>Image</a:t>
-            </a:r>
-            <a:r>
-              <a:rPr lang="ko-KR" altLang="en-US" dirty="0"/>
-              <a:t>들은 여러 정보들이 있습니다</a:t>
-            </a:r>
-            <a:r>
-              <a:rPr lang="en-US" altLang="ko-KR" dirty="0"/>
+              <a:rPr lang="ko-KR" altLang="en-US" sz="1400" dirty="0"/>
+              <a:t>갑자기 부장님이 신규 </a:t>
+            </a:r>
+            <a:r>
+              <a:rPr lang="en-US" altLang="ko-KR" sz="1400" dirty="0"/>
+              <a:t>Tester</a:t>
+            </a:r>
+            <a:r>
+              <a:rPr lang="ko-KR" altLang="en-US" sz="1400" dirty="0"/>
+              <a:t>를 개발하라고 하신다</a:t>
+            </a:r>
+            <a:r>
+              <a:rPr lang="en-US" altLang="ko-KR" sz="1400" dirty="0"/>
+              <a:t>. </a:t>
+            </a:r>
+            <a:r>
+              <a:rPr lang="ko-KR" altLang="en-US" sz="1400" dirty="0"/>
+              <a:t>납기는 </a:t>
+            </a:r>
+            <a:r>
+              <a:rPr lang="en-US" altLang="ko-KR" sz="1400" dirty="0"/>
+              <a:t>10</a:t>
+            </a:r>
+            <a:r>
+              <a:rPr lang="ko-KR" altLang="en-US" sz="1400" dirty="0"/>
+              <a:t>일</a:t>
+            </a:r>
+            <a:r>
+              <a:rPr lang="en-US" altLang="ko-KR" sz="1400" dirty="0"/>
+              <a:t>…</a:t>
+            </a:r>
+            <a:r>
+              <a:rPr lang="ko-KR" altLang="en-US" sz="1400" dirty="0"/>
+              <a:t> 한숨이 몰려온다</a:t>
+            </a:r>
+            <a:r>
+              <a:rPr lang="en-US" altLang="ko-KR" sz="1400" dirty="0"/>
+              <a:t>. </a:t>
+            </a:r>
+            <a:r>
+              <a:rPr lang="ko-KR" altLang="en-US" sz="500" dirty="0"/>
+              <a:t>집에 가고 싶다</a:t>
+            </a:r>
+            <a:r>
+              <a:rPr lang="en-US" altLang="ko-KR" sz="500" dirty="0"/>
               <a:t>.</a:t>
             </a:r>
+            <a:endParaRPr lang="en-US" altLang="ko-KR" sz="1400" dirty="0"/>
           </a:p>
           <a:p>
             <a:pPr marL="342900" indent="-342900">
               <a:buAutoNum type="arabicPeriod"/>
             </a:pPr>
+            <a:r>
+              <a:rPr lang="ko-KR" altLang="en-US" sz="1400" dirty="0"/>
+              <a:t>짱구를 굴려본다</a:t>
+            </a:r>
+            <a:r>
+              <a:rPr lang="en-US" altLang="ko-KR" sz="1400" dirty="0"/>
+              <a:t>. Tester</a:t>
+            </a:r>
+            <a:r>
+              <a:rPr lang="ko-KR" altLang="en-US" sz="1400" dirty="0"/>
+              <a:t>는 동작하는게 비슷하다</a:t>
+            </a:r>
+            <a:r>
+              <a:rPr lang="en-US" altLang="ko-KR" sz="1400" dirty="0"/>
+              <a:t>. </a:t>
+            </a:r>
+            <a:r>
+              <a:rPr lang="en-US" altLang="ko-KR" sz="1400" dirty="0">
+                <a:solidFill>
+                  <a:srgbClr val="FF0000"/>
+                </a:solidFill>
+              </a:rPr>
+              <a:t>Flex</a:t>
+            </a:r>
+            <a:r>
+              <a:rPr lang="ko-KR" altLang="en-US" sz="1400" dirty="0">
+                <a:solidFill>
+                  <a:srgbClr val="FF0000"/>
+                </a:solidFill>
+              </a:rPr>
+              <a:t>와 함수 명만 다르지 </a:t>
+            </a:r>
+            <a:r>
+              <a:rPr lang="ko-KR" altLang="en-US" sz="1400" dirty="0">
+                <a:solidFill>
+                  <a:srgbClr val="00B0F0"/>
+                </a:solidFill>
+              </a:rPr>
+              <a:t>기능</a:t>
+            </a:r>
+            <a:r>
+              <a:rPr lang="ko-KR" altLang="en-US" sz="1400" dirty="0">
+                <a:solidFill>
+                  <a:srgbClr val="FF0000"/>
+                </a:solidFill>
+              </a:rPr>
+              <a:t>이동일한 것 같다</a:t>
+            </a:r>
+            <a:r>
+              <a:rPr lang="en-US" altLang="ko-KR" sz="1400" dirty="0">
+                <a:solidFill>
+                  <a:srgbClr val="FF0000"/>
+                </a:solidFill>
+              </a:rPr>
+              <a:t>.</a:t>
+            </a:r>
+          </a:p>
+          <a:p>
+            <a:pPr marL="342900" indent="-342900">
+              <a:buAutoNum type="arabicPeriod"/>
+            </a:pPr>
+            <a:r>
+              <a:rPr lang="ko-KR" altLang="en-US" sz="1400" dirty="0"/>
+              <a:t>그럼 </a:t>
+            </a:r>
+            <a:r>
+              <a:rPr lang="en-US" altLang="ko-KR" sz="1400" b="1" dirty="0">
+                <a:solidFill>
+                  <a:srgbClr val="FF0000"/>
+                </a:solidFill>
+              </a:rPr>
+              <a:t>Wrapping</a:t>
+            </a:r>
+            <a:r>
+              <a:rPr lang="ko-KR" altLang="en-US" sz="1400" dirty="0"/>
+              <a:t>해서 현재 코드를 재사용할까</a:t>
+            </a:r>
+            <a:r>
+              <a:rPr lang="en-US" altLang="ko-KR" sz="1400" dirty="0"/>
+              <a:t>?</a:t>
+            </a:r>
+            <a:endParaRPr lang="ko-KR" altLang="en-US" sz="1400" dirty="0"/>
+          </a:p>
+        </p:txBody>
+      </p:sp>
+      <p:sp>
+        <p:nvSpPr>
+          <p:cNvPr id="3" name="직사각형 2">
+            <a:extLst>
+              <a:ext uri="{FF2B5EF4-FFF2-40B4-BE49-F238E27FC236}">
+                <a16:creationId xmlns:a16="http://schemas.microsoft.com/office/drawing/2014/main" id="{272EFAFB-23DB-41A6-89F5-B159DB54389B}"/>
+              </a:ext>
+            </a:extLst>
+          </p:cNvPr>
+          <p:cNvSpPr/>
+          <p:nvPr/>
+        </p:nvSpPr>
+        <p:spPr>
+          <a:xfrm>
+            <a:off x="333374" y="3681045"/>
+            <a:ext cx="2772507" cy="1025770"/>
+          </a:xfrm>
+          <a:prstGeom prst="rect">
+            <a:avLst/>
+          </a:prstGeom>
+          <a:noFill/>
+        </p:spPr>
+        <p:style>
+          <a:lnRef idx="2">
+            <a:schemeClr val="accent1">
+              <a:shade val="50000"/>
+            </a:schemeClr>
+          </a:lnRef>
+          <a:fillRef idx="1">
+            <a:schemeClr val="accent1"/>
+          </a:fillRef>
+          <a:effectRef idx="0">
+            <a:schemeClr val="accent1"/>
+          </a:effectRef>
+          <a:fontRef idx="minor">
+            <a:schemeClr val="lt1"/>
+          </a:fontRef>
+        </p:style>
+        <p:txBody>
+          <a:bodyPr rtlCol="0" anchor="ctr"/>
+          <a:lstStyle/>
+          <a:p>
+            <a:pPr marL="342900" indent="-342900">
+              <a:buAutoNum type="arabicPeriod"/>
+            </a:pPr>
+            <a:r>
+              <a:rPr lang="en-US" altLang="ko-KR" sz="1200" dirty="0" err="1">
+                <a:solidFill>
+                  <a:schemeClr val="tx1"/>
+                </a:solidFill>
+              </a:rPr>
+              <a:t>F_Test_Start</a:t>
+            </a:r>
+            <a:r>
+              <a:rPr lang="en-US" altLang="ko-KR" sz="1200" dirty="0">
+                <a:solidFill>
+                  <a:schemeClr val="tx1"/>
+                </a:solidFill>
+              </a:rPr>
+              <a:t>();</a:t>
+            </a:r>
+          </a:p>
+          <a:p>
+            <a:pPr marL="342900" indent="-342900">
+              <a:buAutoNum type="arabicPeriod"/>
+            </a:pPr>
+            <a:r>
+              <a:rPr lang="en-US" altLang="ko-KR" sz="1200" dirty="0" err="1">
+                <a:solidFill>
+                  <a:schemeClr val="tx1"/>
+                </a:solidFill>
+              </a:rPr>
+              <a:t>F_Test_Finish</a:t>
+            </a:r>
+            <a:r>
+              <a:rPr lang="en-US" altLang="ko-KR" sz="1200" dirty="0">
+                <a:solidFill>
+                  <a:schemeClr val="tx1"/>
+                </a:solidFill>
+              </a:rPr>
+              <a:t>(out List&lt;Result&gt; R);</a:t>
+            </a:r>
+          </a:p>
+          <a:p>
+            <a:pPr marL="342900" indent="-342900">
+              <a:buAutoNum type="arabicPeriod"/>
+            </a:pPr>
+            <a:r>
+              <a:rPr lang="en-US" altLang="ko-KR" sz="1200" dirty="0" err="1">
+                <a:solidFill>
+                  <a:schemeClr val="tx1"/>
+                </a:solidFill>
+              </a:rPr>
+              <a:t>F_Test_PgmLoading</a:t>
+            </a:r>
+            <a:endParaRPr lang="en-US" altLang="ko-KR" sz="1200" dirty="0">
+              <a:solidFill>
+                <a:schemeClr val="tx1"/>
+              </a:solidFill>
+            </a:endParaRPr>
+          </a:p>
+          <a:p>
+            <a:pPr marL="342900" indent="-342900">
+              <a:buAutoNum type="arabicPeriod"/>
+            </a:pPr>
+            <a:r>
+              <a:rPr lang="en-US" altLang="ko-KR" sz="1200" dirty="0" err="1">
+                <a:solidFill>
+                  <a:srgbClr val="FF0000"/>
+                </a:solidFill>
+              </a:rPr>
+              <a:t>F_Test_PgmCalibration</a:t>
+            </a:r>
+            <a:endParaRPr lang="en-US" altLang="ko-KR" sz="1200" dirty="0">
+              <a:solidFill>
+                <a:srgbClr val="FF0000"/>
+              </a:solidFill>
+            </a:endParaRPr>
+          </a:p>
+          <a:p>
+            <a:pPr marL="342900" indent="-342900">
+              <a:buAutoNum type="arabicPeriod"/>
+            </a:pPr>
+            <a:endParaRPr lang="ko-KR" altLang="en-US" sz="1200" dirty="0">
+              <a:solidFill>
+                <a:schemeClr val="tx1"/>
+              </a:solidFill>
+            </a:endParaRPr>
+          </a:p>
+        </p:txBody>
+      </p:sp>
+      <p:sp>
+        <p:nvSpPr>
+          <p:cNvPr id="8" name="직사각형 7">
+            <a:extLst>
+              <a:ext uri="{FF2B5EF4-FFF2-40B4-BE49-F238E27FC236}">
+                <a16:creationId xmlns:a16="http://schemas.microsoft.com/office/drawing/2014/main" id="{C85B7D2D-480A-4CF9-889C-DAF3963BDEEE}"/>
+              </a:ext>
+            </a:extLst>
+          </p:cNvPr>
+          <p:cNvSpPr/>
+          <p:nvPr/>
+        </p:nvSpPr>
+        <p:spPr>
+          <a:xfrm>
+            <a:off x="3332894" y="3681045"/>
+            <a:ext cx="2772507" cy="1031634"/>
+          </a:xfrm>
+          <a:prstGeom prst="rect">
+            <a:avLst/>
+          </a:prstGeom>
+          <a:noFill/>
+        </p:spPr>
+        <p:style>
+          <a:lnRef idx="2">
+            <a:schemeClr val="accent1">
+              <a:shade val="50000"/>
+            </a:schemeClr>
+          </a:lnRef>
+          <a:fillRef idx="1">
+            <a:schemeClr val="accent1"/>
+          </a:fillRef>
+          <a:effectRef idx="0">
+            <a:schemeClr val="accent1"/>
+          </a:effectRef>
+          <a:fontRef idx="minor">
+            <a:schemeClr val="lt1"/>
+          </a:fontRef>
+        </p:style>
+        <p:txBody>
+          <a:bodyPr rtlCol="0" anchor="ctr"/>
+          <a:lstStyle/>
+          <a:p>
+            <a:pPr marL="342900" indent="-342900">
+              <a:buAutoNum type="arabicPeriod"/>
+            </a:pPr>
+            <a:r>
+              <a:rPr lang="en-US" altLang="ko-KR" sz="1200" dirty="0" err="1">
+                <a:solidFill>
+                  <a:schemeClr val="tx1"/>
+                </a:solidFill>
+              </a:rPr>
+              <a:t>A_Test_Start</a:t>
+            </a:r>
+            <a:r>
+              <a:rPr lang="en-US" altLang="ko-KR" sz="1200" dirty="0">
+                <a:solidFill>
+                  <a:schemeClr val="tx1"/>
+                </a:solidFill>
+              </a:rPr>
+              <a:t>();</a:t>
+            </a:r>
+          </a:p>
+          <a:p>
+            <a:pPr marL="342900" indent="-342900">
+              <a:buAutoNum type="arabicPeriod"/>
+            </a:pPr>
+            <a:r>
+              <a:rPr lang="en-US" altLang="ko-KR" sz="1200" dirty="0" err="1">
+                <a:solidFill>
+                  <a:schemeClr val="tx1"/>
+                </a:solidFill>
+              </a:rPr>
+              <a:t>A_Test_Finish</a:t>
+            </a:r>
+            <a:r>
+              <a:rPr lang="en-US" altLang="ko-KR" sz="1200" dirty="0">
+                <a:solidFill>
+                  <a:schemeClr val="tx1"/>
+                </a:solidFill>
+              </a:rPr>
+              <a:t>(out List&lt;Result&gt; R);</a:t>
+            </a:r>
+          </a:p>
+          <a:p>
+            <a:pPr marL="342900" indent="-342900">
+              <a:buAutoNum type="arabicPeriod"/>
+            </a:pPr>
+            <a:r>
+              <a:rPr lang="en-US" altLang="ko-KR" sz="1200" dirty="0" err="1">
+                <a:solidFill>
+                  <a:schemeClr val="tx1"/>
+                </a:solidFill>
+              </a:rPr>
+              <a:t>A_Test_PgmLoading</a:t>
+            </a:r>
+            <a:endParaRPr lang="en-US" altLang="ko-KR" sz="1200" dirty="0">
+              <a:solidFill>
+                <a:schemeClr val="tx1"/>
+              </a:solidFill>
+            </a:endParaRPr>
+          </a:p>
+          <a:p>
+            <a:pPr marL="342900" indent="-342900">
+              <a:buAutoNum type="arabicPeriod"/>
+            </a:pPr>
+            <a:endParaRPr lang="ko-KR" altLang="en-US" sz="1200" dirty="0">
+              <a:solidFill>
+                <a:schemeClr val="tx1"/>
+              </a:solidFill>
+            </a:endParaRPr>
+          </a:p>
+        </p:txBody>
+      </p:sp>
+      <p:sp>
+        <p:nvSpPr>
+          <p:cNvPr id="9" name="TextBox 8">
+            <a:extLst>
+              <a:ext uri="{FF2B5EF4-FFF2-40B4-BE49-F238E27FC236}">
+                <a16:creationId xmlns:a16="http://schemas.microsoft.com/office/drawing/2014/main" id="{0E37FA5D-FFED-4F31-A649-7BFD256C3A7B}"/>
+              </a:ext>
+            </a:extLst>
+          </p:cNvPr>
+          <p:cNvSpPr txBox="1"/>
+          <p:nvPr/>
+        </p:nvSpPr>
+        <p:spPr>
+          <a:xfrm>
+            <a:off x="333374" y="3282462"/>
+            <a:ext cx="2362934" cy="369332"/>
+          </a:xfrm>
+          <a:prstGeom prst="rect">
+            <a:avLst/>
+          </a:prstGeom>
+          <a:noFill/>
+        </p:spPr>
+        <p:txBody>
+          <a:bodyPr wrap="square" rtlCol="0">
+            <a:spAutoFit/>
+          </a:bodyPr>
+          <a:lstStyle/>
+          <a:p>
+            <a:r>
+              <a:rPr lang="en-US" altLang="ko-KR" dirty="0"/>
+              <a:t>Flex</a:t>
+            </a:r>
+            <a:endParaRPr lang="ko-KR" altLang="en-US" dirty="0"/>
+          </a:p>
+        </p:txBody>
+      </p:sp>
+      <p:sp>
+        <p:nvSpPr>
+          <p:cNvPr id="10" name="TextBox 9">
+            <a:extLst>
+              <a:ext uri="{FF2B5EF4-FFF2-40B4-BE49-F238E27FC236}">
+                <a16:creationId xmlns:a16="http://schemas.microsoft.com/office/drawing/2014/main" id="{93CEDCA9-3FBF-41B0-9189-43DA2F7556AC}"/>
+              </a:ext>
+            </a:extLst>
+          </p:cNvPr>
+          <p:cNvSpPr txBox="1"/>
+          <p:nvPr/>
+        </p:nvSpPr>
+        <p:spPr>
+          <a:xfrm>
+            <a:off x="3332894" y="3282462"/>
+            <a:ext cx="2362934" cy="369332"/>
+          </a:xfrm>
+          <a:prstGeom prst="rect">
+            <a:avLst/>
+          </a:prstGeom>
+          <a:noFill/>
+        </p:spPr>
+        <p:txBody>
+          <a:bodyPr wrap="square" rtlCol="0">
+            <a:spAutoFit/>
+          </a:bodyPr>
+          <a:lstStyle/>
+          <a:p>
+            <a:r>
+              <a:rPr lang="en-US" altLang="ko-KR" dirty="0"/>
+              <a:t>New Tester</a:t>
+            </a:r>
             <a:endParaRPr lang="ko-KR" altLang="en-US" dirty="0"/>
           </a:p>
         </p:txBody>
@@ -3376,7 +3961,7 @@
     </p:spTree>
     <p:extLst>
       <p:ext uri="{BB962C8B-B14F-4D97-AF65-F5344CB8AC3E}">
-        <p14:creationId xmlns:p14="http://schemas.microsoft.com/office/powerpoint/2010/main" val="2073730370"/>
+        <p14:creationId xmlns:p14="http://schemas.microsoft.com/office/powerpoint/2010/main" val="1000453173"/>
       </p:ext>
     </p:extLst>
   </p:cSld>
@@ -3408,7 +3993,7 @@
           <p:cNvPr id="2" name="제목 1">
             <a:extLst>
               <a:ext uri="{FF2B5EF4-FFF2-40B4-BE49-F238E27FC236}">
-                <a16:creationId xmlns:a16="http://schemas.microsoft.com/office/drawing/2014/main" id="{07C3C44B-BB16-4443-A22C-7438C0CF02AA}"/>
+                <a16:creationId xmlns:a16="http://schemas.microsoft.com/office/drawing/2014/main" id="{F45FE15B-EEC1-4C69-A456-C156B1906949}"/>
               </a:ext>
             </a:extLst>
           </p:cNvPr>
@@ -3421,8 +4006,8 @@
         </p:nvSpPr>
         <p:spPr>
           <a:xfrm>
-            <a:off x="628650" y="172622"/>
-            <a:ext cx="7886700" cy="637506"/>
+            <a:off x="333374" y="72050"/>
+            <a:ext cx="7886700" cy="565316"/>
           </a:xfrm>
         </p:spPr>
         <p:txBody>
@@ -3433,7 +4018,7 @@
           <a:p>
             <a:r>
               <a:rPr lang="en-US" altLang="ko-KR" dirty="0"/>
-              <a:t>Memento</a:t>
+              <a:t>Adapter 2</a:t>
             </a:r>
             <a:endParaRPr lang="ko-KR" altLang="en-US" dirty="0"/>
           </a:p>
@@ -3441,10 +4026,216 @@
       </p:sp>
       <p:sp>
         <p:nvSpPr>
-          <p:cNvPr id="4" name="직사각형 3">
+          <p:cNvPr id="4" name="TextBox 3">
             <a:extLst>
               <a:ext uri="{FF2B5EF4-FFF2-40B4-BE49-F238E27FC236}">
-                <a16:creationId xmlns:a16="http://schemas.microsoft.com/office/drawing/2014/main" id="{3AE0D61E-38F4-48D6-A463-1E44B072C66B}"/>
+                <a16:creationId xmlns:a16="http://schemas.microsoft.com/office/drawing/2014/main" id="{1CB85916-40A8-481A-9593-1EA519012F9C}"/>
+              </a:ext>
+            </a:extLst>
+          </p:cNvPr>
+          <p:cNvSpPr txBox="1"/>
+          <p:nvPr/>
+        </p:nvSpPr>
+        <p:spPr>
+          <a:xfrm>
+            <a:off x="333374" y="889115"/>
+            <a:ext cx="8552717" cy="369332"/>
+          </a:xfrm>
+          <a:prstGeom prst="rect">
+            <a:avLst/>
+          </a:prstGeom>
+          <a:solidFill>
+            <a:srgbClr val="00B0F0"/>
+          </a:solidFill>
+        </p:spPr>
+        <p:txBody>
+          <a:bodyPr wrap="square" rtlCol="0">
+            <a:spAutoFit/>
+          </a:bodyPr>
+          <a:lstStyle/>
+          <a:p>
+            <a:r>
+              <a:rPr lang="en-US" altLang="ko-KR" dirty="0">
+                <a:solidFill>
+                  <a:schemeClr val="bg1"/>
+                </a:solidFill>
+              </a:rPr>
+              <a:t>Code	</a:t>
+            </a:r>
+            <a:endParaRPr lang="ko-KR" altLang="en-US" dirty="0">
+              <a:solidFill>
+                <a:schemeClr val="bg1"/>
+              </a:solidFill>
+            </a:endParaRPr>
+          </a:p>
+        </p:txBody>
+      </p:sp>
+      <p:pic>
+        <p:nvPicPr>
+          <p:cNvPr id="5" name="그림 4">
+            <a:extLst>
+              <a:ext uri="{FF2B5EF4-FFF2-40B4-BE49-F238E27FC236}">
+                <a16:creationId xmlns:a16="http://schemas.microsoft.com/office/drawing/2014/main" id="{B1B242AD-B34D-43B3-AA33-2FA7DB2E6BB7}"/>
+              </a:ext>
+            </a:extLst>
+          </p:cNvPr>
+          <p:cNvPicPr>
+            <a:picLocks noChangeAspect="1"/>
+          </p:cNvPicPr>
+          <p:nvPr/>
+        </p:nvPicPr>
+        <p:blipFill>
+          <a:blip r:embed="rId2"/>
+          <a:stretch>
+            <a:fillRect/>
+          </a:stretch>
+        </p:blipFill>
+        <p:spPr>
+          <a:xfrm>
+            <a:off x="333374" y="2212731"/>
+            <a:ext cx="2235812" cy="798033"/>
+          </a:xfrm>
+          <a:prstGeom prst="rect">
+            <a:avLst/>
+          </a:prstGeom>
+          <a:ln>
+            <a:noFill/>
+          </a:ln>
+          <a:effectLst>
+            <a:outerShdw blurRad="190500" algn="tl" rotWithShape="0">
+              <a:srgbClr val="000000">
+                <a:alpha val="70000"/>
+              </a:srgbClr>
+            </a:outerShdw>
+          </a:effectLst>
+        </p:spPr>
+      </p:pic>
+      <p:pic>
+        <p:nvPicPr>
+          <p:cNvPr id="11" name="그림 10">
+            <a:extLst>
+              <a:ext uri="{FF2B5EF4-FFF2-40B4-BE49-F238E27FC236}">
+                <a16:creationId xmlns:a16="http://schemas.microsoft.com/office/drawing/2014/main" id="{BC80FA45-16B0-4AFC-8EA1-E664473A146E}"/>
+              </a:ext>
+            </a:extLst>
+          </p:cNvPr>
+          <p:cNvPicPr>
+            <a:picLocks noChangeAspect="1"/>
+          </p:cNvPicPr>
+          <p:nvPr/>
+        </p:nvPicPr>
+        <p:blipFill>
+          <a:blip r:embed="rId3"/>
+          <a:stretch>
+            <a:fillRect/>
+          </a:stretch>
+        </p:blipFill>
+        <p:spPr>
+          <a:xfrm>
+            <a:off x="6454286" y="1749530"/>
+            <a:ext cx="2431805" cy="926402"/>
+          </a:xfrm>
+          <a:prstGeom prst="rect">
+            <a:avLst/>
+          </a:prstGeom>
+          <a:ln>
+            <a:noFill/>
+          </a:ln>
+          <a:effectLst>
+            <a:outerShdw blurRad="190500" algn="tl" rotWithShape="0">
+              <a:srgbClr val="000000">
+                <a:alpha val="70000"/>
+              </a:srgbClr>
+            </a:outerShdw>
+          </a:effectLst>
+        </p:spPr>
+      </p:pic>
+      <p:pic>
+        <p:nvPicPr>
+          <p:cNvPr id="12" name="그림 11">
+            <a:extLst>
+              <a:ext uri="{FF2B5EF4-FFF2-40B4-BE49-F238E27FC236}">
+                <a16:creationId xmlns:a16="http://schemas.microsoft.com/office/drawing/2014/main" id="{56145FD3-0B0E-48A6-BCCC-CBBB1828D3BD}"/>
+              </a:ext>
+            </a:extLst>
+          </p:cNvPr>
+          <p:cNvPicPr>
+            <a:picLocks noChangeAspect="1"/>
+          </p:cNvPicPr>
+          <p:nvPr/>
+        </p:nvPicPr>
+        <p:blipFill>
+          <a:blip r:embed="rId4"/>
+          <a:stretch>
+            <a:fillRect/>
+          </a:stretch>
+        </p:blipFill>
+        <p:spPr>
+          <a:xfrm>
+            <a:off x="3382845" y="2173162"/>
+            <a:ext cx="2647411" cy="2270246"/>
+          </a:xfrm>
+          <a:prstGeom prst="rect">
+            <a:avLst/>
+          </a:prstGeom>
+          <a:ln>
+            <a:noFill/>
+          </a:ln>
+          <a:effectLst>
+            <a:outerShdw blurRad="190500" algn="tl" rotWithShape="0">
+              <a:srgbClr val="000000">
+                <a:alpha val="70000"/>
+              </a:srgbClr>
+            </a:outerShdw>
+          </a:effectLst>
+        </p:spPr>
+      </p:pic>
+      <p:pic>
+        <p:nvPicPr>
+          <p:cNvPr id="13" name="그림 12">
+            <a:extLst>
+              <a:ext uri="{FF2B5EF4-FFF2-40B4-BE49-F238E27FC236}">
+                <a16:creationId xmlns:a16="http://schemas.microsoft.com/office/drawing/2014/main" id="{B9547990-BCDE-4F7C-A71E-82981FC13CE1}"/>
+              </a:ext>
+            </a:extLst>
+          </p:cNvPr>
+          <p:cNvPicPr>
+            <a:picLocks noChangeAspect="1"/>
+          </p:cNvPicPr>
+          <p:nvPr/>
+        </p:nvPicPr>
+        <p:blipFill>
+          <a:blip r:embed="rId5"/>
+          <a:stretch>
+            <a:fillRect/>
+          </a:stretch>
+        </p:blipFill>
+        <p:spPr>
+          <a:xfrm>
+            <a:off x="6424978" y="3540370"/>
+            <a:ext cx="2607994" cy="2878564"/>
+          </a:xfrm>
+          <a:prstGeom prst="rect">
+            <a:avLst/>
+          </a:prstGeom>
+          <a:ln>
+            <a:noFill/>
+          </a:ln>
+          <a:effectLst>
+            <a:outerShdw blurRad="190500" algn="tl" rotWithShape="0">
+              <a:srgbClr val="000000">
+                <a:alpha val="70000"/>
+              </a:srgbClr>
+            </a:outerShdw>
+          </a:effectLst>
+        </p:spPr>
+      </p:pic>
+      <p:sp>
+        <p:nvSpPr>
+          <p:cNvPr id="14" name="직사각형 13">
+            <a:extLst>
+              <a:ext uri="{FF2B5EF4-FFF2-40B4-BE49-F238E27FC236}">
+                <a16:creationId xmlns:a16="http://schemas.microsoft.com/office/drawing/2014/main" id="{DACF7974-9A83-4B3B-85BC-1F65771BECFB}"/>
               </a:ext>
             </a:extLst>
           </p:cNvPr>
@@ -3453,82 +4244,79 @@
         </p:nvSpPr>
         <p:spPr>
           <a:xfrm>
-            <a:off x="1371601" y="1084746"/>
-            <a:ext cx="4572000" cy="1169551"/>
+            <a:off x="4771293" y="2127739"/>
+            <a:ext cx="381000" cy="169985"/>
           </a:xfrm>
           <a:prstGeom prst="rect">
             <a:avLst/>
           </a:prstGeom>
-        </p:spPr>
-        <p:txBody>
-          <a:bodyPr>
+          <a:noFill/>
+          <a:ln>
+            <a:solidFill>
+              <a:srgbClr val="FF0000"/>
+            </a:solidFill>
+          </a:ln>
+        </p:spPr>
+        <p:style>
+          <a:lnRef idx="2">
+            <a:schemeClr val="accent1">
+              <a:shade val="50000"/>
+            </a:schemeClr>
+          </a:lnRef>
+          <a:fillRef idx="1">
+            <a:schemeClr val="accent1"/>
+          </a:fillRef>
+          <a:effectRef idx="0">
+            <a:schemeClr val="accent1"/>
+          </a:effectRef>
+          <a:fontRef idx="minor">
+            <a:schemeClr val="lt1"/>
+          </a:fontRef>
+        </p:style>
+        <p:txBody>
+          <a:bodyPr rtlCol="0" anchor="ctr"/>
+          <a:lstStyle/>
+          <a:p>
+            <a:pPr algn="ctr"/>
+            <a:endParaRPr lang="ko-KR" altLang="en-US"/>
+          </a:p>
+        </p:txBody>
+      </p:sp>
+      <p:sp>
+        <p:nvSpPr>
+          <p:cNvPr id="15" name="TextBox 14">
+            <a:extLst>
+              <a:ext uri="{FF2B5EF4-FFF2-40B4-BE49-F238E27FC236}">
+                <a16:creationId xmlns:a16="http://schemas.microsoft.com/office/drawing/2014/main" id="{FF547690-F225-4A82-AC78-118D91433763}"/>
+              </a:ext>
+            </a:extLst>
+          </p:cNvPr>
+          <p:cNvSpPr txBox="1"/>
+          <p:nvPr/>
+        </p:nvSpPr>
+        <p:spPr>
+          <a:xfrm>
+            <a:off x="5963382" y="1387085"/>
+            <a:ext cx="3065926" cy="246221"/>
+          </a:xfrm>
+          <a:prstGeom prst="rect">
+            <a:avLst/>
+          </a:prstGeom>
+          <a:noFill/>
+        </p:spPr>
+        <p:txBody>
+          <a:bodyPr wrap="square" rtlCol="0">
             <a:spAutoFit/>
           </a:bodyPr>
           <a:lstStyle/>
           <a:p>
             <a:r>
               <a:rPr lang="ko-KR" altLang="en-US" sz="1000" dirty="0"/>
-              <a:t>게임회사에 다니는 당신에게 새로 맡겨진 일은 바둑 프로그램 개발 작업이다</a:t>
+              <a:t>밖에서 접근할 수 있도록 창구의 이름을 통일 시킨다</a:t>
             </a:r>
             <a:r>
               <a:rPr lang="en-US" altLang="ko-KR" sz="1000" dirty="0"/>
-              <a:t>. </a:t>
-            </a:r>
-            <a:r>
-              <a:rPr lang="ko-KR" altLang="en-US" sz="1000" dirty="0"/>
-              <a:t>게임 인공지능 부분은 다른 팀에서 맡기로 하였고</a:t>
-            </a:r>
-            <a:r>
-              <a:rPr lang="en-US" altLang="ko-KR" sz="1000" dirty="0"/>
-              <a:t>, </a:t>
-            </a:r>
-            <a:r>
-              <a:rPr lang="ko-KR" altLang="en-US" sz="1000" dirty="0"/>
-              <a:t>당신은 사용자 인터페이스와 바둑 무르기</a:t>
-            </a:r>
-            <a:r>
-              <a:rPr lang="en-US" altLang="ko-KR" sz="1000" dirty="0"/>
-              <a:t>, </a:t>
-            </a:r>
-            <a:r>
-              <a:rPr lang="ko-KR" altLang="en-US" sz="1000" dirty="0"/>
-              <a:t>복기하기 등과 같은 기능을 개발하여야 한다</a:t>
-            </a:r>
-            <a:r>
-              <a:rPr lang="en-US" altLang="ko-KR" sz="1000" dirty="0"/>
-              <a:t>. </a:t>
-            </a:r>
-            <a:r>
-              <a:rPr lang="ko-KR" altLang="en-US" sz="1000" dirty="0"/>
-              <a:t>바둑 무르기 기능의 경우</a:t>
-            </a:r>
-            <a:r>
-              <a:rPr lang="en-US" altLang="ko-KR" sz="1000" dirty="0"/>
-              <a:t>, </a:t>
-            </a:r>
-            <a:r>
-              <a:rPr lang="ko-KR" altLang="en-US" sz="1000" dirty="0"/>
-              <a:t>사용자가 두기 이전 상태로 되돌려야 하며 복기 기능은 게임의 처음부터 진행된 때 까지 바둑판 상태를 차례대로 표현할 수 있어야 한다</a:t>
-            </a:r>
-            <a:r>
-              <a:rPr lang="en-US" altLang="ko-KR" sz="1000" dirty="0"/>
-              <a:t>. </a:t>
-            </a:r>
-            <a:r>
-              <a:rPr lang="ko-KR" altLang="en-US" sz="1000" dirty="0"/>
-              <a:t>이렇게 객체의 상태를 </a:t>
-            </a:r>
-            <a:r>
-              <a:rPr lang="ko-KR" altLang="en-US" sz="1000" dirty="0" err="1"/>
-              <a:t>저장해두었다가</a:t>
-            </a:r>
-            <a:r>
-              <a:rPr lang="ko-KR" altLang="en-US" sz="1000" dirty="0"/>
-              <a:t> 복원해야 될 경우 당신은 어떻게 객체지향설계를 할 것인가</a:t>
-            </a:r>
-            <a:r>
-              <a:rPr lang="en-US" altLang="ko-KR" sz="1000" dirty="0"/>
-              <a:t>?</a:t>
+              <a:t>.</a:t>
             </a:r>
             <a:endParaRPr lang="ko-KR" altLang="en-US" sz="1000" dirty="0"/>
           </a:p>
@@ -3536,10 +4324,615 @@
       </p:sp>
       <p:sp>
         <p:nvSpPr>
-          <p:cNvPr id="5" name="직사각형 4">
+          <p:cNvPr id="16" name="TextBox 15">
             <a:extLst>
               <a:ext uri="{FF2B5EF4-FFF2-40B4-BE49-F238E27FC236}">
-                <a16:creationId xmlns:a16="http://schemas.microsoft.com/office/drawing/2014/main" id="{0ADA9147-8E04-43BC-9D02-8034A6A1B845}"/>
+                <a16:creationId xmlns:a16="http://schemas.microsoft.com/office/drawing/2014/main" id="{ED2987B4-2EB2-4BDA-BD54-0DC54B3D5A8B}"/>
+              </a:ext>
+            </a:extLst>
+          </p:cNvPr>
+          <p:cNvSpPr txBox="1"/>
+          <p:nvPr/>
+        </p:nvSpPr>
+        <p:spPr>
+          <a:xfrm>
+            <a:off x="6969028" y="3249651"/>
+            <a:ext cx="1606403" cy="246221"/>
+          </a:xfrm>
+          <a:prstGeom prst="rect">
+            <a:avLst/>
+          </a:prstGeom>
+          <a:noFill/>
+        </p:spPr>
+        <p:txBody>
+          <a:bodyPr wrap="square" rtlCol="0">
+            <a:spAutoFit/>
+          </a:bodyPr>
+          <a:lstStyle/>
+          <a:p>
+            <a:r>
+              <a:rPr lang="ko-KR" altLang="en-US" sz="1000" dirty="0"/>
+              <a:t>실제 일은 여기서 한다</a:t>
+            </a:r>
+            <a:r>
+              <a:rPr lang="en-US" altLang="ko-KR" sz="1000" dirty="0"/>
+              <a:t>.</a:t>
+            </a:r>
+            <a:endParaRPr lang="ko-KR" altLang="en-US" sz="1000" dirty="0"/>
+          </a:p>
+        </p:txBody>
+      </p:sp>
+    </p:spTree>
+    <p:extLst>
+      <p:ext uri="{BB962C8B-B14F-4D97-AF65-F5344CB8AC3E}">
+        <p14:creationId xmlns:p14="http://schemas.microsoft.com/office/powerpoint/2010/main" val="2176630141"/>
+      </p:ext>
+    </p:extLst>
+  </p:cSld>
+  <p:clrMapOvr>
+    <a:masterClrMapping/>
+  </p:clrMapOvr>
+</p:sld>
+</file>
+
+<file path=ppt/slides/slide5.xml><?xml version="1.0" encoding="utf-8"?>
+<p:sld xmlns:a="http://schemas.openxmlformats.org/drawingml/2006/main" xmlns:r="http://schemas.openxmlformats.org/officeDocument/2006/relationships" xmlns:p="http://schemas.openxmlformats.org/presentationml/2006/main">
+  <p:cSld>
+    <p:spTree>
+      <p:nvGrpSpPr>
+        <p:cNvPr id="1" name=""/>
+        <p:cNvGrpSpPr/>
+        <p:nvPr/>
+      </p:nvGrpSpPr>
+      <p:grpSpPr>
+        <a:xfrm>
+          <a:off x="0" y="0"/>
+          <a:ext cx="0" cy="0"/>
+          <a:chOff x="0" y="0"/>
+          <a:chExt cx="0" cy="0"/>
+        </a:xfrm>
+      </p:grpSpPr>
+      <p:sp>
+        <p:nvSpPr>
+          <p:cNvPr id="2" name="제목 1">
+            <a:extLst>
+              <a:ext uri="{FF2B5EF4-FFF2-40B4-BE49-F238E27FC236}">
+                <a16:creationId xmlns:a16="http://schemas.microsoft.com/office/drawing/2014/main" id="{C36612DE-2111-4159-815A-D0F164E37F46}"/>
+              </a:ext>
+            </a:extLst>
+          </p:cNvPr>
+          <p:cNvSpPr>
+            <a:spLocks noGrp="1"/>
+          </p:cNvSpPr>
+          <p:nvPr>
+            <p:ph type="title"/>
+          </p:nvPr>
+        </p:nvSpPr>
+        <p:spPr>
+          <a:xfrm>
+            <a:off x="166687" y="127839"/>
+            <a:ext cx="7886700" cy="749800"/>
+          </a:xfrm>
+        </p:spPr>
+        <p:txBody>
+          <a:bodyPr/>
+          <a:lstStyle/>
+          <a:p>
+            <a:r>
+              <a:rPr lang="en-US" altLang="ko-KR" dirty="0"/>
+              <a:t>Proxy 1</a:t>
+            </a:r>
+            <a:endParaRPr lang="ko-KR" altLang="en-US" dirty="0"/>
+          </a:p>
+        </p:txBody>
+      </p:sp>
+      <p:pic>
+        <p:nvPicPr>
+          <p:cNvPr id="26" name="그림 25">
+            <a:extLst>
+              <a:ext uri="{FF2B5EF4-FFF2-40B4-BE49-F238E27FC236}">
+                <a16:creationId xmlns:a16="http://schemas.microsoft.com/office/drawing/2014/main" id="{6FE95937-5B70-4FB4-9D66-3E57823452E7}"/>
+              </a:ext>
+            </a:extLst>
+          </p:cNvPr>
+          <p:cNvPicPr>
+            <a:picLocks noChangeAspect="1"/>
+          </p:cNvPicPr>
+          <p:nvPr/>
+        </p:nvPicPr>
+        <p:blipFill>
+          <a:blip r:embed="rId2"/>
+          <a:stretch>
+            <a:fillRect/>
+          </a:stretch>
+        </p:blipFill>
+        <p:spPr>
+          <a:xfrm>
+            <a:off x="614729" y="3084510"/>
+            <a:ext cx="5959047" cy="2202839"/>
+          </a:xfrm>
+          <a:prstGeom prst="rect">
+            <a:avLst/>
+          </a:prstGeom>
+        </p:spPr>
+      </p:pic>
+      <p:sp>
+        <p:nvSpPr>
+          <p:cNvPr id="27" name="TextBox 26">
+            <a:extLst>
+              <a:ext uri="{FF2B5EF4-FFF2-40B4-BE49-F238E27FC236}">
+                <a16:creationId xmlns:a16="http://schemas.microsoft.com/office/drawing/2014/main" id="{A975FE2E-4F99-4355-B4EC-7555898A9684}"/>
+              </a:ext>
+            </a:extLst>
+          </p:cNvPr>
+          <p:cNvSpPr txBox="1"/>
+          <p:nvPr/>
+        </p:nvSpPr>
+        <p:spPr>
+          <a:xfrm>
+            <a:off x="333374" y="889115"/>
+            <a:ext cx="8552717" cy="369332"/>
+          </a:xfrm>
+          <a:prstGeom prst="rect">
+            <a:avLst/>
+          </a:prstGeom>
+          <a:solidFill>
+            <a:srgbClr val="00B0F0"/>
+          </a:solidFill>
+        </p:spPr>
+        <p:txBody>
+          <a:bodyPr wrap="square" rtlCol="0">
+            <a:spAutoFit/>
+          </a:bodyPr>
+          <a:lstStyle/>
+          <a:p>
+            <a:r>
+              <a:rPr lang="ko-KR" altLang="en-US" dirty="0">
+                <a:solidFill>
+                  <a:schemeClr val="bg1"/>
+                </a:solidFill>
+              </a:rPr>
+              <a:t>동기</a:t>
+            </a:r>
+            <a:r>
+              <a:rPr lang="en-US" altLang="ko-KR" dirty="0">
+                <a:solidFill>
+                  <a:schemeClr val="bg1"/>
+                </a:solidFill>
+              </a:rPr>
+              <a:t>	</a:t>
+            </a:r>
+            <a:endParaRPr lang="ko-KR" altLang="en-US" dirty="0">
+              <a:solidFill>
+                <a:schemeClr val="bg1"/>
+              </a:solidFill>
+            </a:endParaRPr>
+          </a:p>
+        </p:txBody>
+      </p:sp>
+      <p:sp>
+        <p:nvSpPr>
+          <p:cNvPr id="29" name="TextBox 28">
+            <a:extLst>
+              <a:ext uri="{FF2B5EF4-FFF2-40B4-BE49-F238E27FC236}">
+                <a16:creationId xmlns:a16="http://schemas.microsoft.com/office/drawing/2014/main" id="{AC35C033-A44B-42D2-8B7A-3E9561A8F7D0}"/>
+              </a:ext>
+            </a:extLst>
+          </p:cNvPr>
+          <p:cNvSpPr txBox="1"/>
+          <p:nvPr/>
+        </p:nvSpPr>
+        <p:spPr>
+          <a:xfrm>
+            <a:off x="511174" y="1434241"/>
+            <a:ext cx="8415949" cy="1200329"/>
+          </a:xfrm>
+          <a:prstGeom prst="rect">
+            <a:avLst/>
+          </a:prstGeom>
+          <a:noFill/>
+        </p:spPr>
+        <p:txBody>
+          <a:bodyPr wrap="square" rtlCol="0">
+            <a:spAutoFit/>
+          </a:bodyPr>
+          <a:lstStyle/>
+          <a:p>
+            <a:pPr marL="342900" indent="-342900">
+              <a:buAutoNum type="arabicPeriod"/>
+            </a:pPr>
+            <a:r>
+              <a:rPr lang="ko-KR" altLang="en-US" dirty="0"/>
+              <a:t>서버 엄청 많은 정보가 있습니다</a:t>
+            </a:r>
+            <a:r>
+              <a:rPr lang="en-US" altLang="ko-KR" dirty="0"/>
+              <a:t>.</a:t>
+            </a:r>
+          </a:p>
+          <a:p>
+            <a:pPr marL="342900" indent="-342900">
+              <a:buAutoNum type="arabicPeriod"/>
+            </a:pPr>
+            <a:r>
+              <a:rPr lang="ko-KR" altLang="en-US" dirty="0"/>
+              <a:t>해당 정보를 한꺼번에 가져오면 매번 갖고 올때마다 </a:t>
+            </a:r>
+            <a:r>
+              <a:rPr lang="en-US" altLang="ko-KR" dirty="0"/>
+              <a:t>1</a:t>
+            </a:r>
+            <a:r>
+              <a:rPr lang="ko-KR" altLang="en-US" dirty="0"/>
+              <a:t>분 이상씩 걸립니다</a:t>
+            </a:r>
+            <a:r>
+              <a:rPr lang="en-US" altLang="ko-KR" dirty="0"/>
+              <a:t>.</a:t>
+            </a:r>
+          </a:p>
+          <a:p>
+            <a:pPr marL="342900" indent="-342900">
+              <a:buAutoNum type="arabicPeriod"/>
+            </a:pPr>
+            <a:r>
+              <a:rPr lang="ko-KR" altLang="en-US" dirty="0"/>
+              <a:t>사용자에게 제목 정도만 보여주고 선택한 것에 대해서만 서버에서 갖고 오는게 좋을 것 같습니다</a:t>
+            </a:r>
+            <a:r>
+              <a:rPr lang="en-US" altLang="ko-KR" dirty="0"/>
+              <a:t>. 1</a:t>
+            </a:r>
+            <a:r>
+              <a:rPr lang="ko-KR" altLang="en-US" dirty="0"/>
+              <a:t>개씩 갖고 오는 건 </a:t>
+            </a:r>
+            <a:r>
+              <a:rPr lang="en-US" altLang="ko-KR" dirty="0"/>
+              <a:t>1</a:t>
+            </a:r>
+            <a:r>
+              <a:rPr lang="ko-KR" altLang="en-US" dirty="0"/>
+              <a:t>초면 됩니다</a:t>
+            </a:r>
+            <a:r>
+              <a:rPr lang="en-US" altLang="ko-KR" dirty="0"/>
+              <a:t>.</a:t>
+            </a:r>
+            <a:endParaRPr lang="ko-KR" altLang="en-US" dirty="0"/>
+          </a:p>
+        </p:txBody>
+      </p:sp>
+      <p:sp>
+        <p:nvSpPr>
+          <p:cNvPr id="6" name="TextBox 5">
+            <a:extLst>
+              <a:ext uri="{FF2B5EF4-FFF2-40B4-BE49-F238E27FC236}">
+                <a16:creationId xmlns:a16="http://schemas.microsoft.com/office/drawing/2014/main" id="{A94E8FA9-5659-428E-A08F-298F6EB97E69}"/>
+              </a:ext>
+            </a:extLst>
+          </p:cNvPr>
+          <p:cNvSpPr txBox="1"/>
+          <p:nvPr/>
+        </p:nvSpPr>
+        <p:spPr>
+          <a:xfrm>
+            <a:off x="333375" y="2674874"/>
+            <a:ext cx="8552716" cy="369332"/>
+          </a:xfrm>
+          <a:prstGeom prst="rect">
+            <a:avLst/>
+          </a:prstGeom>
+          <a:solidFill>
+            <a:srgbClr val="00B0F0"/>
+          </a:solidFill>
+        </p:spPr>
+        <p:txBody>
+          <a:bodyPr wrap="square" rtlCol="0">
+            <a:spAutoFit/>
+          </a:bodyPr>
+          <a:lstStyle/>
+          <a:p>
+            <a:r>
+              <a:rPr lang="ko-KR" altLang="en-US" dirty="0">
+                <a:solidFill>
+                  <a:schemeClr val="bg1"/>
+                </a:solidFill>
+              </a:rPr>
+              <a:t>그림</a:t>
+            </a:r>
+            <a:r>
+              <a:rPr lang="en-US" altLang="ko-KR" dirty="0">
+                <a:solidFill>
+                  <a:schemeClr val="bg1"/>
+                </a:solidFill>
+              </a:rPr>
+              <a:t>	</a:t>
+            </a:r>
+            <a:endParaRPr lang="ko-KR" altLang="en-US" dirty="0">
+              <a:solidFill>
+                <a:schemeClr val="bg1"/>
+              </a:solidFill>
+            </a:endParaRPr>
+          </a:p>
+        </p:txBody>
+      </p:sp>
+    </p:spTree>
+    <p:extLst>
+      <p:ext uri="{BB962C8B-B14F-4D97-AF65-F5344CB8AC3E}">
+        <p14:creationId xmlns:p14="http://schemas.microsoft.com/office/powerpoint/2010/main" val="2073730370"/>
+      </p:ext>
+    </p:extLst>
+  </p:cSld>
+  <p:clrMapOvr>
+    <a:masterClrMapping/>
+  </p:clrMapOvr>
+</p:sld>
+</file>
+
+<file path=ppt/slides/slide6.xml><?xml version="1.0" encoding="utf-8"?>
+<p:sld xmlns:a="http://schemas.openxmlformats.org/drawingml/2006/main" xmlns:r="http://schemas.openxmlformats.org/officeDocument/2006/relationships" xmlns:p="http://schemas.openxmlformats.org/presentationml/2006/main">
+  <p:cSld>
+    <p:spTree>
+      <p:nvGrpSpPr>
+        <p:cNvPr id="1" name=""/>
+        <p:cNvGrpSpPr/>
+        <p:nvPr/>
+      </p:nvGrpSpPr>
+      <p:grpSpPr>
+        <a:xfrm>
+          <a:off x="0" y="0"/>
+          <a:ext cx="0" cy="0"/>
+          <a:chOff x="0" y="0"/>
+          <a:chExt cx="0" cy="0"/>
+        </a:xfrm>
+      </p:grpSpPr>
+      <p:sp>
+        <p:nvSpPr>
+          <p:cNvPr id="4" name="제목 1">
+            <a:extLst>
+              <a:ext uri="{FF2B5EF4-FFF2-40B4-BE49-F238E27FC236}">
+                <a16:creationId xmlns:a16="http://schemas.microsoft.com/office/drawing/2014/main" id="{13364E97-89CC-48D0-BD77-7E69F13463A8}"/>
+              </a:ext>
+            </a:extLst>
+          </p:cNvPr>
+          <p:cNvSpPr>
+            <a:spLocks noGrp="1"/>
+          </p:cNvSpPr>
+          <p:nvPr>
+            <p:ph type="title"/>
+          </p:nvPr>
+        </p:nvSpPr>
+        <p:spPr>
+          <a:xfrm>
+            <a:off x="166687" y="127839"/>
+            <a:ext cx="7886700" cy="749800"/>
+          </a:xfrm>
+        </p:spPr>
+        <p:txBody>
+          <a:bodyPr/>
+          <a:lstStyle/>
+          <a:p>
+            <a:r>
+              <a:rPr lang="en-US" altLang="ko-KR" dirty="0"/>
+              <a:t>Proxy 2</a:t>
+            </a:r>
+            <a:endParaRPr lang="ko-KR" altLang="en-US" dirty="0"/>
+          </a:p>
+        </p:txBody>
+      </p:sp>
+      <p:sp>
+        <p:nvSpPr>
+          <p:cNvPr id="5" name="TextBox 4">
+            <a:extLst>
+              <a:ext uri="{FF2B5EF4-FFF2-40B4-BE49-F238E27FC236}">
+                <a16:creationId xmlns:a16="http://schemas.microsoft.com/office/drawing/2014/main" id="{CAD5CF2A-6E91-4493-A6E8-2C274F9455F2}"/>
+              </a:ext>
+            </a:extLst>
+          </p:cNvPr>
+          <p:cNvSpPr txBox="1"/>
+          <p:nvPr/>
+        </p:nvSpPr>
+        <p:spPr>
+          <a:xfrm>
+            <a:off x="333374" y="889115"/>
+            <a:ext cx="8552717" cy="369332"/>
+          </a:xfrm>
+          <a:prstGeom prst="rect">
+            <a:avLst/>
+          </a:prstGeom>
+          <a:solidFill>
+            <a:srgbClr val="00B0F0"/>
+          </a:solidFill>
+        </p:spPr>
+        <p:txBody>
+          <a:bodyPr wrap="square" rtlCol="0">
+            <a:spAutoFit/>
+          </a:bodyPr>
+          <a:lstStyle/>
+          <a:p>
+            <a:r>
+              <a:rPr lang="en-US" altLang="ko-KR" dirty="0">
+                <a:solidFill>
+                  <a:schemeClr val="bg1"/>
+                </a:solidFill>
+              </a:rPr>
+              <a:t>code	</a:t>
+            </a:r>
+            <a:endParaRPr lang="ko-KR" altLang="en-US" dirty="0">
+              <a:solidFill>
+                <a:schemeClr val="bg1"/>
+              </a:solidFill>
+            </a:endParaRPr>
+          </a:p>
+        </p:txBody>
+      </p:sp>
+      <p:pic>
+        <p:nvPicPr>
+          <p:cNvPr id="7" name="그림 6">
+            <a:extLst>
+              <a:ext uri="{FF2B5EF4-FFF2-40B4-BE49-F238E27FC236}">
+                <a16:creationId xmlns:a16="http://schemas.microsoft.com/office/drawing/2014/main" id="{FB57F8EA-5E27-474A-86D5-D315BCF080DE}"/>
+              </a:ext>
+            </a:extLst>
+          </p:cNvPr>
+          <p:cNvPicPr>
+            <a:picLocks noChangeAspect="1"/>
+          </p:cNvPicPr>
+          <p:nvPr/>
+        </p:nvPicPr>
+        <p:blipFill>
+          <a:blip r:embed="rId2"/>
+          <a:stretch>
+            <a:fillRect/>
+          </a:stretch>
+        </p:blipFill>
+        <p:spPr>
+          <a:xfrm>
+            <a:off x="6153887" y="1454646"/>
+            <a:ext cx="2884609" cy="1243892"/>
+          </a:xfrm>
+          <a:prstGeom prst="rect">
+            <a:avLst/>
+          </a:prstGeom>
+          <a:ln>
+            <a:noFill/>
+          </a:ln>
+          <a:effectLst>
+            <a:outerShdw blurRad="190500" algn="tl" rotWithShape="0">
+              <a:srgbClr val="000000">
+                <a:alpha val="70000"/>
+              </a:srgbClr>
+            </a:outerShdw>
+          </a:effectLst>
+        </p:spPr>
+      </p:pic>
+      <p:pic>
+        <p:nvPicPr>
+          <p:cNvPr id="11" name="그림 10">
+            <a:extLst>
+              <a:ext uri="{FF2B5EF4-FFF2-40B4-BE49-F238E27FC236}">
+                <a16:creationId xmlns:a16="http://schemas.microsoft.com/office/drawing/2014/main" id="{487D874C-BB75-4AA0-89C8-40F2CA8A250E}"/>
+              </a:ext>
+            </a:extLst>
+          </p:cNvPr>
+          <p:cNvPicPr>
+            <a:picLocks noChangeAspect="1"/>
+          </p:cNvPicPr>
+          <p:nvPr/>
+        </p:nvPicPr>
+        <p:blipFill>
+          <a:blip r:embed="rId3"/>
+          <a:stretch>
+            <a:fillRect/>
+          </a:stretch>
+        </p:blipFill>
+        <p:spPr>
+          <a:xfrm>
+            <a:off x="333374" y="1349619"/>
+            <a:ext cx="5012349" cy="1789583"/>
+          </a:xfrm>
+          <a:prstGeom prst="rect">
+            <a:avLst/>
+          </a:prstGeom>
+          <a:ln>
+            <a:noFill/>
+          </a:ln>
+          <a:effectLst>
+            <a:outerShdw blurRad="190500" algn="tl" rotWithShape="0">
+              <a:srgbClr val="000000">
+                <a:alpha val="70000"/>
+              </a:srgbClr>
+            </a:outerShdw>
+          </a:effectLst>
+        </p:spPr>
+      </p:pic>
+      <p:pic>
+        <p:nvPicPr>
+          <p:cNvPr id="12" name="그림 11">
+            <a:extLst>
+              <a:ext uri="{FF2B5EF4-FFF2-40B4-BE49-F238E27FC236}">
+                <a16:creationId xmlns:a16="http://schemas.microsoft.com/office/drawing/2014/main" id="{621BC028-A945-4B2B-BDD1-E94A59E8B894}"/>
+              </a:ext>
+            </a:extLst>
+          </p:cNvPr>
+          <p:cNvPicPr>
+            <a:picLocks noChangeAspect="1"/>
+          </p:cNvPicPr>
+          <p:nvPr/>
+        </p:nvPicPr>
+        <p:blipFill>
+          <a:blip r:embed="rId4"/>
+          <a:stretch>
+            <a:fillRect/>
+          </a:stretch>
+        </p:blipFill>
+        <p:spPr>
+          <a:xfrm>
+            <a:off x="6153887" y="4583723"/>
+            <a:ext cx="2479969" cy="1699846"/>
+          </a:xfrm>
+          <a:prstGeom prst="rect">
+            <a:avLst/>
+          </a:prstGeom>
+          <a:ln>
+            <a:noFill/>
+          </a:ln>
+          <a:effectLst>
+            <a:outerShdw blurRad="190500" algn="tl" rotWithShape="0">
+              <a:srgbClr val="000000">
+                <a:alpha val="70000"/>
+              </a:srgbClr>
+            </a:outerShdw>
+          </a:effectLst>
+        </p:spPr>
+      </p:pic>
+      <p:pic>
+        <p:nvPicPr>
+          <p:cNvPr id="13" name="그림 12">
+            <a:extLst>
+              <a:ext uri="{FF2B5EF4-FFF2-40B4-BE49-F238E27FC236}">
+                <a16:creationId xmlns:a16="http://schemas.microsoft.com/office/drawing/2014/main" id="{E99B94D3-48B5-42AE-94FA-14773AD8D15F}"/>
+              </a:ext>
+            </a:extLst>
+          </p:cNvPr>
+          <p:cNvPicPr>
+            <a:picLocks noChangeAspect="1"/>
+          </p:cNvPicPr>
+          <p:nvPr/>
+        </p:nvPicPr>
+        <p:blipFill>
+          <a:blip r:embed="rId5"/>
+          <a:stretch>
+            <a:fillRect/>
+          </a:stretch>
+        </p:blipFill>
+        <p:spPr>
+          <a:xfrm>
+            <a:off x="6153887" y="2810956"/>
+            <a:ext cx="2297558" cy="1555890"/>
+          </a:xfrm>
+          <a:prstGeom prst="rect">
+            <a:avLst/>
+          </a:prstGeom>
+          <a:ln>
+            <a:noFill/>
+          </a:ln>
+          <a:effectLst>
+            <a:outerShdw blurRad="190500" algn="tl" rotWithShape="0">
+              <a:srgbClr val="000000">
+                <a:alpha val="70000"/>
+              </a:srgbClr>
+            </a:outerShdw>
+          </a:effectLst>
+        </p:spPr>
+      </p:pic>
+      <p:sp>
+        <p:nvSpPr>
+          <p:cNvPr id="14" name="사각형: 둥근 모서리 13">
+            <a:extLst>
+              <a:ext uri="{FF2B5EF4-FFF2-40B4-BE49-F238E27FC236}">
+                <a16:creationId xmlns:a16="http://schemas.microsoft.com/office/drawing/2014/main" id="{74384CB3-FFA8-4F1D-B932-3050F0353E81}"/>
               </a:ext>
             </a:extLst>
           </p:cNvPr>
@@ -3548,27 +4941,607 @@
         </p:nvSpPr>
         <p:spPr>
           <a:xfrm>
-            <a:off x="705852" y="853615"/>
-            <a:ext cx="4572000" cy="246221"/>
+            <a:off x="803031" y="2754923"/>
+            <a:ext cx="1406769" cy="181708"/>
+          </a:xfrm>
+          <a:prstGeom prst="roundRect">
+            <a:avLst/>
+          </a:prstGeom>
+          <a:noFill/>
+          <a:ln>
+            <a:solidFill>
+              <a:srgbClr val="FF0000"/>
+            </a:solidFill>
+            <a:prstDash val="sysDash"/>
+          </a:ln>
+        </p:spPr>
+        <p:style>
+          <a:lnRef idx="2">
+            <a:schemeClr val="accent1">
+              <a:shade val="50000"/>
+            </a:schemeClr>
+          </a:lnRef>
+          <a:fillRef idx="1">
+            <a:schemeClr val="accent1"/>
+          </a:fillRef>
+          <a:effectRef idx="0">
+            <a:schemeClr val="accent1"/>
+          </a:effectRef>
+          <a:fontRef idx="minor">
+            <a:schemeClr val="lt1"/>
+          </a:fontRef>
+        </p:style>
+        <p:txBody>
+          <a:bodyPr rtlCol="0" anchor="ctr"/>
+          <a:lstStyle/>
+          <a:p>
+            <a:pPr algn="ctr"/>
+            <a:endParaRPr lang="ko-KR" altLang="en-US"/>
+          </a:p>
+        </p:txBody>
+      </p:sp>
+      <p:pic>
+        <p:nvPicPr>
+          <p:cNvPr id="15" name="그림 14">
+            <a:extLst>
+              <a:ext uri="{FF2B5EF4-FFF2-40B4-BE49-F238E27FC236}">
+                <a16:creationId xmlns:a16="http://schemas.microsoft.com/office/drawing/2014/main" id="{5830A187-08A7-4287-9D0A-99A68D89C473}"/>
+              </a:ext>
+            </a:extLst>
+          </p:cNvPr>
+          <p:cNvPicPr>
+            <a:picLocks noChangeAspect="1"/>
+          </p:cNvPicPr>
+          <p:nvPr/>
+        </p:nvPicPr>
+        <p:blipFill>
+          <a:blip r:embed="rId6"/>
+          <a:stretch>
+            <a:fillRect/>
+          </a:stretch>
+        </p:blipFill>
+        <p:spPr>
+          <a:xfrm>
+            <a:off x="7406058" y="3600442"/>
+            <a:ext cx="1632438" cy="676296"/>
           </a:xfrm>
           <a:prstGeom prst="rect">
             <a:avLst/>
           </a:prstGeom>
+          <a:ln>
+            <a:solidFill>
+              <a:srgbClr val="FF0000"/>
+            </a:solidFill>
+          </a:ln>
+        </p:spPr>
+      </p:pic>
+      <p:sp>
+        <p:nvSpPr>
+          <p:cNvPr id="16" name="이등변 삼각형 15">
+            <a:extLst>
+              <a:ext uri="{FF2B5EF4-FFF2-40B4-BE49-F238E27FC236}">
+                <a16:creationId xmlns:a16="http://schemas.microsoft.com/office/drawing/2014/main" id="{64098BC5-E843-489E-9480-367FD5C7323B}"/>
+              </a:ext>
+            </a:extLst>
+          </p:cNvPr>
+          <p:cNvSpPr/>
+          <p:nvPr/>
+        </p:nvSpPr>
+        <p:spPr>
+          <a:xfrm rot="16200000">
+            <a:off x="7063985" y="3887842"/>
+            <a:ext cx="550749" cy="73387"/>
+          </a:xfrm>
+          <a:prstGeom prst="triangle">
+            <a:avLst/>
+          </a:prstGeom>
+          <a:solidFill>
+            <a:srgbClr val="FF0000"/>
+          </a:solidFill>
+          <a:ln>
+            <a:solidFill>
+              <a:srgbClr val="FF0000"/>
+            </a:solidFill>
+          </a:ln>
+        </p:spPr>
+        <p:style>
+          <a:lnRef idx="2">
+            <a:schemeClr val="accent1">
+              <a:shade val="50000"/>
+            </a:schemeClr>
+          </a:lnRef>
+          <a:fillRef idx="1">
+            <a:schemeClr val="accent1"/>
+          </a:fillRef>
+          <a:effectRef idx="0">
+            <a:schemeClr val="accent1"/>
+          </a:effectRef>
+          <a:fontRef idx="minor">
+            <a:schemeClr val="lt1"/>
+          </a:fontRef>
+        </p:style>
+        <p:txBody>
+          <a:bodyPr rtlCol="0" anchor="ctr"/>
+          <a:lstStyle/>
+          <a:p>
+            <a:pPr algn="ctr"/>
+            <a:endParaRPr lang="ko-KR" altLang="en-US"/>
+          </a:p>
+        </p:txBody>
+      </p:sp>
+      <p:pic>
+        <p:nvPicPr>
+          <p:cNvPr id="17" name="그림 16">
+            <a:extLst>
+              <a:ext uri="{FF2B5EF4-FFF2-40B4-BE49-F238E27FC236}">
+                <a16:creationId xmlns:a16="http://schemas.microsoft.com/office/drawing/2014/main" id="{E9F4019E-094B-40A4-9C84-AD6CBDC6FB2D}"/>
+              </a:ext>
+            </a:extLst>
+          </p:cNvPr>
+          <p:cNvPicPr>
+            <a:picLocks noChangeAspect="1"/>
+          </p:cNvPicPr>
+          <p:nvPr/>
+        </p:nvPicPr>
+        <p:blipFill>
+          <a:blip r:embed="rId7"/>
+          <a:stretch>
+            <a:fillRect/>
+          </a:stretch>
+        </p:blipFill>
+        <p:spPr>
+          <a:xfrm>
+            <a:off x="243388" y="3880339"/>
+            <a:ext cx="5381820" cy="2492122"/>
+          </a:xfrm>
+          <a:prstGeom prst="rect">
+            <a:avLst/>
+          </a:prstGeom>
+        </p:spPr>
+      </p:pic>
+    </p:spTree>
+    <p:extLst>
+      <p:ext uri="{BB962C8B-B14F-4D97-AF65-F5344CB8AC3E}">
+        <p14:creationId xmlns:p14="http://schemas.microsoft.com/office/powerpoint/2010/main" val="2235402636"/>
+      </p:ext>
+    </p:extLst>
+  </p:cSld>
+  <p:clrMapOvr>
+    <a:masterClrMapping/>
+  </p:clrMapOvr>
+</p:sld>
+</file>
+
+<file path=ppt/slides/slide7.xml><?xml version="1.0" encoding="utf-8"?>
+<p:sld xmlns:a="http://schemas.openxmlformats.org/drawingml/2006/main" xmlns:r="http://schemas.openxmlformats.org/officeDocument/2006/relationships" xmlns:p="http://schemas.openxmlformats.org/presentationml/2006/main">
+  <p:cSld>
+    <p:spTree>
+      <p:nvGrpSpPr>
+        <p:cNvPr id="1" name=""/>
+        <p:cNvGrpSpPr/>
+        <p:nvPr/>
+      </p:nvGrpSpPr>
+      <p:grpSpPr>
+        <a:xfrm>
+          <a:off x="0" y="0"/>
+          <a:ext cx="0" cy="0"/>
+          <a:chOff x="0" y="0"/>
+          <a:chExt cx="0" cy="0"/>
+        </a:xfrm>
+      </p:grpSpPr>
+      <p:sp>
+        <p:nvSpPr>
+          <p:cNvPr id="2" name="제목 1">
+            <a:extLst>
+              <a:ext uri="{FF2B5EF4-FFF2-40B4-BE49-F238E27FC236}">
+                <a16:creationId xmlns:a16="http://schemas.microsoft.com/office/drawing/2014/main" id="{07C3C44B-BB16-4443-A22C-7438C0CF02AA}"/>
+              </a:ext>
+            </a:extLst>
+          </p:cNvPr>
+          <p:cNvSpPr>
+            <a:spLocks noGrp="1"/>
+          </p:cNvSpPr>
+          <p:nvPr>
+            <p:ph type="title"/>
+          </p:nvPr>
+        </p:nvSpPr>
+        <p:spPr>
+          <a:xfrm>
+            <a:off x="628650" y="172622"/>
+            <a:ext cx="7886700" cy="637506"/>
+          </a:xfrm>
         </p:spPr>
         <p:txBody>
           <a:bodyPr>
+            <a:normAutofit fontScale="90000"/>
+          </a:bodyPr>
+          <a:lstStyle/>
+          <a:p>
+            <a:r>
+              <a:rPr lang="en-US" altLang="ko-KR" dirty="0"/>
+              <a:t>State 1</a:t>
+            </a:r>
+            <a:endParaRPr lang="ko-KR" altLang="en-US" dirty="0"/>
+          </a:p>
+        </p:txBody>
+      </p:sp>
+      <p:sp>
+        <p:nvSpPr>
+          <p:cNvPr id="6" name="TextBox 5">
+            <a:extLst>
+              <a:ext uri="{FF2B5EF4-FFF2-40B4-BE49-F238E27FC236}">
+                <a16:creationId xmlns:a16="http://schemas.microsoft.com/office/drawing/2014/main" id="{6225526F-EE9B-403C-89B2-B60A8A0DB66F}"/>
+              </a:ext>
+            </a:extLst>
+          </p:cNvPr>
+          <p:cNvSpPr txBox="1"/>
+          <p:nvPr/>
+        </p:nvSpPr>
+        <p:spPr>
+          <a:xfrm>
+            <a:off x="333374" y="889115"/>
+            <a:ext cx="8552717" cy="369332"/>
+          </a:xfrm>
+          <a:prstGeom prst="rect">
+            <a:avLst/>
+          </a:prstGeom>
+          <a:solidFill>
+            <a:srgbClr val="00B0F0"/>
+          </a:solidFill>
+        </p:spPr>
+        <p:txBody>
+          <a:bodyPr wrap="square" rtlCol="0">
             <a:spAutoFit/>
           </a:bodyPr>
           <a:lstStyle/>
           <a:p>
             <a:r>
-              <a:rPr lang="ko-KR" altLang="en-US" sz="1000"/>
+              <a:rPr lang="ko-KR" altLang="en-US" dirty="0">
+                <a:solidFill>
+                  <a:schemeClr val="bg1"/>
+                </a:solidFill>
+              </a:rPr>
               <a:t>동기</a:t>
             </a:r>
-            <a:endParaRPr lang="ko-KR" altLang="en-US" sz="1000" dirty="0"/>
-          </a:p>
-        </p:txBody>
-      </p:sp>
+            <a:r>
+              <a:rPr lang="en-US" altLang="ko-KR" dirty="0">
+                <a:solidFill>
+                  <a:schemeClr val="bg1"/>
+                </a:solidFill>
+              </a:rPr>
+              <a:t>	</a:t>
+            </a:r>
+            <a:endParaRPr lang="ko-KR" altLang="en-US" dirty="0">
+              <a:solidFill>
+                <a:schemeClr val="bg1"/>
+              </a:solidFill>
+            </a:endParaRPr>
+          </a:p>
+        </p:txBody>
+      </p:sp>
+      <p:sp>
+        <p:nvSpPr>
+          <p:cNvPr id="7" name="TextBox 6">
+            <a:extLst>
+              <a:ext uri="{FF2B5EF4-FFF2-40B4-BE49-F238E27FC236}">
+                <a16:creationId xmlns:a16="http://schemas.microsoft.com/office/drawing/2014/main" id="{9C014BFD-14E1-42C6-99EA-F7E5765BCB7F}"/>
+              </a:ext>
+            </a:extLst>
+          </p:cNvPr>
+          <p:cNvSpPr txBox="1"/>
+          <p:nvPr/>
+        </p:nvSpPr>
+        <p:spPr>
+          <a:xfrm>
+            <a:off x="333375" y="2674874"/>
+            <a:ext cx="8552716" cy="369332"/>
+          </a:xfrm>
+          <a:prstGeom prst="rect">
+            <a:avLst/>
+          </a:prstGeom>
+          <a:solidFill>
+            <a:srgbClr val="00B0F0"/>
+          </a:solidFill>
+        </p:spPr>
+        <p:txBody>
+          <a:bodyPr wrap="square" rtlCol="0">
+            <a:spAutoFit/>
+          </a:bodyPr>
+          <a:lstStyle/>
+          <a:p>
+            <a:r>
+              <a:rPr lang="ko-KR" altLang="en-US" dirty="0">
+                <a:solidFill>
+                  <a:schemeClr val="bg1"/>
+                </a:solidFill>
+              </a:rPr>
+              <a:t>그림</a:t>
+            </a:r>
+            <a:r>
+              <a:rPr lang="en-US" altLang="ko-KR" dirty="0">
+                <a:solidFill>
+                  <a:schemeClr val="bg1"/>
+                </a:solidFill>
+              </a:rPr>
+              <a:t>	</a:t>
+            </a:r>
+            <a:endParaRPr lang="ko-KR" altLang="en-US" dirty="0">
+              <a:solidFill>
+                <a:schemeClr val="bg1"/>
+              </a:solidFill>
+            </a:endParaRPr>
+          </a:p>
+        </p:txBody>
+      </p:sp>
+      <p:pic>
+        <p:nvPicPr>
+          <p:cNvPr id="9" name="그림 8">
+            <a:extLst>
+              <a:ext uri="{FF2B5EF4-FFF2-40B4-BE49-F238E27FC236}">
+                <a16:creationId xmlns:a16="http://schemas.microsoft.com/office/drawing/2014/main" id="{49279C24-27B4-45FE-800E-63FD7EB44DB3}"/>
+              </a:ext>
+            </a:extLst>
+          </p:cNvPr>
+          <p:cNvPicPr>
+            <a:picLocks noChangeAspect="1"/>
+          </p:cNvPicPr>
+          <p:nvPr/>
+        </p:nvPicPr>
+        <p:blipFill>
+          <a:blip r:embed="rId2"/>
+          <a:stretch>
+            <a:fillRect/>
+          </a:stretch>
+        </p:blipFill>
+        <p:spPr>
+          <a:xfrm>
+            <a:off x="181707" y="3220052"/>
+            <a:ext cx="2408452" cy="1298336"/>
+          </a:xfrm>
+          <a:prstGeom prst="rect">
+            <a:avLst/>
+          </a:prstGeom>
+        </p:spPr>
+      </p:pic>
+      <p:sp>
+        <p:nvSpPr>
+          <p:cNvPr id="10" name="TextBox 9">
+            <a:extLst>
+              <a:ext uri="{FF2B5EF4-FFF2-40B4-BE49-F238E27FC236}">
+                <a16:creationId xmlns:a16="http://schemas.microsoft.com/office/drawing/2014/main" id="{5E7A7FC6-FBC8-453B-982C-6F75F4F0EEB6}"/>
+              </a:ext>
+            </a:extLst>
+          </p:cNvPr>
+          <p:cNvSpPr txBox="1"/>
+          <p:nvPr/>
+        </p:nvSpPr>
+        <p:spPr>
+          <a:xfrm>
+            <a:off x="511174" y="1434241"/>
+            <a:ext cx="8415949" cy="923330"/>
+          </a:xfrm>
+          <a:prstGeom prst="rect">
+            <a:avLst/>
+          </a:prstGeom>
+          <a:noFill/>
+        </p:spPr>
+        <p:txBody>
+          <a:bodyPr wrap="square" rtlCol="0">
+            <a:spAutoFit/>
+          </a:bodyPr>
+          <a:lstStyle/>
+          <a:p>
+            <a:pPr marL="342900" indent="-342900">
+              <a:buAutoNum type="arabicPeriod"/>
+            </a:pPr>
+            <a:r>
+              <a:rPr lang="ko-KR" altLang="en-US" dirty="0"/>
+              <a:t>나는 현재 상태를 코딩으로 만들고 싶습니다</a:t>
+            </a:r>
+            <a:r>
+              <a:rPr lang="en-US" altLang="ko-KR" dirty="0"/>
+              <a:t>.</a:t>
+            </a:r>
+          </a:p>
+          <a:p>
+            <a:pPr marL="342900" indent="-342900">
+              <a:buAutoNum type="arabicPeriod"/>
+            </a:pPr>
+            <a:r>
+              <a:rPr lang="ko-KR" altLang="en-US" dirty="0"/>
+              <a:t>각종 </a:t>
+            </a:r>
+            <a:r>
+              <a:rPr lang="en-US" altLang="ko-KR" dirty="0"/>
+              <a:t>Event</a:t>
+            </a:r>
+            <a:r>
+              <a:rPr lang="ko-KR" altLang="en-US" dirty="0"/>
+              <a:t>가 발생할 때 마다 나는 상태가 변합니다</a:t>
+            </a:r>
+            <a:r>
+              <a:rPr lang="en-US" altLang="ko-KR" dirty="0"/>
+              <a:t>.</a:t>
+            </a:r>
+          </a:p>
+          <a:p>
+            <a:pPr marL="342900" indent="-342900">
+              <a:buAutoNum type="arabicPeriod"/>
+            </a:pPr>
+            <a:r>
+              <a:rPr lang="ko-KR" altLang="en-US" dirty="0"/>
+              <a:t>이건 어떻게 코딩으로 </a:t>
+            </a:r>
+            <a:r>
+              <a:rPr lang="ko-KR" altLang="en-US" dirty="0" err="1"/>
+              <a:t>구현할까용</a:t>
+            </a:r>
+            <a:r>
+              <a:rPr lang="en-US" altLang="ko-KR" dirty="0"/>
+              <a:t>?</a:t>
+            </a:r>
+            <a:r>
+              <a:rPr lang="ko-KR" altLang="en-US" dirty="0"/>
+              <a:t> </a:t>
+            </a:r>
+            <a:r>
+              <a:rPr lang="en-US" altLang="ko-KR" dirty="0"/>
+              <a:t> </a:t>
+            </a:r>
+            <a:endParaRPr lang="ko-KR" altLang="en-US" dirty="0"/>
+          </a:p>
+        </p:txBody>
+      </p:sp>
+      <p:pic>
+        <p:nvPicPr>
+          <p:cNvPr id="11" name="그림 10">
+            <a:extLst>
+              <a:ext uri="{FF2B5EF4-FFF2-40B4-BE49-F238E27FC236}">
+                <a16:creationId xmlns:a16="http://schemas.microsoft.com/office/drawing/2014/main" id="{5F822FA4-C454-45D1-A800-30D63CD3AC71}"/>
+              </a:ext>
+            </a:extLst>
+          </p:cNvPr>
+          <p:cNvPicPr>
+            <a:picLocks noChangeAspect="1"/>
+          </p:cNvPicPr>
+          <p:nvPr/>
+        </p:nvPicPr>
+        <p:blipFill>
+          <a:blip r:embed="rId3"/>
+          <a:stretch>
+            <a:fillRect/>
+          </a:stretch>
+        </p:blipFill>
+        <p:spPr>
+          <a:xfrm>
+            <a:off x="2590159" y="3162544"/>
+            <a:ext cx="2193952" cy="3242294"/>
+          </a:xfrm>
+          <a:prstGeom prst="rect">
+            <a:avLst/>
+          </a:prstGeom>
+        </p:spPr>
+      </p:pic>
+      <p:pic>
+        <p:nvPicPr>
+          <p:cNvPr id="12" name="그림 11">
+            <a:extLst>
+              <a:ext uri="{FF2B5EF4-FFF2-40B4-BE49-F238E27FC236}">
+                <a16:creationId xmlns:a16="http://schemas.microsoft.com/office/drawing/2014/main" id="{F3DE3031-068E-4958-AFB5-0B0AE96F8FED}"/>
+              </a:ext>
+            </a:extLst>
+          </p:cNvPr>
+          <p:cNvPicPr>
+            <a:picLocks noChangeAspect="1"/>
+          </p:cNvPicPr>
+          <p:nvPr/>
+        </p:nvPicPr>
+        <p:blipFill>
+          <a:blip r:embed="rId4"/>
+          <a:stretch>
+            <a:fillRect/>
+          </a:stretch>
+        </p:blipFill>
+        <p:spPr>
+          <a:xfrm>
+            <a:off x="5081954" y="3162544"/>
+            <a:ext cx="1851878" cy="1028821"/>
+          </a:xfrm>
+          <a:prstGeom prst="rect">
+            <a:avLst/>
+          </a:prstGeom>
+        </p:spPr>
+      </p:pic>
+      <p:pic>
+        <p:nvPicPr>
+          <p:cNvPr id="13" name="그림 12">
+            <a:extLst>
+              <a:ext uri="{FF2B5EF4-FFF2-40B4-BE49-F238E27FC236}">
+                <a16:creationId xmlns:a16="http://schemas.microsoft.com/office/drawing/2014/main" id="{6AB0B3C2-8071-4074-BDF1-7C3D02AF9919}"/>
+              </a:ext>
+            </a:extLst>
+          </p:cNvPr>
+          <p:cNvPicPr>
+            <a:picLocks noChangeAspect="1"/>
+          </p:cNvPicPr>
+          <p:nvPr/>
+        </p:nvPicPr>
+        <p:blipFill>
+          <a:blip r:embed="rId5"/>
+          <a:stretch>
+            <a:fillRect/>
+          </a:stretch>
+        </p:blipFill>
+        <p:spPr>
+          <a:xfrm>
+            <a:off x="5081954" y="4309703"/>
+            <a:ext cx="1643914" cy="1767703"/>
+          </a:xfrm>
+          <a:prstGeom prst="rect">
+            <a:avLst/>
+          </a:prstGeom>
+        </p:spPr>
+      </p:pic>
+      <p:pic>
+        <p:nvPicPr>
+          <p:cNvPr id="14" name="그림 13">
+            <a:extLst>
+              <a:ext uri="{FF2B5EF4-FFF2-40B4-BE49-F238E27FC236}">
+                <a16:creationId xmlns:a16="http://schemas.microsoft.com/office/drawing/2014/main" id="{E4C7436A-91BC-43E8-9B98-AC7BD270AD83}"/>
+              </a:ext>
+            </a:extLst>
+          </p:cNvPr>
+          <p:cNvPicPr>
+            <a:picLocks noChangeAspect="1"/>
+          </p:cNvPicPr>
+          <p:nvPr/>
+        </p:nvPicPr>
+        <p:blipFill>
+          <a:blip r:embed="rId6"/>
+          <a:stretch>
+            <a:fillRect/>
+          </a:stretch>
+        </p:blipFill>
+        <p:spPr>
+          <a:xfrm>
+            <a:off x="7023711" y="3220052"/>
+            <a:ext cx="1742564" cy="1658166"/>
+          </a:xfrm>
+          <a:prstGeom prst="rect">
+            <a:avLst/>
+          </a:prstGeom>
+        </p:spPr>
+      </p:pic>
+      <p:pic>
+        <p:nvPicPr>
+          <p:cNvPr id="15" name="그림 14">
+            <a:extLst>
+              <a:ext uri="{FF2B5EF4-FFF2-40B4-BE49-F238E27FC236}">
+                <a16:creationId xmlns:a16="http://schemas.microsoft.com/office/drawing/2014/main" id="{6C7884F4-65CF-4191-92CD-0D498ED70F5B}"/>
+              </a:ext>
+            </a:extLst>
+          </p:cNvPr>
+          <p:cNvPicPr>
+            <a:picLocks noChangeAspect="1"/>
+          </p:cNvPicPr>
+          <p:nvPr/>
+        </p:nvPicPr>
+        <p:blipFill>
+          <a:blip r:embed="rId7"/>
+          <a:stretch>
+            <a:fillRect/>
+          </a:stretch>
+        </p:blipFill>
+        <p:spPr>
+          <a:xfrm>
+            <a:off x="7192563" y="5014914"/>
+            <a:ext cx="1675701" cy="1641503"/>
+          </a:xfrm>
+          <a:prstGeom prst="rect">
+            <a:avLst/>
+          </a:prstGeom>
+        </p:spPr>
+      </p:pic>
     </p:spTree>
     <p:extLst>
       <p:ext uri="{BB962C8B-B14F-4D97-AF65-F5344CB8AC3E}">
